--- a/Poster/PICO_poster_SPIE2018.pptx
+++ b/Poster/PICO_poster_SPIE2018.pptx
@@ -104,7 +104,61 @@
       </a:defRPr>
     </a:lvl9pPr>
   </p:defaultTextStyle>
+  <p:extLst>
+    <p:ext uri="{521415D9-36F7-43E2-AB2F-B90AF26B5E84}">
+      <p14:sectionLst xmlns:p14="http://schemas.microsoft.com/office/powerpoint/2010/main">
+        <p14:section name="Untitled Section" id="{778ACB7A-1E85-48E8-8933-53AFDCBF8E82}">
+          <p14:sldIdLst>
+            <p14:sldId id="256"/>
+          </p14:sldIdLst>
+        </p14:section>
+      </p14:sectionLst>
+    </p:ext>
+    <p:ext uri="{EFAFB233-063F-42B5-8137-9DF3F51BA10A}">
+      <p15:sldGuideLst xmlns:p15="http://schemas.microsoft.com/office/powerpoint/2012/main">
+        <p15:guide id="1" orient="horz" pos="4464" userDrawn="1">
+          <p15:clr>
+            <a:srgbClr val="A4A3A4"/>
+          </p15:clr>
+        </p15:guide>
+        <p15:guide id="2" orient="horz" pos="20618">
+          <p15:clr>
+            <a:srgbClr val="A4A3A4"/>
+          </p15:clr>
+        </p15:guide>
+        <p15:guide id="3" pos="6833">
+          <p15:clr>
+            <a:srgbClr val="A4A3A4"/>
+          </p15:clr>
+        </p15:guide>
+        <p15:guide id="4" pos="236">
+          <p15:clr>
+            <a:srgbClr val="A4A3A4"/>
+          </p15:clr>
+        </p15:guide>
+        <p15:guide id="5" pos="20500">
+          <p15:clr>
+            <a:srgbClr val="A4A3A4"/>
+          </p15:clr>
+        </p15:guide>
+        <p15:guide id="6" pos="10368">
+          <p15:clr>
+            <a:srgbClr val="A4A3A4"/>
+          </p15:clr>
+        </p15:guide>
+        <p15:guide id="7" pos="13903">
+          <p15:clr>
+            <a:srgbClr val="A4A3A4"/>
+          </p15:clr>
+        </p15:guide>
+      </p15:sldGuideLst>
+    </p:ext>
+  </p:extLst>
 </p:presentation>
+</file>
+
+<file path=ppt/revisionInfo.xml><?xml version="1.0" encoding="utf-8"?>
+<p1510:revInfo xmlns:a="http://schemas.openxmlformats.org/drawingml/2006/main" xmlns:r="http://schemas.openxmlformats.org/officeDocument/2006/relationships" xmlns:p1510="http://schemas.microsoft.com/office/powerpoint/2015/10/main"/>
 </file>
 
 <file path=ppt/slideLayouts/slideLayout1.xml><?xml version="1.0" encoding="utf-8"?>
@@ -145,10 +199,9 @@
           <a:lstStyle/>
           <a:p>
             <a:r>
-              <a:rPr lang="en-US" smtClean="0"/>
+              <a:rPr lang="en-US"/>
               <a:t>Click to edit Master title style</a:t>
             </a:r>
-            <a:endParaRPr lang="en-US"/>
           </a:p>
         </p:txBody>
       </p:sp>
@@ -264,10 +317,9 @@
           </a:lstStyle>
           <a:p>
             <a:r>
-              <a:rPr lang="en-US" smtClean="0"/>
+              <a:rPr lang="en-US"/>
               <a:t>Click to edit Master subtitle style</a:t>
             </a:r>
-            <a:endParaRPr lang="en-US"/>
           </a:p>
         </p:txBody>
       </p:sp>
@@ -289,7 +341,7 @@
             <a:fld id="{1D8BD707-D9CF-40AE-B4C6-C98DA3205C09}" type="datetimeFigureOut">
               <a:rPr lang="en-US" smtClean="0"/>
               <a:pPr/>
-              <a:t>5/18/2018</a:t>
+              <a:t>6/3/2018</a:t>
             </a:fld>
             <a:endParaRPr lang="en-US"/>
           </a:p>
@@ -379,10 +431,9 @@
           <a:lstStyle/>
           <a:p>
             <a:r>
-              <a:rPr lang="en-US" smtClean="0"/>
+              <a:rPr lang="en-US"/>
               <a:t>Click to edit Master title style</a:t>
             </a:r>
-            <a:endParaRPr lang="en-US"/>
           </a:p>
         </p:txBody>
       </p:sp>
@@ -403,38 +454,37 @@
           <a:p>
             <a:pPr lvl="0"/>
             <a:r>
-              <a:rPr lang="en-US" smtClean="0"/>
+              <a:rPr lang="en-US"/>
               <a:t>Click to edit Master text styles</a:t>
             </a:r>
           </a:p>
           <a:p>
             <a:pPr lvl="1"/>
             <a:r>
-              <a:rPr lang="en-US" smtClean="0"/>
+              <a:rPr lang="en-US"/>
               <a:t>Second level</a:t>
             </a:r>
           </a:p>
           <a:p>
             <a:pPr lvl="2"/>
             <a:r>
-              <a:rPr lang="en-US" smtClean="0"/>
+              <a:rPr lang="en-US"/>
               <a:t>Third level</a:t>
             </a:r>
           </a:p>
           <a:p>
             <a:pPr lvl="3"/>
             <a:r>
-              <a:rPr lang="en-US" smtClean="0"/>
+              <a:rPr lang="en-US"/>
               <a:t>Fourth level</a:t>
             </a:r>
           </a:p>
           <a:p>
             <a:pPr lvl="4"/>
             <a:r>
-              <a:rPr lang="en-US" smtClean="0"/>
+              <a:rPr lang="en-US"/>
               <a:t>Fifth level</a:t>
             </a:r>
-            <a:endParaRPr lang="en-US"/>
           </a:p>
         </p:txBody>
       </p:sp>
@@ -456,7 +506,7 @@
             <a:fld id="{1D8BD707-D9CF-40AE-B4C6-C98DA3205C09}" type="datetimeFigureOut">
               <a:rPr lang="en-US" smtClean="0"/>
               <a:pPr/>
-              <a:t>5/18/2018</a:t>
+              <a:t>6/3/2018</a:t>
             </a:fld>
             <a:endParaRPr lang="en-US"/>
           </a:p>
@@ -551,10 +601,9 @@
           <a:lstStyle/>
           <a:p>
             <a:r>
-              <a:rPr lang="en-US" smtClean="0"/>
+              <a:rPr lang="en-US"/>
               <a:t>Click to edit Master title style</a:t>
             </a:r>
-            <a:endParaRPr lang="en-US"/>
           </a:p>
         </p:txBody>
       </p:sp>
@@ -580,38 +629,37 @@
           <a:p>
             <a:pPr lvl="0"/>
             <a:r>
-              <a:rPr lang="en-US" smtClean="0"/>
+              <a:rPr lang="en-US"/>
               <a:t>Click to edit Master text styles</a:t>
             </a:r>
           </a:p>
           <a:p>
             <a:pPr lvl="1"/>
             <a:r>
-              <a:rPr lang="en-US" smtClean="0"/>
+              <a:rPr lang="en-US"/>
               <a:t>Second level</a:t>
             </a:r>
           </a:p>
           <a:p>
             <a:pPr lvl="2"/>
             <a:r>
-              <a:rPr lang="en-US" smtClean="0"/>
+              <a:rPr lang="en-US"/>
               <a:t>Third level</a:t>
             </a:r>
           </a:p>
           <a:p>
             <a:pPr lvl="3"/>
             <a:r>
-              <a:rPr lang="en-US" smtClean="0"/>
+              <a:rPr lang="en-US"/>
               <a:t>Fourth level</a:t>
             </a:r>
           </a:p>
           <a:p>
             <a:pPr lvl="4"/>
             <a:r>
-              <a:rPr lang="en-US" smtClean="0"/>
+              <a:rPr lang="en-US"/>
               <a:t>Fifth level</a:t>
             </a:r>
-            <a:endParaRPr lang="en-US"/>
           </a:p>
         </p:txBody>
       </p:sp>
@@ -633,7 +681,7 @@
             <a:fld id="{1D8BD707-D9CF-40AE-B4C6-C98DA3205C09}" type="datetimeFigureOut">
               <a:rPr lang="en-US" smtClean="0"/>
               <a:pPr/>
-              <a:t>5/18/2018</a:t>
+              <a:t>6/3/2018</a:t>
             </a:fld>
             <a:endParaRPr lang="en-US"/>
           </a:p>
@@ -723,10 +771,9 @@
           <a:lstStyle/>
           <a:p>
             <a:r>
-              <a:rPr lang="en-US" smtClean="0"/>
+              <a:rPr lang="en-US"/>
               <a:t>Click to edit Master title style</a:t>
             </a:r>
-            <a:endParaRPr lang="en-US"/>
           </a:p>
         </p:txBody>
       </p:sp>
@@ -747,38 +794,37 @@
           <a:p>
             <a:pPr lvl="0"/>
             <a:r>
-              <a:rPr lang="en-US" smtClean="0"/>
+              <a:rPr lang="en-US"/>
               <a:t>Click to edit Master text styles</a:t>
             </a:r>
           </a:p>
           <a:p>
             <a:pPr lvl="1"/>
             <a:r>
-              <a:rPr lang="en-US" smtClean="0"/>
+              <a:rPr lang="en-US"/>
               <a:t>Second level</a:t>
             </a:r>
           </a:p>
           <a:p>
             <a:pPr lvl="2"/>
             <a:r>
-              <a:rPr lang="en-US" smtClean="0"/>
+              <a:rPr lang="en-US"/>
               <a:t>Third level</a:t>
             </a:r>
           </a:p>
           <a:p>
             <a:pPr lvl="3"/>
             <a:r>
-              <a:rPr lang="en-US" smtClean="0"/>
+              <a:rPr lang="en-US"/>
               <a:t>Fourth level</a:t>
             </a:r>
           </a:p>
           <a:p>
             <a:pPr lvl="4"/>
             <a:r>
-              <a:rPr lang="en-US" smtClean="0"/>
+              <a:rPr lang="en-US"/>
               <a:t>Fifth level</a:t>
             </a:r>
-            <a:endParaRPr lang="en-US"/>
           </a:p>
         </p:txBody>
       </p:sp>
@@ -800,7 +846,7 @@
             <a:fld id="{1D8BD707-D9CF-40AE-B4C6-C98DA3205C09}" type="datetimeFigureOut">
               <a:rPr lang="en-US" smtClean="0"/>
               <a:pPr/>
-              <a:t>5/18/2018</a:t>
+              <a:t>6/3/2018</a:t>
             </a:fld>
             <a:endParaRPr lang="en-US"/>
           </a:p>
@@ -899,10 +945,9 @@
           </a:lstStyle>
           <a:p>
             <a:r>
-              <a:rPr lang="en-US" smtClean="0"/>
+              <a:rPr lang="en-US"/>
               <a:t>Click to edit Master title style</a:t>
             </a:r>
-            <a:endParaRPr lang="en-US"/>
           </a:p>
         </p:txBody>
       </p:sp>
@@ -1019,7 +1064,7 @@
           <a:p>
             <a:pPr lvl="0"/>
             <a:r>
-              <a:rPr lang="en-US" smtClean="0"/>
+              <a:rPr lang="en-US"/>
               <a:t>Click to edit Master text styles</a:t>
             </a:r>
           </a:p>
@@ -1043,7 +1088,7 @@
             <a:fld id="{1D8BD707-D9CF-40AE-B4C6-C98DA3205C09}" type="datetimeFigureOut">
               <a:rPr lang="en-US" smtClean="0"/>
               <a:pPr/>
-              <a:t>5/18/2018</a:t>
+              <a:t>6/3/2018</a:t>
             </a:fld>
             <a:endParaRPr lang="en-US"/>
           </a:p>
@@ -1133,10 +1178,9 @@
           <a:lstStyle/>
           <a:p>
             <a:r>
-              <a:rPr lang="en-US" smtClean="0"/>
+              <a:rPr lang="en-US"/>
               <a:t>Click to edit Master title style</a:t>
             </a:r>
-            <a:endParaRPr lang="en-US"/>
           </a:p>
         </p:txBody>
       </p:sp>
@@ -1190,38 +1234,37 @@
           <a:p>
             <a:pPr lvl="0"/>
             <a:r>
-              <a:rPr lang="en-US" smtClean="0"/>
+              <a:rPr lang="en-US"/>
               <a:t>Click to edit Master text styles</a:t>
             </a:r>
           </a:p>
           <a:p>
             <a:pPr lvl="1"/>
             <a:r>
-              <a:rPr lang="en-US" smtClean="0"/>
+              <a:rPr lang="en-US"/>
               <a:t>Second level</a:t>
             </a:r>
           </a:p>
           <a:p>
             <a:pPr lvl="2"/>
             <a:r>
-              <a:rPr lang="en-US" smtClean="0"/>
+              <a:rPr lang="en-US"/>
               <a:t>Third level</a:t>
             </a:r>
           </a:p>
           <a:p>
             <a:pPr lvl="3"/>
             <a:r>
-              <a:rPr lang="en-US" smtClean="0"/>
+              <a:rPr lang="en-US"/>
               <a:t>Fourth level</a:t>
             </a:r>
           </a:p>
           <a:p>
             <a:pPr lvl="4"/>
             <a:r>
-              <a:rPr lang="en-US" smtClean="0"/>
+              <a:rPr lang="en-US"/>
               <a:t>Fifth level</a:t>
             </a:r>
-            <a:endParaRPr lang="en-US"/>
           </a:p>
         </p:txBody>
       </p:sp>
@@ -1275,38 +1318,37 @@
           <a:p>
             <a:pPr lvl="0"/>
             <a:r>
-              <a:rPr lang="en-US" smtClean="0"/>
+              <a:rPr lang="en-US"/>
               <a:t>Click to edit Master text styles</a:t>
             </a:r>
           </a:p>
           <a:p>
             <a:pPr lvl="1"/>
             <a:r>
-              <a:rPr lang="en-US" smtClean="0"/>
+              <a:rPr lang="en-US"/>
               <a:t>Second level</a:t>
             </a:r>
           </a:p>
           <a:p>
             <a:pPr lvl="2"/>
             <a:r>
-              <a:rPr lang="en-US" smtClean="0"/>
+              <a:rPr lang="en-US"/>
               <a:t>Third level</a:t>
             </a:r>
           </a:p>
           <a:p>
             <a:pPr lvl="3"/>
             <a:r>
-              <a:rPr lang="en-US" smtClean="0"/>
+              <a:rPr lang="en-US"/>
               <a:t>Fourth level</a:t>
             </a:r>
           </a:p>
           <a:p>
             <a:pPr lvl="4"/>
             <a:r>
-              <a:rPr lang="en-US" smtClean="0"/>
+              <a:rPr lang="en-US"/>
               <a:t>Fifth level</a:t>
             </a:r>
-            <a:endParaRPr lang="en-US"/>
           </a:p>
         </p:txBody>
       </p:sp>
@@ -1328,7 +1370,7 @@
             <a:fld id="{1D8BD707-D9CF-40AE-B4C6-C98DA3205C09}" type="datetimeFigureOut">
               <a:rPr lang="en-US" smtClean="0"/>
               <a:pPr/>
-              <a:t>5/18/2018</a:t>
+              <a:t>6/3/2018</a:t>
             </a:fld>
             <a:endParaRPr lang="en-US"/>
           </a:p>
@@ -1422,10 +1464,9 @@
           </a:lstStyle>
           <a:p>
             <a:r>
-              <a:rPr lang="en-US" smtClean="0"/>
+              <a:rPr lang="en-US"/>
               <a:t>Click to edit Master title style</a:t>
             </a:r>
-            <a:endParaRPr lang="en-US"/>
           </a:p>
         </p:txBody>
       </p:sp>
@@ -1488,7 +1529,7 @@
           <a:p>
             <a:pPr lvl="0"/>
             <a:r>
-              <a:rPr lang="en-US" smtClean="0"/>
+              <a:rPr lang="en-US"/>
               <a:t>Click to edit Master text styles</a:t>
             </a:r>
           </a:p>
@@ -1544,38 +1585,37 @@
           <a:p>
             <a:pPr lvl="0"/>
             <a:r>
-              <a:rPr lang="en-US" smtClean="0"/>
+              <a:rPr lang="en-US"/>
               <a:t>Click to edit Master text styles</a:t>
             </a:r>
           </a:p>
           <a:p>
             <a:pPr lvl="1"/>
             <a:r>
-              <a:rPr lang="en-US" smtClean="0"/>
+              <a:rPr lang="en-US"/>
               <a:t>Second level</a:t>
             </a:r>
           </a:p>
           <a:p>
             <a:pPr lvl="2"/>
             <a:r>
-              <a:rPr lang="en-US" smtClean="0"/>
+              <a:rPr lang="en-US"/>
               <a:t>Third level</a:t>
             </a:r>
           </a:p>
           <a:p>
             <a:pPr lvl="3"/>
             <a:r>
-              <a:rPr lang="en-US" smtClean="0"/>
+              <a:rPr lang="en-US"/>
               <a:t>Fourth level</a:t>
             </a:r>
           </a:p>
           <a:p>
             <a:pPr lvl="4"/>
             <a:r>
-              <a:rPr lang="en-US" smtClean="0"/>
+              <a:rPr lang="en-US"/>
               <a:t>Fifth level</a:t>
             </a:r>
-            <a:endParaRPr lang="en-US"/>
           </a:p>
         </p:txBody>
       </p:sp>
@@ -1638,7 +1678,7 @@
           <a:p>
             <a:pPr lvl="0"/>
             <a:r>
-              <a:rPr lang="en-US" smtClean="0"/>
+              <a:rPr lang="en-US"/>
               <a:t>Click to edit Master text styles</a:t>
             </a:r>
           </a:p>
@@ -1694,38 +1734,37 @@
           <a:p>
             <a:pPr lvl="0"/>
             <a:r>
-              <a:rPr lang="en-US" smtClean="0"/>
+              <a:rPr lang="en-US"/>
               <a:t>Click to edit Master text styles</a:t>
             </a:r>
           </a:p>
           <a:p>
             <a:pPr lvl="1"/>
             <a:r>
-              <a:rPr lang="en-US" smtClean="0"/>
+              <a:rPr lang="en-US"/>
               <a:t>Second level</a:t>
             </a:r>
           </a:p>
           <a:p>
             <a:pPr lvl="2"/>
             <a:r>
-              <a:rPr lang="en-US" smtClean="0"/>
+              <a:rPr lang="en-US"/>
               <a:t>Third level</a:t>
             </a:r>
           </a:p>
           <a:p>
             <a:pPr lvl="3"/>
             <a:r>
-              <a:rPr lang="en-US" smtClean="0"/>
+              <a:rPr lang="en-US"/>
               <a:t>Fourth level</a:t>
             </a:r>
           </a:p>
           <a:p>
             <a:pPr lvl="4"/>
             <a:r>
-              <a:rPr lang="en-US" smtClean="0"/>
+              <a:rPr lang="en-US"/>
               <a:t>Fifth level</a:t>
             </a:r>
-            <a:endParaRPr lang="en-US"/>
           </a:p>
         </p:txBody>
       </p:sp>
@@ -1747,7 +1786,7 @@
             <a:fld id="{1D8BD707-D9CF-40AE-B4C6-C98DA3205C09}" type="datetimeFigureOut">
               <a:rPr lang="en-US" smtClean="0"/>
               <a:pPr/>
-              <a:t>5/18/2018</a:t>
+              <a:t>6/3/2018</a:t>
             </a:fld>
             <a:endParaRPr lang="en-US"/>
           </a:p>
@@ -1837,10 +1876,9 @@
           <a:lstStyle/>
           <a:p>
             <a:r>
-              <a:rPr lang="en-US" smtClean="0"/>
+              <a:rPr lang="en-US"/>
               <a:t>Click to edit Master title style</a:t>
             </a:r>
-            <a:endParaRPr lang="en-US"/>
           </a:p>
         </p:txBody>
       </p:sp>
@@ -1862,7 +1900,7 @@
             <a:fld id="{1D8BD707-D9CF-40AE-B4C6-C98DA3205C09}" type="datetimeFigureOut">
               <a:rPr lang="en-US" smtClean="0"/>
               <a:pPr/>
-              <a:t>5/18/2018</a:t>
+              <a:t>6/3/2018</a:t>
             </a:fld>
             <a:endParaRPr lang="en-US"/>
           </a:p>
@@ -1954,7 +1992,7 @@
             <a:fld id="{1D8BD707-D9CF-40AE-B4C6-C98DA3205C09}" type="datetimeFigureOut">
               <a:rPr lang="en-US" smtClean="0"/>
               <a:pPr/>
-              <a:t>5/18/2018</a:t>
+              <a:t>6/3/2018</a:t>
             </a:fld>
             <a:endParaRPr lang="en-US"/>
           </a:p>
@@ -2053,10 +2091,9 @@
           </a:lstStyle>
           <a:p>
             <a:r>
-              <a:rPr lang="en-US" smtClean="0"/>
+              <a:rPr lang="en-US"/>
               <a:t>Click to edit Master title style</a:t>
             </a:r>
-            <a:endParaRPr lang="en-US"/>
           </a:p>
         </p:txBody>
       </p:sp>
@@ -2110,38 +2147,37 @@
           <a:p>
             <a:pPr lvl="0"/>
             <a:r>
-              <a:rPr lang="en-US" smtClean="0"/>
+              <a:rPr lang="en-US"/>
               <a:t>Click to edit Master text styles</a:t>
             </a:r>
           </a:p>
           <a:p>
             <a:pPr lvl="1"/>
             <a:r>
-              <a:rPr lang="en-US" smtClean="0"/>
+              <a:rPr lang="en-US"/>
               <a:t>Second level</a:t>
             </a:r>
           </a:p>
           <a:p>
             <a:pPr lvl="2"/>
             <a:r>
-              <a:rPr lang="en-US" smtClean="0"/>
+              <a:rPr lang="en-US"/>
               <a:t>Third level</a:t>
             </a:r>
           </a:p>
           <a:p>
             <a:pPr lvl="3"/>
             <a:r>
-              <a:rPr lang="en-US" smtClean="0"/>
+              <a:rPr lang="en-US"/>
               <a:t>Fourth level</a:t>
             </a:r>
           </a:p>
           <a:p>
             <a:pPr lvl="4"/>
             <a:r>
-              <a:rPr lang="en-US" smtClean="0"/>
+              <a:rPr lang="en-US"/>
               <a:t>Fifth level</a:t>
             </a:r>
-            <a:endParaRPr lang="en-US"/>
           </a:p>
         </p:txBody>
       </p:sp>
@@ -2204,7 +2240,7 @@
           <a:p>
             <a:pPr lvl="0"/>
             <a:r>
-              <a:rPr lang="en-US" smtClean="0"/>
+              <a:rPr lang="en-US"/>
               <a:t>Click to edit Master text styles</a:t>
             </a:r>
           </a:p>
@@ -2228,7 +2264,7 @@
             <a:fld id="{1D8BD707-D9CF-40AE-B4C6-C98DA3205C09}" type="datetimeFigureOut">
               <a:rPr lang="en-US" smtClean="0"/>
               <a:pPr/>
-              <a:t>5/18/2018</a:t>
+              <a:t>6/3/2018</a:t>
             </a:fld>
             <a:endParaRPr lang="en-US"/>
           </a:p>
@@ -2327,10 +2363,9 @@
           </a:lstStyle>
           <a:p>
             <a:r>
-              <a:rPr lang="en-US" smtClean="0"/>
+              <a:rPr lang="en-US"/>
               <a:t>Click to edit Master title style</a:t>
             </a:r>
-            <a:endParaRPr lang="en-US"/>
           </a:p>
         </p:txBody>
       </p:sp>
@@ -2454,7 +2489,7 @@
           <a:p>
             <a:pPr lvl="0"/>
             <a:r>
-              <a:rPr lang="en-US" smtClean="0"/>
+              <a:rPr lang="en-US"/>
               <a:t>Click to edit Master text styles</a:t>
             </a:r>
           </a:p>
@@ -2478,7 +2513,7 @@
             <a:fld id="{1D8BD707-D9CF-40AE-B4C6-C98DA3205C09}" type="datetimeFigureOut">
               <a:rPr lang="en-US" smtClean="0"/>
               <a:pPr/>
-              <a:t>5/18/2018</a:t>
+              <a:t>6/3/2018</a:t>
             </a:fld>
             <a:endParaRPr lang="en-US"/>
           </a:p>
@@ -2583,10 +2618,9 @@
           <a:lstStyle/>
           <a:p>
             <a:r>
-              <a:rPr lang="en-US" smtClean="0"/>
+              <a:rPr lang="en-US"/>
               <a:t>Click to edit Master title style</a:t>
             </a:r>
-            <a:endParaRPr lang="en-US"/>
           </a:p>
         </p:txBody>
       </p:sp>
@@ -2617,38 +2651,37 @@
           <a:p>
             <a:pPr lvl="0"/>
             <a:r>
-              <a:rPr lang="en-US" smtClean="0"/>
+              <a:rPr lang="en-US"/>
               <a:t>Click to edit Master text styles</a:t>
             </a:r>
           </a:p>
           <a:p>
             <a:pPr lvl="1"/>
             <a:r>
-              <a:rPr lang="en-US" smtClean="0"/>
+              <a:rPr lang="en-US"/>
               <a:t>Second level</a:t>
             </a:r>
           </a:p>
           <a:p>
             <a:pPr lvl="2"/>
             <a:r>
-              <a:rPr lang="en-US" smtClean="0"/>
+              <a:rPr lang="en-US"/>
               <a:t>Third level</a:t>
             </a:r>
           </a:p>
           <a:p>
             <a:pPr lvl="3"/>
             <a:r>
-              <a:rPr lang="en-US" smtClean="0"/>
+              <a:rPr lang="en-US"/>
               <a:t>Fourth level</a:t>
             </a:r>
           </a:p>
           <a:p>
             <a:pPr lvl="4"/>
             <a:r>
-              <a:rPr lang="en-US" smtClean="0"/>
+              <a:rPr lang="en-US"/>
               <a:t>Fifth level</a:t>
             </a:r>
-            <a:endParaRPr lang="en-US"/>
           </a:p>
         </p:txBody>
       </p:sp>
@@ -2688,7 +2721,7 @@
             <a:fld id="{1D8BD707-D9CF-40AE-B4C6-C98DA3205C09}" type="datetimeFigureOut">
               <a:rPr lang="en-US" smtClean="0"/>
               <a:pPr/>
-              <a:t>5/18/2018</a:t>
+              <a:t>6/3/2018</a:t>
             </a:fld>
             <a:endParaRPr lang="en-US"/>
           </a:p>
@@ -3059,6 +3092,72 @@
           <a:chExt cx="0" cy="0"/>
         </a:xfrm>
       </p:grpSpPr>
+      <p:sp>
+        <p:nvSpPr>
+          <p:cNvPr id="103" name="TextBox 102">
+            <a:extLst>
+              <a:ext uri="{FF2B5EF4-FFF2-40B4-BE49-F238E27FC236}">
+                <a16:creationId xmlns:a16="http://schemas.microsoft.com/office/drawing/2014/main" id="{80B3EE4F-EE2E-468D-874D-3DFC15F47EF0}"/>
+              </a:ext>
+            </a:extLst>
+          </p:cNvPr>
+          <p:cNvSpPr txBox="1"/>
+          <p:nvPr/>
+        </p:nvSpPr>
+        <p:spPr>
+          <a:xfrm>
+            <a:off x="447356" y="27786872"/>
+            <a:ext cx="10296844" cy="3399525"/>
+          </a:xfrm>
+          <a:prstGeom prst="rect">
+            <a:avLst/>
+          </a:prstGeom>
+          <a:noFill/>
+        </p:spPr>
+        <p:txBody>
+          <a:bodyPr wrap="square" lIns="74807" tIns="37404" rIns="74807" bIns="37404" rtlCol="0">
+            <a:spAutoFit/>
+          </a:bodyPr>
+          <a:lstStyle/>
+          <a:p>
+            <a:pPr marL="561053" indent="-561053">
+              <a:buFont typeface="Arial" panose="020B0604020202020204" pitchFamily="34" charset="0"/>
+              <a:buChar char="•"/>
+            </a:pPr>
+            <a:r>
+              <a:rPr lang="en-US" sz="3600" dirty="0"/>
+              <a:t>Multichroic pixel make stop illumination dependent on band</a:t>
+            </a:r>
+          </a:p>
+          <a:p>
+            <a:pPr marL="561053" indent="-561053">
+              <a:buFont typeface="Arial" panose="020B0604020202020204" pitchFamily="34" charset="0"/>
+              <a:buChar char="•"/>
+            </a:pPr>
+            <a:r>
+              <a:rPr lang="en-US" sz="3600" dirty="0"/>
+              <a:t>Edge tapers are 4.8, 10, 20.7 dB for low, mid, high</a:t>
+            </a:r>
+          </a:p>
+          <a:p>
+            <a:pPr marL="561053" indent="-561053">
+              <a:buFont typeface="Arial" panose="020B0604020202020204" pitchFamily="34" charset="0"/>
+              <a:buChar char="•"/>
+            </a:pPr>
+            <a:r>
+              <a:rPr lang="en-US" sz="3600" dirty="0"/>
+              <a:t>Affects optical efficiency, optical load,  and telescope beam size</a:t>
+            </a:r>
+          </a:p>
+          <a:p>
+            <a:pPr marL="561053" indent="-561053">
+              <a:buFont typeface="Arial" panose="020B0604020202020204" pitchFamily="34" charset="0"/>
+              <a:buChar char="•"/>
+            </a:pPr>
+            <a:endParaRPr lang="en-US" sz="3600" dirty="0"/>
+          </a:p>
+        </p:txBody>
+      </p:sp>
       <p:pic>
         <p:nvPicPr>
           <p:cNvPr id="124" name="Picture 2" descr="Z:\Documents\CMB-Probe\SPIE_June2018\optics_paper\zrn_rays_45cmY.png"/>
@@ -3080,47 +3179,8 @@
         </p:blipFill>
         <p:spPr bwMode="auto">
           <a:xfrm>
-            <a:off x="12997295" y="7928298"/>
-            <a:ext cx="6388678" cy="8975592"/>
-          </a:xfrm>
-          <a:prstGeom prst="rect">
-            <a:avLst/>
-          </a:prstGeom>
-          <a:noFill/>
-          <a:extLst>
-            <a:ext uri="{909E8E84-426E-40DD-AFC4-6F175D3DCCD1}">
-              <a14:hiddenFill xmlns:a14="http://schemas.microsoft.com/office/drawing/2010/main">
-                <a:solidFill>
-                  <a:srgbClr val="FFFFFF"/>
-                </a:solidFill>
-              </a14:hiddenFill>
-            </a:ext>
-          </a:extLst>
-        </p:spPr>
-      </p:pic>
-      <p:pic>
-        <p:nvPicPr>
-          <p:cNvPr id="1036" name="Picture 6" descr="C:\Users\lab\Documents\CMB-Probe\cross_dragones_long_focalL\No folding mirror\f2.5_D120_55_115_L120_FOV4deg.png"/>
-          <p:cNvPicPr>
-            <a:picLocks noChangeAspect="1" noChangeArrowheads="1"/>
-          </p:cNvPicPr>
-          <p:nvPr/>
-        </p:nvPicPr>
-        <p:blipFill rotWithShape="1">
-          <a:blip r:embed="rId3" cstate="print">
-            <a:extLst>
-              <a:ext uri="{28A0092B-C50C-407E-A947-70E740481C1C}">
-                <a14:useLocalDpi xmlns:a14="http://schemas.microsoft.com/office/drawing/2010/main" val="0"/>
-              </a:ext>
-            </a:extLst>
-          </a:blip>
-          <a:srcRect l="21968" t="11181" r="19965" b="16312"/>
-          <a:stretch/>
-        </p:blipFill>
-        <p:spPr bwMode="auto">
-          <a:xfrm>
-            <a:off x="12531436" y="20236896"/>
-            <a:ext cx="7614697" cy="6696340"/>
+            <a:off x="12860654" y="7500449"/>
+            <a:ext cx="7027546" cy="9873151"/>
           </a:xfrm>
           <a:prstGeom prst="rect">
             <a:avLst/>
@@ -3210,7 +3270,7 @@
           <a:p>
             <a:pPr algn="ctr"/>
             <a:r>
-              <a:rPr lang="en-US" sz="8600" b="1" dirty="0" smtClean="0">
+              <a:rPr lang="en-US" sz="8600" b="1" dirty="0">
                 <a:solidFill>
                   <a:schemeClr val="tx2">
                     <a:lumMod val="50000"/>
@@ -3220,14 +3280,6 @@
               </a:rPr>
               <a:t>Optical Design of PICO, a Concept for a Space Mission to Probe Inflation and Cosmic Origins</a:t>
             </a:r>
-            <a:endParaRPr lang="en-US" sz="8600" b="1" dirty="0">
-              <a:solidFill>
-                <a:schemeClr val="tx2">
-                  <a:lumMod val="50000"/>
-                </a:schemeClr>
-              </a:solidFill>
-              <a:latin typeface="+mj-lt"/>
-            </a:endParaRPr>
           </a:p>
         </p:txBody>
       </p:sp>
@@ -3239,8 +3291,8 @@
         </p:nvSpPr>
         <p:spPr>
           <a:xfrm>
-            <a:off x="3034895" y="3200400"/>
-            <a:ext cx="27077960" cy="1922198"/>
+            <a:off x="3168945" y="3200400"/>
+            <a:ext cx="26809861" cy="1829865"/>
           </a:xfrm>
           <a:prstGeom prst="rect">
             <a:avLst/>
@@ -3259,7 +3311,7 @@
               </a:spcBef>
             </a:pPr>
             <a:r>
-              <a:rPr lang="en-US" sz="4000" dirty="0">
+              <a:rPr lang="en-US" sz="3800" dirty="0">
                 <a:solidFill>
                   <a:schemeClr val="tx2">
                     <a:lumMod val="50000"/>
@@ -3270,7 +3322,7 @@
               <a:t>K. Young</a:t>
             </a:r>
             <a:r>
-              <a:rPr lang="en-US" sz="4000" baseline="30000" dirty="0">
+              <a:rPr lang="en-US" sz="3800" baseline="30000" dirty="0">
                 <a:solidFill>
                   <a:schemeClr val="tx2">
                     <a:lumMod val="50000"/>
@@ -3281,7 +3333,7 @@
               <a:t>1</a:t>
             </a:r>
             <a:r>
-              <a:rPr lang="en-US" sz="4000" baseline="30000" dirty="0">
+              <a:rPr lang="en-US" sz="3800" baseline="30000" dirty="0">
                 <a:solidFill>
                   <a:schemeClr val="tx2">
                     <a:lumMod val="50000"/>
@@ -3291,7 +3343,7 @@
               <a:t>†</a:t>
             </a:r>
             <a:r>
-              <a:rPr lang="en-US" sz="4000" dirty="0">
+              <a:rPr lang="en-US" sz="3800" dirty="0">
                 <a:solidFill>
                   <a:schemeClr val="tx2">
                     <a:lumMod val="50000"/>
@@ -3302,7 +3354,7 @@
               <a:t>,</a:t>
             </a:r>
             <a:r>
-              <a:rPr lang="en-US" altLang="zh-CN" sz="4000" dirty="0">
+              <a:rPr lang="en-US" altLang="zh-CN" sz="3800" dirty="0">
                 <a:solidFill>
                   <a:schemeClr val="tx2">
                     <a:lumMod val="50000"/>
@@ -3311,10 +3363,68 @@
                 <a:latin typeface="+mj-lt"/>
                 <a:cs typeface="等线"/>
               </a:rPr>
+              <a:t> M. Alverez</a:t>
+            </a:r>
+            <a:r>
+              <a:rPr lang="en-US" altLang="zh-CN" sz="3800" baseline="30000" dirty="0">
+                <a:solidFill>
+                  <a:schemeClr val="tx2">
+                    <a:lumMod val="50000"/>
+                  </a:schemeClr>
+                </a:solidFill>
+                <a:latin typeface="+mj-lt"/>
+                <a:cs typeface="等线"/>
+              </a:rPr>
+              <a:t>2</a:t>
+            </a:r>
+            <a:r>
+              <a:rPr lang="en-US" altLang="zh-CN" sz="3800" dirty="0">
+                <a:solidFill>
+                  <a:schemeClr val="tx2">
+                    <a:lumMod val="50000"/>
+                  </a:schemeClr>
+                </a:solidFill>
+                <a:latin typeface="+mj-lt"/>
+                <a:cs typeface="等线"/>
+              </a:rPr>
+              <a:t>, N.</a:t>
+            </a:r>
+            <a:r>
+              <a:rPr lang="zh-CN" altLang="en-US" sz="3800" dirty="0">
+                <a:solidFill>
+                  <a:schemeClr val="tx2">
+                    <a:lumMod val="50000"/>
+                  </a:schemeClr>
+                </a:solidFill>
+                <a:latin typeface="+mj-lt"/>
+                <a:cs typeface="等线"/>
+              </a:rPr>
               <a:t> </a:t>
             </a:r>
             <a:r>
-              <a:rPr lang="en-US" altLang="zh-CN" sz="4000" dirty="0" smtClean="0">
+              <a:rPr lang="en-US" altLang="en-US" sz="3800" dirty="0">
+                <a:solidFill>
+                  <a:schemeClr val="tx2">
+                    <a:lumMod val="50000"/>
+                  </a:schemeClr>
+                </a:solidFill>
+                <a:latin typeface="+mj-lt"/>
+              </a:rPr>
+              <a:t>Battaglia</a:t>
+            </a:r>
+            <a:r>
+              <a:rPr lang="en-US" altLang="en-US" sz="3800" baseline="30000" dirty="0">
+                <a:solidFill>
+                  <a:schemeClr val="tx2">
+                    <a:lumMod val="50000"/>
+                  </a:schemeClr>
+                </a:solidFill>
+                <a:latin typeface="+mj-lt"/>
+              </a:rPr>
+              <a:t>3</a:t>
+            </a:r>
+            <a:r>
+              <a:rPr lang="en-US" altLang="zh-CN" sz="3800" dirty="0">
                 <a:solidFill>
                   <a:schemeClr val="tx2">
                     <a:lumMod val="50000"/>
@@ -3323,10 +3433,10 @@
                 <a:latin typeface="+mj-lt"/>
                 <a:cs typeface="等线"/>
               </a:rPr>
-              <a:t>M. </a:t>
-            </a:r>
-            <a:r>
-              <a:rPr lang="en-US" altLang="zh-CN" sz="4000" dirty="0" err="1" smtClean="0">
+              <a:t>,</a:t>
+            </a:r>
+            <a:r>
+              <a:rPr lang="zh-CN" altLang="en-US" sz="3800" dirty="0">
                 <a:solidFill>
                   <a:schemeClr val="tx2">
                     <a:lumMod val="50000"/>
@@ -3335,10 +3445,10 @@
                 <a:latin typeface="+mj-lt"/>
                 <a:cs typeface="等线"/>
               </a:rPr>
-              <a:t>Alverez</a:t>
-            </a:r>
-            <a:r>
-              <a:rPr lang="en-US" altLang="zh-CN" sz="4000" dirty="0" smtClean="0">
+              <a:t> </a:t>
+            </a:r>
+            <a:r>
+              <a:rPr lang="en-US" altLang="zh-CN" sz="3800" dirty="0">
                 <a:solidFill>
                   <a:schemeClr val="tx2">
                     <a:lumMod val="50000"/>
@@ -3347,10 +3457,10 @@
                 <a:latin typeface="+mj-lt"/>
                 <a:cs typeface="等线"/>
               </a:rPr>
-              <a:t>, N</a:t>
-            </a:r>
-            <a:r>
-              <a:rPr lang="en-US" altLang="zh-CN" sz="4000" dirty="0">
+              <a:t>J. Bock</a:t>
+            </a:r>
+            <a:r>
+              <a:rPr lang="en-US" altLang="zh-CN" sz="3800" baseline="30000" dirty="0">
                 <a:solidFill>
                   <a:schemeClr val="tx2">
                     <a:lumMod val="50000"/>
@@ -3359,10 +3469,10 @@
                 <a:latin typeface="+mj-lt"/>
                 <a:cs typeface="等线"/>
               </a:rPr>
-              <a:t>.</a:t>
-            </a:r>
-            <a:r>
-              <a:rPr lang="zh-CN" altLang="en-US" sz="4000" dirty="0">
+              <a:t>4</a:t>
+            </a:r>
+            <a:r>
+              <a:rPr lang="en-US" altLang="zh-CN" sz="3800" dirty="0">
                 <a:solidFill>
                   <a:schemeClr val="tx2">
                     <a:lumMod val="50000"/>
@@ -3371,32 +3481,56 @@
                 <a:latin typeface="+mj-lt"/>
                 <a:cs typeface="等线"/>
               </a:rPr>
+              <a:t>, J.</a:t>
+            </a:r>
+            <a:r>
+              <a:rPr lang="en-US" altLang="en-US" sz="3800" dirty="0">
+                <a:solidFill>
+                  <a:schemeClr val="tx2">
+                    <a:lumMod val="50000"/>
+                  </a:schemeClr>
+                </a:solidFill>
+                <a:latin typeface="+mj-lt"/>
+              </a:rPr>
+              <a:t> Borrill</a:t>
+            </a:r>
+            <a:r>
+              <a:rPr lang="en-US" altLang="en-US" sz="3800" baseline="30000" dirty="0">
+                <a:solidFill>
+                  <a:schemeClr val="tx2">
+                    <a:lumMod val="50000"/>
+                  </a:schemeClr>
+                </a:solidFill>
+                <a:latin typeface="+mj-lt"/>
+              </a:rPr>
+              <a:t>5</a:t>
+            </a:r>
+            <a:r>
+              <a:rPr lang="en-US" altLang="zh-CN" sz="3800" dirty="0">
+                <a:solidFill>
+                  <a:schemeClr val="tx2">
+                    <a:lumMod val="50000"/>
+                  </a:schemeClr>
+                </a:solidFill>
+                <a:latin typeface="+mj-lt"/>
+                <a:cs typeface="等线"/>
+              </a:rPr>
+              <a:t>,</a:t>
+            </a:r>
+            <a:r>
+              <a:rPr lang="zh-CN" altLang="en-US" sz="3800" dirty="0">
+                <a:solidFill>
+                  <a:schemeClr val="tx2">
+                    <a:lumMod val="50000"/>
+                  </a:schemeClr>
+                </a:solidFill>
+                <a:latin typeface="+mj-lt"/>
+                <a:cs typeface="等线"/>
+              </a:rPr>
               <a:t> </a:t>
             </a:r>
             <a:r>
-              <a:rPr lang="en-US" altLang="en-US" sz="4000" dirty="0">
-                <a:solidFill>
-                  <a:schemeClr val="tx2">
-                    <a:lumMod val="50000"/>
-                  </a:schemeClr>
-                </a:solidFill>
-                <a:latin typeface="+mj-lt"/>
-              </a:rPr>
-              <a:t>Battaglia</a:t>
-            </a:r>
-            <a:r>
-              <a:rPr lang="en-US" altLang="en-US" sz="4000" baseline="30000" dirty="0">
-                <a:solidFill>
-                  <a:schemeClr val="tx2">
-                    <a:lumMod val="50000"/>
-                  </a:schemeClr>
-                </a:solidFill>
-                <a:latin typeface="+mj-lt"/>
-              </a:rPr>
-              <a:t>2</a:t>
-            </a:r>
-            <a:r>
-              <a:rPr lang="en-US" altLang="zh-CN" sz="4000" dirty="0">
+              <a:rPr lang="en-US" altLang="zh-CN" sz="3800" dirty="0">
                 <a:solidFill>
                   <a:schemeClr val="tx2">
                     <a:lumMod val="50000"/>
@@ -3405,10 +3539,44 @@
                 <a:latin typeface="+mj-lt"/>
                 <a:cs typeface="等线"/>
               </a:rPr>
+              <a:t>D.</a:t>
+            </a:r>
+            <a:r>
+              <a:rPr lang="en-US" altLang="en-US" sz="3800" dirty="0">
+                <a:solidFill>
+                  <a:schemeClr val="tx2">
+                    <a:lumMod val="50000"/>
+                  </a:schemeClr>
+                </a:solidFill>
+                <a:latin typeface="+mj-lt"/>
+              </a:rPr>
+              <a:t> Chuss</a:t>
+            </a:r>
+            <a:r>
+              <a:rPr lang="en-US" altLang="en-US" sz="3800" baseline="30000" dirty="0">
+                <a:solidFill>
+                  <a:schemeClr val="tx2">
+                    <a:lumMod val="50000"/>
+                  </a:schemeClr>
+                </a:solidFill>
+                <a:latin typeface="+mj-lt"/>
+              </a:rPr>
+              <a:t>6</a:t>
+            </a:r>
+            <a:r>
+              <a:rPr lang="en-US" altLang="zh-CN" sz="3800" dirty="0">
+                <a:solidFill>
+                  <a:schemeClr val="tx2">
+                    <a:lumMod val="50000"/>
+                  </a:schemeClr>
+                </a:solidFill>
+                <a:latin typeface="+mj-lt"/>
+                <a:cs typeface="等线"/>
+              </a:rPr>
               <a:t>,</a:t>
             </a:r>
             <a:r>
-              <a:rPr lang="zh-CN" altLang="en-US" sz="4000" dirty="0">
+              <a:rPr lang="zh-CN" altLang="en-US" sz="3800" dirty="0">
                 <a:solidFill>
                   <a:schemeClr val="tx2">
                     <a:lumMod val="50000"/>
@@ -3420,7 +3588,7 @@
               <a:t> </a:t>
             </a:r>
             <a:r>
-              <a:rPr lang="en-US" altLang="zh-CN" sz="4000" dirty="0" smtClean="0">
+              <a:rPr lang="en-US" altLang="zh-CN" sz="3800" dirty="0">
                 <a:solidFill>
                   <a:schemeClr val="tx2">
                     <a:lumMod val="50000"/>
@@ -3429,10 +3597,32 @@
                 <a:latin typeface="+mj-lt"/>
                 <a:cs typeface="等线"/>
               </a:rPr>
-              <a:t>J. Bock, J</a:t>
-            </a:r>
-            <a:r>
-              <a:rPr lang="en-US" altLang="zh-CN" sz="4000" dirty="0">
+              <a:t>B.</a:t>
+            </a:r>
+            <a:r>
+              <a:rPr lang="en-US" altLang="en-US" sz="3800" dirty="0">
+                <a:solidFill>
+                  <a:schemeClr val="tx2">
+                    <a:lumMod val="50000"/>
+                  </a:schemeClr>
+                </a:solidFill>
+                <a:latin typeface="+mj-lt"/>
+              </a:rPr>
+              <a:t> Crill</a:t>
+            </a:r>
+            <a:r>
+              <a:rPr lang="en-US" altLang="en-US" sz="3800" baseline="30000" dirty="0">
+                <a:solidFill>
+                  <a:schemeClr val="tx2">
+                    <a:lumMod val="50000"/>
+                  </a:schemeClr>
+                </a:solidFill>
+                <a:latin typeface="+mj-lt"/>
+              </a:rPr>
+              <a:t>7</a:t>
+            </a:r>
+            <a:r>
+              <a:rPr lang="en-US" altLang="zh-CN" sz="3800" dirty="0">
                 <a:solidFill>
                   <a:schemeClr val="tx2">
                     <a:lumMod val="50000"/>
@@ -3441,32 +3631,10 @@
                 <a:latin typeface="+mj-lt"/>
                 <a:cs typeface="等线"/>
               </a:rPr>
-              <a:t>.</a:t>
-            </a:r>
-            <a:r>
-              <a:rPr lang="en-US" altLang="en-US" sz="4000" dirty="0">
-                <a:solidFill>
-                  <a:schemeClr val="tx2">
-                    <a:lumMod val="50000"/>
-                  </a:schemeClr>
-                </a:solidFill>
-                <a:latin typeface="+mj-lt"/>
-              </a:rPr>
-              <a:t> Borrill</a:t>
-            </a:r>
-            <a:r>
-              <a:rPr lang="en-US" altLang="en-US" sz="4000" baseline="30000" dirty="0">
-                <a:solidFill>
-                  <a:schemeClr val="tx2">
-                    <a:lumMod val="50000"/>
-                  </a:schemeClr>
-                </a:solidFill>
-                <a:latin typeface="+mj-lt"/>
-              </a:rPr>
-              <a:t>4</a:t>
-            </a:r>
-            <a:r>
-              <a:rPr lang="en-US" altLang="zh-CN" sz="4000" dirty="0">
+              <a:t>,</a:t>
+            </a:r>
+            <a:r>
+              <a:rPr lang="zh-CN" altLang="en-US" sz="3800" dirty="0">
                 <a:solidFill>
                   <a:schemeClr val="tx2">
                     <a:lumMod val="50000"/>
@@ -3475,10 +3643,91 @@
                 <a:latin typeface="+mj-lt"/>
                 <a:cs typeface="等线"/>
               </a:rPr>
+              <a:t> </a:t>
+            </a:r>
+            <a:r>
+              <a:rPr lang="en-US" altLang="zh-CN" sz="3800" dirty="0">
+                <a:solidFill>
+                  <a:schemeClr val="tx2">
+                    <a:lumMod val="50000"/>
+                  </a:schemeClr>
+                </a:solidFill>
+                <a:latin typeface="+mj-lt"/>
+                <a:cs typeface="等线"/>
+              </a:rPr>
+              <a:t>J. Delabrouille</a:t>
+            </a:r>
+            <a:r>
+              <a:rPr lang="en-US" altLang="zh-CN" sz="3800" baseline="30000" dirty="0">
+                <a:solidFill>
+                  <a:schemeClr val="tx2">
+                    <a:lumMod val="50000"/>
+                  </a:schemeClr>
+                </a:solidFill>
+                <a:latin typeface="+mj-lt"/>
+                <a:cs typeface="等线"/>
+              </a:rPr>
+              <a:t>8</a:t>
+            </a:r>
+            <a:r>
+              <a:rPr lang="en-US" altLang="zh-CN" sz="3800" dirty="0">
+                <a:solidFill>
+                  <a:schemeClr val="tx2">
+                    <a:lumMod val="50000"/>
+                  </a:schemeClr>
+                </a:solidFill>
+                <a:latin typeface="+mj-lt"/>
+                <a:cs typeface="等线"/>
+              </a:rPr>
+              <a:t>, M.</a:t>
+            </a:r>
+            <a:r>
+              <a:rPr lang="en-US" altLang="en-US" sz="3800" dirty="0">
+                <a:solidFill>
+                  <a:schemeClr val="tx2">
+                    <a:lumMod val="50000"/>
+                  </a:schemeClr>
+                </a:solidFill>
+                <a:latin typeface="+mj-lt"/>
+              </a:rPr>
+              <a:t> Devlin</a:t>
+            </a:r>
+            <a:r>
+              <a:rPr lang="en-US" altLang="en-US" sz="3800" baseline="30000" dirty="0">
+                <a:solidFill>
+                  <a:schemeClr val="tx2">
+                    <a:lumMod val="50000"/>
+                  </a:schemeClr>
+                </a:solidFill>
+                <a:latin typeface="+mj-lt"/>
+              </a:rPr>
+              <a:t>9</a:t>
+            </a:r>
+            <a:r>
+              <a:rPr lang="en-US" altLang="zh-CN" sz="3800" dirty="0">
+                <a:solidFill>
+                  <a:schemeClr val="tx2">
+                    <a:lumMod val="50000"/>
+                  </a:schemeClr>
+                </a:solidFill>
+                <a:latin typeface="+mj-lt"/>
+                <a:cs typeface="等线"/>
+              </a:rPr>
               <a:t>,</a:t>
             </a:r>
             <a:r>
-              <a:rPr lang="zh-CN" altLang="en-US" sz="4000" dirty="0">
+              <a:rPr lang="en-US" altLang="en-US" sz="3800" dirty="0">
+                <a:solidFill>
+                  <a:schemeClr val="tx2">
+                    <a:lumMod val="50000"/>
+                  </a:schemeClr>
+                </a:solidFill>
+                <a:latin typeface="+mj-lt"/>
+              </a:rPr>
+              <a:t> </a:t>
+            </a:r>
+            <a:r>
+              <a:rPr lang="en-US" altLang="zh-CN" sz="3800" dirty="0">
                 <a:solidFill>
                   <a:schemeClr val="tx2">
                     <a:lumMod val="50000"/>
@@ -3487,10 +3736,44 @@
                 <a:latin typeface="+mj-lt"/>
                 <a:cs typeface="等线"/>
               </a:rPr>
+              <a:t>L.</a:t>
+            </a:r>
+            <a:r>
+              <a:rPr lang="zh-CN" altLang="en-US" sz="3800" dirty="0">
+                <a:solidFill>
+                  <a:schemeClr val="tx2">
+                    <a:lumMod val="50000"/>
+                  </a:schemeClr>
+                </a:solidFill>
+                <a:latin typeface="+mj-lt"/>
+                <a:cs typeface="等线"/>
+              </a:rPr>
               <a:t> </a:t>
             </a:r>
             <a:r>
-              <a:rPr lang="en-US" altLang="zh-CN" sz="4000" dirty="0">
+              <a:rPr lang="en-US" altLang="en-US" sz="3800" dirty="0">
+                <a:solidFill>
+                  <a:schemeClr val="tx2">
+                    <a:lumMod val="50000"/>
+                  </a:schemeClr>
+                </a:solidFill>
+                <a:latin typeface="+mj-lt"/>
+              </a:rPr>
+              <a:t>Fissel</a:t>
+            </a:r>
+            <a:r>
+              <a:rPr lang="en-US" altLang="en-US" sz="3800" baseline="30000" dirty="0">
+                <a:solidFill>
+                  <a:schemeClr val="tx2">
+                    <a:lumMod val="50000"/>
+                  </a:schemeClr>
+                </a:solidFill>
+                <a:latin typeface="+mj-lt"/>
+              </a:rPr>
+              <a:t>10</a:t>
+            </a:r>
+            <a:r>
+              <a:rPr lang="en-US" altLang="zh-CN" sz="3800" dirty="0">
                 <a:solidFill>
                   <a:schemeClr val="tx2">
                     <a:lumMod val="50000"/>
@@ -3499,32 +3782,21 @@
                 <a:latin typeface="+mj-lt"/>
                 <a:cs typeface="等线"/>
               </a:rPr>
-              <a:t>D.</a:t>
-            </a:r>
-            <a:r>
-              <a:rPr lang="en-US" altLang="en-US" sz="4000" dirty="0">
-                <a:solidFill>
-                  <a:schemeClr val="tx2">
-                    <a:lumMod val="50000"/>
-                  </a:schemeClr>
-                </a:solidFill>
-                <a:latin typeface="+mj-lt"/>
-              </a:rPr>
-              <a:t> Chuss</a:t>
-            </a:r>
-            <a:r>
-              <a:rPr lang="en-US" altLang="en-US" sz="4000" baseline="30000" dirty="0">
-                <a:solidFill>
-                  <a:schemeClr val="tx2">
-                    <a:lumMod val="50000"/>
-                  </a:schemeClr>
-                </a:solidFill>
-                <a:latin typeface="+mj-lt"/>
-              </a:rPr>
-              <a:t>5</a:t>
-            </a:r>
-            <a:r>
-              <a:rPr lang="en-US" altLang="zh-CN" sz="4000" dirty="0">
+              <a:t>,</a:t>
+            </a:r>
+            <a:r>
+              <a:rPr lang="en-US" altLang="en-US" sz="3800" dirty="0">
+                <a:solidFill>
+                  <a:schemeClr val="tx2">
+                    <a:lumMod val="50000"/>
+                  </a:schemeClr>
+                </a:solidFill>
+                <a:latin typeface="+mj-lt"/>
+              </a:rPr>
+              <a:t> </a:t>
+            </a:r>
+            <a:r>
+              <a:rPr lang="en-US" altLang="zh-CN" sz="3800" dirty="0">
                 <a:solidFill>
                   <a:schemeClr val="tx2">
                     <a:lumMod val="50000"/>
@@ -3533,10 +3805,273 @@
                 <a:latin typeface="+mj-lt"/>
                 <a:cs typeface="等线"/>
               </a:rPr>
+              <a:t>R.</a:t>
+            </a:r>
+            <a:r>
+              <a:rPr lang="zh-CN" altLang="en-US" sz="3800" dirty="0">
+                <a:solidFill>
+                  <a:schemeClr val="tx2">
+                    <a:lumMod val="50000"/>
+                  </a:schemeClr>
+                </a:solidFill>
+                <a:latin typeface="+mj-lt"/>
+                <a:cs typeface="等线"/>
+              </a:rPr>
+              <a:t> </a:t>
+            </a:r>
+            <a:r>
+              <a:rPr lang="en-US" altLang="zh-CN" sz="3800" dirty="0">
+                <a:solidFill>
+                  <a:schemeClr val="tx2">
+                    <a:lumMod val="50000"/>
+                  </a:schemeClr>
+                </a:solidFill>
+                <a:latin typeface="+mj-lt"/>
+                <a:cs typeface="等线"/>
+              </a:rPr>
+              <a:t>F</a:t>
+            </a:r>
+            <a:r>
+              <a:rPr lang="en-US" altLang="en-US" sz="3800" dirty="0">
+                <a:solidFill>
+                  <a:schemeClr val="tx2">
+                    <a:lumMod val="50000"/>
+                  </a:schemeClr>
+                </a:solidFill>
+                <a:latin typeface="+mj-lt"/>
+              </a:rPr>
+              <a:t>lauger</a:t>
+            </a:r>
+            <a:r>
+              <a:rPr lang="en-US" altLang="en-US" sz="3800" baseline="30000" dirty="0">
+                <a:solidFill>
+                  <a:schemeClr val="tx2">
+                    <a:lumMod val="50000"/>
+                  </a:schemeClr>
+                </a:solidFill>
+                <a:latin typeface="+mj-lt"/>
+              </a:rPr>
+              <a:t>11</a:t>
+            </a:r>
+            <a:r>
+              <a:rPr lang="en-US" altLang="zh-CN" sz="3800" dirty="0">
+                <a:solidFill>
+                  <a:schemeClr val="tx2">
+                    <a:lumMod val="50000"/>
+                  </a:schemeClr>
+                </a:solidFill>
+                <a:latin typeface="+mj-lt"/>
+                <a:cs typeface="等线"/>
+              </a:rPr>
+              <a:t>, D. Green</a:t>
+            </a:r>
+            <a:r>
+              <a:rPr lang="en-US" altLang="zh-CN" sz="3800" baseline="30000" dirty="0">
+                <a:solidFill>
+                  <a:schemeClr val="tx2">
+                    <a:lumMod val="50000"/>
+                  </a:schemeClr>
+                </a:solidFill>
+                <a:latin typeface="+mj-lt"/>
+                <a:cs typeface="等线"/>
+              </a:rPr>
+              <a:t>12</a:t>
+            </a:r>
+            <a:r>
+              <a:rPr lang="en-US" altLang="zh-CN" sz="3800" dirty="0">
+                <a:solidFill>
+                  <a:schemeClr val="tx2">
+                    <a:lumMod val="50000"/>
+                  </a:schemeClr>
+                </a:solidFill>
+                <a:latin typeface="+mj-lt"/>
+                <a:cs typeface="等线"/>
+              </a:rPr>
+              <a:t>, K. Gorski</a:t>
+            </a:r>
+            <a:r>
+              <a:rPr lang="en-US" altLang="zh-CN" sz="3800" baseline="30000" dirty="0">
+                <a:solidFill>
+                  <a:schemeClr val="tx2">
+                    <a:lumMod val="50000"/>
+                  </a:schemeClr>
+                </a:solidFill>
+                <a:latin typeface="+mj-lt"/>
+                <a:cs typeface="等线"/>
+              </a:rPr>
+              <a:t>7</a:t>
+            </a:r>
+            <a:r>
+              <a:rPr lang="en-US" altLang="zh-CN" sz="3800" dirty="0">
+                <a:solidFill>
+                  <a:schemeClr val="tx2">
+                    <a:lumMod val="50000"/>
+                  </a:schemeClr>
+                </a:solidFill>
+                <a:latin typeface="+mj-lt"/>
+                <a:cs typeface="等线"/>
+              </a:rPr>
+              <a:t>, S.</a:t>
+            </a:r>
+            <a:r>
+              <a:rPr lang="en-US" altLang="en-US" sz="3800" dirty="0">
+                <a:solidFill>
+                  <a:schemeClr val="tx2">
+                    <a:lumMod val="50000"/>
+                  </a:schemeClr>
+                </a:solidFill>
+                <a:latin typeface="+mj-lt"/>
+              </a:rPr>
+              <a:t> Hanany</a:t>
+            </a:r>
+            <a:r>
+              <a:rPr lang="en-US" altLang="en-US" sz="3800" baseline="30000" dirty="0">
+                <a:solidFill>
+                  <a:schemeClr val="tx2">
+                    <a:lumMod val="50000"/>
+                  </a:schemeClr>
+                </a:solidFill>
+                <a:latin typeface="+mj-lt"/>
+              </a:rPr>
+              <a:t>1</a:t>
+            </a:r>
+            <a:r>
+              <a:rPr lang="en-US" altLang="en-US" sz="3800" dirty="0">
+                <a:solidFill>
+                  <a:schemeClr val="tx2">
+                    <a:lumMod val="50000"/>
+                  </a:schemeClr>
+                </a:solidFill>
+                <a:latin typeface="+mj-lt"/>
+              </a:rPr>
+              <a:t>, R. Hills</a:t>
+            </a:r>
+            <a:r>
+              <a:rPr lang="en-US" altLang="en-US" sz="3800" baseline="30000" dirty="0">
+                <a:solidFill>
+                  <a:schemeClr val="tx2">
+                    <a:lumMod val="50000"/>
+                  </a:schemeClr>
+                </a:solidFill>
+                <a:latin typeface="+mj-lt"/>
+              </a:rPr>
+              <a:t>13</a:t>
+            </a:r>
+            <a:r>
+              <a:rPr lang="en-US" altLang="en-US" sz="3800" dirty="0">
+                <a:solidFill>
+                  <a:schemeClr val="tx2">
+                    <a:lumMod val="50000"/>
+                  </a:schemeClr>
+                </a:solidFill>
+                <a:latin typeface="+mj-lt"/>
+              </a:rPr>
+              <a:t>, J. Hubmayr</a:t>
+            </a:r>
+            <a:r>
+              <a:rPr lang="en-US" altLang="en-US" sz="3800" baseline="30000" dirty="0">
+                <a:solidFill>
+                  <a:schemeClr val="tx2">
+                    <a:lumMod val="50000"/>
+                  </a:schemeClr>
+                </a:solidFill>
+                <a:latin typeface="+mj-lt"/>
+              </a:rPr>
+              <a:t>14</a:t>
+            </a:r>
+            <a:r>
+              <a:rPr lang="en-US" altLang="en-US" sz="3800" dirty="0">
+                <a:solidFill>
+                  <a:schemeClr val="tx2">
+                    <a:lumMod val="50000"/>
+                  </a:schemeClr>
+                </a:solidFill>
+                <a:latin typeface="+mj-lt"/>
+              </a:rPr>
+              <a:t>,  B. Johnson</a:t>
+            </a:r>
+            <a:r>
+              <a:rPr lang="en-US" altLang="en-US" sz="3800" baseline="30000" dirty="0">
+                <a:solidFill>
+                  <a:schemeClr val="tx2">
+                    <a:lumMod val="50000"/>
+                  </a:schemeClr>
+                </a:solidFill>
+                <a:latin typeface="+mj-lt"/>
+              </a:rPr>
+              <a:t>15</a:t>
+            </a:r>
+            <a:r>
+              <a:rPr lang="en-US" altLang="en-US" sz="3800" dirty="0">
+                <a:solidFill>
+                  <a:schemeClr val="tx2">
+                    <a:lumMod val="50000"/>
+                  </a:schemeClr>
+                </a:solidFill>
+                <a:latin typeface="+mj-lt"/>
+              </a:rPr>
+              <a:t>, </a:t>
+            </a:r>
+            <a:r>
+              <a:rPr lang="en-US" altLang="zh-CN" sz="3800" dirty="0">
+                <a:solidFill>
+                  <a:schemeClr val="tx2">
+                    <a:lumMod val="50000"/>
+                  </a:schemeClr>
+                </a:solidFill>
+                <a:latin typeface="+mj-lt"/>
+                <a:cs typeface="等线"/>
+              </a:rPr>
+              <a:t>B.</a:t>
+            </a:r>
+            <a:r>
+              <a:rPr lang="zh-CN" altLang="en-US" sz="3800" dirty="0">
+                <a:solidFill>
+                  <a:schemeClr val="tx2">
+                    <a:lumMod val="50000"/>
+                  </a:schemeClr>
+                </a:solidFill>
+                <a:latin typeface="+mj-lt"/>
+                <a:cs typeface="等线"/>
+              </a:rPr>
+              <a:t> </a:t>
+            </a:r>
+            <a:r>
+              <a:rPr lang="en-US" altLang="en-US" sz="3800" dirty="0">
+                <a:solidFill>
+                  <a:schemeClr val="tx2">
+                    <a:lumMod val="50000"/>
+                  </a:schemeClr>
+                </a:solidFill>
+                <a:latin typeface="+mj-lt"/>
+              </a:rPr>
+              <a:t>Jones</a:t>
+            </a:r>
+            <a:r>
+              <a:rPr lang="en-US" altLang="en-US" sz="3800" baseline="30000" dirty="0">
+                <a:solidFill>
+                  <a:schemeClr val="tx2">
+                    <a:lumMod val="50000"/>
+                  </a:schemeClr>
+                </a:solidFill>
+                <a:latin typeface="+mj-lt"/>
+              </a:rPr>
+              <a:t>3</a:t>
+            </a:r>
+            <a:r>
+              <a:rPr lang="en-US" altLang="zh-CN" sz="3800" dirty="0">
+                <a:solidFill>
+                  <a:schemeClr val="tx2">
+                    <a:lumMod val="50000"/>
+                  </a:schemeClr>
+                </a:solidFill>
+                <a:latin typeface="+mj-lt"/>
+                <a:cs typeface="等线"/>
+              </a:rPr>
               <a:t>,</a:t>
             </a:r>
             <a:r>
-              <a:rPr lang="zh-CN" altLang="en-US" sz="4000" dirty="0">
+              <a:rPr lang="zh-CN" altLang="en-US" sz="3800" dirty="0">
                 <a:solidFill>
                   <a:schemeClr val="tx2">
                     <a:lumMod val="50000"/>
@@ -3548,7 +4083,7 @@
               <a:t> </a:t>
             </a:r>
             <a:r>
-              <a:rPr lang="en-US" altLang="zh-CN" sz="4000" dirty="0">
+              <a:rPr lang="en-US" altLang="zh-CN" sz="3800" dirty="0">
                 <a:solidFill>
                   <a:schemeClr val="tx2">
                     <a:lumMod val="50000"/>
@@ -3557,21 +4092,171 @@
                 <a:latin typeface="+mj-lt"/>
                 <a:cs typeface="等线"/>
               </a:rPr>
-              <a:t>B.</a:t>
-            </a:r>
-            <a:r>
-              <a:rPr lang="en-US" altLang="en-US" sz="4000" dirty="0">
-                <a:solidFill>
-                  <a:schemeClr val="tx2">
-                    <a:lumMod val="50000"/>
-                  </a:schemeClr>
-                </a:solidFill>
-                <a:latin typeface="+mj-lt"/>
-              </a:rPr>
-              <a:t> Crill</a:t>
-            </a:r>
-            <a:r>
-              <a:rPr lang="en-US" altLang="en-US" sz="4000" baseline="30000" dirty="0">
+              <a:t>L.</a:t>
+            </a:r>
+            <a:r>
+              <a:rPr lang="zh-CN" altLang="en-US" sz="3800" dirty="0">
+                <a:solidFill>
+                  <a:schemeClr val="tx2">
+                    <a:lumMod val="50000"/>
+                  </a:schemeClr>
+                </a:solidFill>
+                <a:latin typeface="+mj-lt"/>
+                <a:cs typeface="等线"/>
+              </a:rPr>
+              <a:t> </a:t>
+            </a:r>
+            <a:r>
+              <a:rPr lang="en-US" altLang="en-US" sz="3800" dirty="0">
+                <a:solidFill>
+                  <a:schemeClr val="tx2">
+                    <a:lumMod val="50000"/>
+                  </a:schemeClr>
+                </a:solidFill>
+                <a:latin typeface="+mj-lt"/>
+              </a:rPr>
+              <a:t>Knox</a:t>
+            </a:r>
+            <a:r>
+              <a:rPr lang="en-US" altLang="en-US" sz="3800" baseline="30000" dirty="0">
+                <a:solidFill>
+                  <a:schemeClr val="tx2">
+                    <a:lumMod val="50000"/>
+                  </a:schemeClr>
+                </a:solidFill>
+                <a:latin typeface="+mj-lt"/>
+              </a:rPr>
+              <a:t>16</a:t>
+            </a:r>
+            <a:r>
+              <a:rPr lang="en-US" altLang="zh-CN" sz="3800" dirty="0">
+                <a:solidFill>
+                  <a:schemeClr val="tx2">
+                    <a:lumMod val="50000"/>
+                  </a:schemeClr>
+                </a:solidFill>
+                <a:latin typeface="+mj-lt"/>
+                <a:cs typeface="等线"/>
+              </a:rPr>
+              <a:t>,</a:t>
+            </a:r>
+            <a:r>
+              <a:rPr lang="en-US" altLang="en-US" sz="3800" dirty="0">
+                <a:solidFill>
+                  <a:schemeClr val="tx2">
+                    <a:lumMod val="50000"/>
+                  </a:schemeClr>
+                </a:solidFill>
+                <a:latin typeface="+mj-lt"/>
+              </a:rPr>
+              <a:t> </a:t>
+            </a:r>
+            <a:r>
+              <a:rPr lang="en-US" altLang="zh-CN" sz="3800" dirty="0">
+                <a:solidFill>
+                  <a:schemeClr val="tx2">
+                    <a:lumMod val="50000"/>
+                  </a:schemeClr>
+                </a:solidFill>
+                <a:latin typeface="+mj-lt"/>
+                <a:cs typeface="等线"/>
+              </a:rPr>
+              <a:t>A.</a:t>
+            </a:r>
+            <a:r>
+              <a:rPr lang="zh-CN" altLang="en-US" sz="3800" dirty="0">
+                <a:solidFill>
+                  <a:schemeClr val="tx2">
+                    <a:lumMod val="50000"/>
+                  </a:schemeClr>
+                </a:solidFill>
+                <a:latin typeface="+mj-lt"/>
+                <a:cs typeface="等线"/>
+              </a:rPr>
+              <a:t> </a:t>
+            </a:r>
+            <a:r>
+              <a:rPr lang="en-US" altLang="en-US" sz="3800" dirty="0">
+                <a:solidFill>
+                  <a:schemeClr val="tx2">
+                    <a:lumMod val="50000"/>
+                  </a:schemeClr>
+                </a:solidFill>
+                <a:latin typeface="+mj-lt"/>
+              </a:rPr>
+              <a:t>Kogut</a:t>
+            </a:r>
+            <a:r>
+              <a:rPr lang="en-US" altLang="en-US" sz="3800" baseline="30000" dirty="0">
+                <a:solidFill>
+                  <a:schemeClr val="tx2">
+                    <a:lumMod val="50000"/>
+                  </a:schemeClr>
+                </a:solidFill>
+                <a:latin typeface="+mj-lt"/>
+              </a:rPr>
+              <a:t>17</a:t>
+            </a:r>
+            <a:r>
+              <a:rPr lang="en-US" altLang="zh-CN" sz="3800" dirty="0">
+                <a:solidFill>
+                  <a:schemeClr val="tx2">
+                    <a:lumMod val="50000"/>
+                  </a:schemeClr>
+                </a:solidFill>
+                <a:latin typeface="+mj-lt"/>
+                <a:cs typeface="等线"/>
+              </a:rPr>
+              <a:t>,</a:t>
+            </a:r>
+            <a:r>
+              <a:rPr lang="en-US" altLang="en-US" sz="3800" dirty="0">
+                <a:solidFill>
+                  <a:schemeClr val="tx2">
+                    <a:lumMod val="50000"/>
+                  </a:schemeClr>
+                </a:solidFill>
+                <a:latin typeface="+mj-lt"/>
+              </a:rPr>
+              <a:t> </a:t>
+            </a:r>
+            <a:r>
+              <a:rPr lang="en-US" altLang="zh-CN" sz="3800" dirty="0">
+                <a:solidFill>
+                  <a:schemeClr val="tx2">
+                    <a:lumMod val="50000"/>
+                  </a:schemeClr>
+                </a:solidFill>
+                <a:latin typeface="+mj-lt"/>
+                <a:cs typeface="等线"/>
+              </a:rPr>
+              <a:t>C.</a:t>
+            </a:r>
+            <a:r>
+              <a:rPr lang="zh-CN" altLang="en-US" sz="3800" dirty="0">
+                <a:solidFill>
+                  <a:schemeClr val="tx2">
+                    <a:lumMod val="50000"/>
+                  </a:schemeClr>
+                </a:solidFill>
+                <a:latin typeface="+mj-lt"/>
+                <a:cs typeface="等线"/>
+              </a:rPr>
+              <a:t> </a:t>
+            </a:r>
+            <a:r>
+              <a:rPr lang="en-US" altLang="en-US" sz="3800" dirty="0">
+                <a:solidFill>
+                  <a:schemeClr val="tx2">
+                    <a:lumMod val="50000"/>
+                  </a:schemeClr>
+                </a:solidFill>
+                <a:latin typeface="+mj-lt"/>
+              </a:rPr>
+              <a:t>Lawrence</a:t>
+            </a:r>
+            <a:r>
+              <a:rPr lang="en-US" altLang="en-US" sz="3800" baseline="30000" dirty="0">
                 <a:solidFill>
                   <a:schemeClr val="tx2">
                     <a:lumMod val="50000"/>
@@ -3582,7 +4267,7 @@
               <a:t>3</a:t>
             </a:r>
             <a:r>
-              <a:rPr lang="en-US" altLang="zh-CN" sz="4000" dirty="0">
+              <a:rPr lang="en-US" altLang="zh-CN" sz="3800" dirty="0">
                 <a:solidFill>
                   <a:schemeClr val="tx2">
                     <a:lumMod val="50000"/>
@@ -3591,10 +4276,217 @@
                 <a:latin typeface="+mj-lt"/>
                 <a:cs typeface="等线"/>
               </a:rPr>
+              <a:t>, T. Matsumura</a:t>
+            </a:r>
+            <a:r>
+              <a:rPr lang="en-US" altLang="zh-CN" sz="3800" baseline="30000" dirty="0">
+                <a:solidFill>
+                  <a:schemeClr val="tx2">
+                    <a:lumMod val="50000"/>
+                  </a:schemeClr>
+                </a:solidFill>
+                <a:latin typeface="+mj-lt"/>
+                <a:cs typeface="等线"/>
+              </a:rPr>
+              <a:t>18</a:t>
+            </a:r>
+            <a:r>
+              <a:rPr lang="en-US" altLang="zh-CN" sz="3800" dirty="0">
+                <a:solidFill>
+                  <a:schemeClr val="tx2">
+                    <a:lumMod val="50000"/>
+                  </a:schemeClr>
+                </a:solidFill>
+                <a:latin typeface="+mj-lt"/>
+                <a:cs typeface="等线"/>
+              </a:rPr>
+              <a:t>, J. McGuire</a:t>
+            </a:r>
+            <a:r>
+              <a:rPr lang="en-US" altLang="zh-CN" sz="3800" baseline="30000" dirty="0">
+                <a:solidFill>
+                  <a:schemeClr val="tx2">
+                    <a:lumMod val="50000"/>
+                  </a:schemeClr>
+                </a:solidFill>
+                <a:latin typeface="+mj-lt"/>
+                <a:cs typeface="等线"/>
+              </a:rPr>
+              <a:t>7</a:t>
+            </a:r>
+            <a:r>
+              <a:rPr lang="en-US" altLang="zh-CN" sz="3800" dirty="0">
+                <a:solidFill>
+                  <a:schemeClr val="tx2">
+                    <a:lumMod val="50000"/>
+                  </a:schemeClr>
+                </a:solidFill>
+                <a:latin typeface="+mj-lt"/>
+                <a:cs typeface="等线"/>
+              </a:rPr>
+              <a:t>, </a:t>
+            </a:r>
+            <a:r>
+              <a:rPr lang="en-US" altLang="en-US" sz="3800" dirty="0">
+                <a:solidFill>
+                  <a:schemeClr val="tx2">
+                    <a:lumMod val="50000"/>
+                  </a:schemeClr>
+                </a:solidFill>
+                <a:latin typeface="+mj-lt"/>
+              </a:rPr>
+              <a:t> </a:t>
+            </a:r>
+            <a:r>
+              <a:rPr lang="en-US" altLang="zh-CN" sz="3800" dirty="0">
+                <a:solidFill>
+                  <a:schemeClr val="tx2">
+                    <a:lumMod val="50000"/>
+                  </a:schemeClr>
+                </a:solidFill>
+                <a:latin typeface="+mj-lt"/>
+                <a:cs typeface="等线"/>
+              </a:rPr>
+              <a:t>J.</a:t>
+            </a:r>
+            <a:r>
+              <a:rPr lang="zh-CN" altLang="en-US" sz="3800" dirty="0">
+                <a:solidFill>
+                  <a:schemeClr val="tx2">
+                    <a:lumMod val="50000"/>
+                  </a:schemeClr>
+                </a:solidFill>
+                <a:latin typeface="+mj-lt"/>
+                <a:cs typeface="等线"/>
+              </a:rPr>
+              <a:t> </a:t>
+            </a:r>
+            <a:r>
+              <a:rPr lang="en-US" altLang="en-US" sz="3800" dirty="0">
+                <a:solidFill>
+                  <a:schemeClr val="tx2">
+                    <a:lumMod val="50000"/>
+                  </a:schemeClr>
+                </a:solidFill>
+                <a:latin typeface="+mj-lt"/>
+              </a:rPr>
+              <a:t>McMahon</a:t>
+            </a:r>
+            <a:r>
+              <a:rPr lang="en-US" altLang="en-US" sz="3800" baseline="30000" dirty="0">
+                <a:solidFill>
+                  <a:schemeClr val="tx2">
+                    <a:lumMod val="50000"/>
+                  </a:schemeClr>
+                </a:solidFill>
+                <a:latin typeface="+mj-lt"/>
+              </a:rPr>
+              <a:t>19</a:t>
+            </a:r>
+            <a:r>
+              <a:rPr lang="en-US" altLang="zh-CN" sz="3800" dirty="0">
+                <a:solidFill>
+                  <a:schemeClr val="tx2">
+                    <a:lumMod val="50000"/>
+                  </a:schemeClr>
+                </a:solidFill>
+                <a:latin typeface="+mj-lt"/>
+                <a:cs typeface="等线"/>
+              </a:rPr>
+              <a:t>, R. O’Brient</a:t>
+            </a:r>
+            <a:r>
+              <a:rPr lang="en-US" altLang="zh-CN" sz="3800" baseline="30000" dirty="0">
+                <a:solidFill>
+                  <a:schemeClr val="tx2">
+                    <a:lumMod val="50000"/>
+                  </a:schemeClr>
+                </a:solidFill>
+                <a:latin typeface="+mj-lt"/>
+                <a:cs typeface="等线"/>
+              </a:rPr>
+              <a:t>7</a:t>
+            </a:r>
+            <a:r>
+              <a:rPr lang="en-US" altLang="zh-CN" sz="3800" dirty="0">
+                <a:solidFill>
+                  <a:schemeClr val="tx2">
+                    <a:lumMod val="50000"/>
+                  </a:schemeClr>
+                </a:solidFill>
+                <a:latin typeface="+mj-lt"/>
+                <a:cs typeface="等线"/>
+              </a:rPr>
+              <a:t>, C.</a:t>
+            </a:r>
+            <a:r>
+              <a:rPr lang="en-US" altLang="en-US" sz="3800" dirty="0">
+                <a:solidFill>
+                  <a:schemeClr val="tx2">
+                    <a:lumMod val="50000"/>
+                  </a:schemeClr>
+                </a:solidFill>
+                <a:latin typeface="+mj-lt"/>
+              </a:rPr>
+              <a:t> Pryke</a:t>
+            </a:r>
+            <a:r>
+              <a:rPr lang="en-US" altLang="en-US" sz="3800" baseline="30000" dirty="0">
+                <a:solidFill>
+                  <a:schemeClr val="tx2">
+                    <a:lumMod val="50000"/>
+                  </a:schemeClr>
+                </a:solidFill>
+                <a:latin typeface="+mj-lt"/>
+              </a:rPr>
+              <a:t>1</a:t>
+            </a:r>
+            <a:r>
+              <a:rPr lang="en-US" altLang="zh-CN" sz="3800" dirty="0">
+                <a:solidFill>
+                  <a:schemeClr val="tx2">
+                    <a:lumMod val="50000"/>
+                  </a:schemeClr>
+                </a:solidFill>
+                <a:latin typeface="+mj-lt"/>
+                <a:cs typeface="等线"/>
+              </a:rPr>
               <a:t>,</a:t>
             </a:r>
             <a:r>
-              <a:rPr lang="zh-CN" altLang="en-US" sz="4000" dirty="0">
+              <a:rPr lang="en-US" altLang="en-US" sz="3800" dirty="0">
+                <a:solidFill>
+                  <a:schemeClr val="tx2">
+                    <a:lumMod val="50000"/>
+                  </a:schemeClr>
+                </a:solidFill>
+                <a:latin typeface="+mj-lt"/>
+              </a:rPr>
+              <a:t> X.Z. Tan</a:t>
+            </a:r>
+            <a:r>
+              <a:rPr lang="en-US" altLang="en-US" sz="3800" baseline="30000" dirty="0">
+                <a:solidFill>
+                  <a:schemeClr val="tx2">
+                    <a:lumMod val="50000"/>
+                  </a:schemeClr>
+                </a:solidFill>
+              </a:rPr>
+              <a:t>1</a:t>
+            </a:r>
+            <a:r>
+              <a:rPr lang="en-US" altLang="en-US" sz="3800" dirty="0">
+                <a:solidFill>
+                  <a:schemeClr val="tx2">
+                    <a:lumMod val="50000"/>
+                  </a:schemeClr>
+                </a:solidFill>
+                <a:latin typeface="+mj-lt"/>
+              </a:rPr>
+              <a:t>, </a:t>
+            </a:r>
+            <a:r>
+              <a:rPr lang="en-US" altLang="zh-CN" sz="3800" dirty="0">
                 <a:solidFill>
                   <a:schemeClr val="tx2">
                     <a:lumMod val="50000"/>
@@ -3603,10 +4495,44 @@
                 <a:latin typeface="+mj-lt"/>
                 <a:cs typeface="等线"/>
               </a:rPr>
+              <a:t>A.</a:t>
+            </a:r>
+            <a:r>
+              <a:rPr lang="zh-CN" altLang="en-US" sz="3800" dirty="0">
+                <a:solidFill>
+                  <a:schemeClr val="tx2">
+                    <a:lumMod val="50000"/>
+                  </a:schemeClr>
+                </a:solidFill>
+                <a:latin typeface="+mj-lt"/>
+                <a:cs typeface="等线"/>
+              </a:rPr>
               <a:t> </a:t>
             </a:r>
             <a:r>
-              <a:rPr lang="en-US" altLang="zh-CN" sz="4000" dirty="0">
+              <a:rPr lang="en-US" altLang="en-US" sz="3800" dirty="0">
+                <a:solidFill>
+                  <a:schemeClr val="tx2">
+                    <a:lumMod val="50000"/>
+                  </a:schemeClr>
+                </a:solidFill>
+                <a:latin typeface="+mj-lt"/>
+              </a:rPr>
+              <a:t>Trangsrud</a:t>
+            </a:r>
+            <a:r>
+              <a:rPr lang="en-US" altLang="en-US" sz="3800" baseline="30000" dirty="0">
+                <a:solidFill>
+                  <a:schemeClr val="tx2">
+                    <a:lumMod val="50000"/>
+                  </a:schemeClr>
+                </a:solidFill>
+                <a:latin typeface="+mj-lt"/>
+              </a:rPr>
+              <a:t>7</a:t>
+            </a:r>
+            <a:r>
+              <a:rPr lang="en-US" altLang="zh-CN" sz="3800" dirty="0">
                 <a:solidFill>
                   <a:schemeClr val="tx2">
                     <a:lumMod val="50000"/>
@@ -3615,10 +4541,21 @@
                 <a:latin typeface="+mj-lt"/>
                 <a:cs typeface="等线"/>
               </a:rPr>
-              <a:t>J. Delabrouille</a:t>
-            </a:r>
-            <a:r>
-              <a:rPr lang="en-US" altLang="zh-CN" sz="4000" baseline="30000" dirty="0">
+              <a:t>,</a:t>
+            </a:r>
+            <a:r>
+              <a:rPr lang="en-US" altLang="en-US" sz="3800" dirty="0">
+                <a:solidFill>
+                  <a:schemeClr val="tx2">
+                    <a:lumMod val="50000"/>
+                  </a:schemeClr>
+                </a:solidFill>
+                <a:latin typeface="+mj-lt"/>
+              </a:rPr>
+              <a:t> </a:t>
+            </a:r>
+            <a:r>
+              <a:rPr lang="en-US" altLang="zh-CN" sz="3800" dirty="0">
                 <a:solidFill>
                   <a:schemeClr val="tx2">
                     <a:lumMod val="50000"/>
@@ -3627,229 +4564,10 @@
                 <a:latin typeface="+mj-lt"/>
                 <a:cs typeface="等线"/>
               </a:rPr>
-              <a:t>6</a:t>
-            </a:r>
-            <a:r>
-              <a:rPr lang="en-US" altLang="zh-CN" sz="4000" dirty="0">
-                <a:solidFill>
-                  <a:schemeClr val="tx2">
-                    <a:lumMod val="50000"/>
-                  </a:schemeClr>
-                </a:solidFill>
-                <a:latin typeface="+mj-lt"/>
-                <a:cs typeface="等线"/>
-              </a:rPr>
-              <a:t>, M.</a:t>
-            </a:r>
-            <a:r>
-              <a:rPr lang="en-US" altLang="en-US" sz="4000" dirty="0">
-                <a:solidFill>
-                  <a:schemeClr val="tx2">
-                    <a:lumMod val="50000"/>
-                  </a:schemeClr>
-                </a:solidFill>
-                <a:latin typeface="+mj-lt"/>
-              </a:rPr>
-              <a:t> Devlin</a:t>
-            </a:r>
-            <a:r>
-              <a:rPr lang="en-US" altLang="en-US" sz="4000" baseline="30000" dirty="0">
-                <a:solidFill>
-                  <a:schemeClr val="tx2">
-                    <a:lumMod val="50000"/>
-                  </a:schemeClr>
-                </a:solidFill>
-                <a:latin typeface="+mj-lt"/>
-              </a:rPr>
-              <a:t>7</a:t>
-            </a:r>
-            <a:r>
-              <a:rPr lang="en-US" altLang="zh-CN" sz="4000" dirty="0">
-                <a:solidFill>
-                  <a:schemeClr val="tx2">
-                    <a:lumMod val="50000"/>
-                  </a:schemeClr>
-                </a:solidFill>
-                <a:latin typeface="+mj-lt"/>
-                <a:cs typeface="等线"/>
-              </a:rPr>
-              <a:t>,</a:t>
-            </a:r>
-            <a:r>
-              <a:rPr lang="en-US" altLang="en-US" sz="4000" dirty="0">
-                <a:solidFill>
-                  <a:schemeClr val="tx2">
-                    <a:lumMod val="50000"/>
-                  </a:schemeClr>
-                </a:solidFill>
-                <a:latin typeface="+mj-lt"/>
-              </a:rPr>
-              <a:t> </a:t>
-            </a:r>
-            <a:r>
-              <a:rPr lang="en-US" altLang="zh-CN" sz="4000" dirty="0">
-                <a:solidFill>
-                  <a:schemeClr val="tx2">
-                    <a:lumMod val="50000"/>
-                  </a:schemeClr>
-                </a:solidFill>
-                <a:latin typeface="+mj-lt"/>
-                <a:cs typeface="等线"/>
-              </a:rPr>
-              <a:t>L.</a:t>
-            </a:r>
-            <a:r>
-              <a:rPr lang="zh-CN" altLang="en-US" sz="4000" dirty="0">
-                <a:solidFill>
-                  <a:schemeClr val="tx2">
-                    <a:lumMod val="50000"/>
-                  </a:schemeClr>
-                </a:solidFill>
-                <a:latin typeface="+mj-lt"/>
-                <a:cs typeface="等线"/>
-              </a:rPr>
-              <a:t> </a:t>
-            </a:r>
-            <a:r>
-              <a:rPr lang="en-US" altLang="en-US" sz="4000" dirty="0">
-                <a:solidFill>
-                  <a:schemeClr val="tx2">
-                    <a:lumMod val="50000"/>
-                  </a:schemeClr>
-                </a:solidFill>
-                <a:latin typeface="+mj-lt"/>
-              </a:rPr>
-              <a:t>Fissel</a:t>
-            </a:r>
-            <a:r>
-              <a:rPr lang="en-US" altLang="en-US" sz="4000" baseline="30000" dirty="0">
-                <a:solidFill>
-                  <a:schemeClr val="tx2">
-                    <a:lumMod val="50000"/>
-                  </a:schemeClr>
-                </a:solidFill>
-                <a:latin typeface="+mj-lt"/>
-              </a:rPr>
-              <a:t>8</a:t>
-            </a:r>
-            <a:r>
-              <a:rPr lang="en-US" altLang="zh-CN" sz="4000" dirty="0">
-                <a:solidFill>
-                  <a:schemeClr val="tx2">
-                    <a:lumMod val="50000"/>
-                  </a:schemeClr>
-                </a:solidFill>
-                <a:latin typeface="+mj-lt"/>
-                <a:cs typeface="等线"/>
-              </a:rPr>
-              <a:t>,</a:t>
-            </a:r>
-            <a:r>
-              <a:rPr lang="en-US" altLang="en-US" sz="4000" dirty="0">
-                <a:solidFill>
-                  <a:schemeClr val="tx2">
-                    <a:lumMod val="50000"/>
-                  </a:schemeClr>
-                </a:solidFill>
-                <a:latin typeface="+mj-lt"/>
-              </a:rPr>
-              <a:t> </a:t>
-            </a:r>
-            <a:r>
-              <a:rPr lang="en-US" altLang="zh-CN" sz="4000" dirty="0">
-                <a:solidFill>
-                  <a:schemeClr val="tx2">
-                    <a:lumMod val="50000"/>
-                  </a:schemeClr>
-                </a:solidFill>
-                <a:latin typeface="+mj-lt"/>
-                <a:cs typeface="等线"/>
-              </a:rPr>
-              <a:t>R.</a:t>
-            </a:r>
-            <a:r>
-              <a:rPr lang="zh-CN" altLang="en-US" sz="4000" dirty="0">
-                <a:solidFill>
-                  <a:schemeClr val="tx2">
-                    <a:lumMod val="50000"/>
-                  </a:schemeClr>
-                </a:solidFill>
-                <a:latin typeface="+mj-lt"/>
-                <a:cs typeface="等线"/>
-              </a:rPr>
-              <a:t> </a:t>
-            </a:r>
-            <a:r>
-              <a:rPr lang="en-US" altLang="zh-CN" sz="4000" dirty="0">
-                <a:solidFill>
-                  <a:schemeClr val="tx2">
-                    <a:lumMod val="50000"/>
-                  </a:schemeClr>
-                </a:solidFill>
-                <a:latin typeface="+mj-lt"/>
-                <a:cs typeface="等线"/>
-              </a:rPr>
-              <a:t>F</a:t>
-            </a:r>
-            <a:r>
-              <a:rPr lang="en-US" altLang="en-US" sz="4000" dirty="0">
-                <a:solidFill>
-                  <a:schemeClr val="tx2">
-                    <a:lumMod val="50000"/>
-                  </a:schemeClr>
-                </a:solidFill>
-                <a:latin typeface="+mj-lt"/>
-              </a:rPr>
-              <a:t>lauger</a:t>
-            </a:r>
-            <a:r>
-              <a:rPr lang="en-US" altLang="en-US" sz="4000" baseline="30000" dirty="0">
-                <a:solidFill>
-                  <a:schemeClr val="tx2">
-                    <a:lumMod val="50000"/>
-                  </a:schemeClr>
-                </a:solidFill>
-                <a:latin typeface="+mj-lt"/>
-              </a:rPr>
-              <a:t>9</a:t>
-            </a:r>
-            <a:r>
-              <a:rPr lang="en-US" altLang="zh-CN" sz="4000" dirty="0" smtClean="0">
-                <a:solidFill>
-                  <a:schemeClr val="tx2">
-                    <a:lumMod val="50000"/>
-                  </a:schemeClr>
-                </a:solidFill>
-                <a:latin typeface="+mj-lt"/>
-                <a:cs typeface="等线"/>
-              </a:rPr>
-              <a:t>, D. Green, K. Gorski, S</a:t>
-            </a:r>
-            <a:r>
-              <a:rPr lang="en-US" altLang="zh-CN" sz="4000" dirty="0">
-                <a:solidFill>
-                  <a:schemeClr val="tx2">
-                    <a:lumMod val="50000"/>
-                  </a:schemeClr>
-                </a:solidFill>
-                <a:latin typeface="+mj-lt"/>
-                <a:cs typeface="等线"/>
-              </a:rPr>
-              <a:t>.</a:t>
-            </a:r>
-            <a:r>
-              <a:rPr lang="en-US" altLang="en-US" sz="4000" dirty="0">
-                <a:solidFill>
-                  <a:schemeClr val="tx2">
-                    <a:lumMod val="50000"/>
-                  </a:schemeClr>
-                </a:solidFill>
-                <a:latin typeface="+mj-lt"/>
-              </a:rPr>
-              <a:t> Hanany</a:t>
-            </a:r>
-            <a:r>
-              <a:rPr lang="en-US" altLang="en-US" sz="4000" baseline="30000" dirty="0">
+              <a:t>Q. Wen</a:t>
+            </a:r>
+            <a:r>
+              <a:rPr lang="en-US" altLang="en-US" sz="3800" baseline="30000" dirty="0">
                 <a:solidFill>
                   <a:schemeClr val="tx2">
                     <a:lumMod val="50000"/>
@@ -3860,627 +4578,7 @@
               <a:t>1</a:t>
             </a:r>
             <a:r>
-              <a:rPr lang="en-US" altLang="en-US" sz="4000" dirty="0">
-                <a:solidFill>
-                  <a:schemeClr val="tx2">
-                    <a:lumMod val="50000"/>
-                  </a:schemeClr>
-                </a:solidFill>
-                <a:latin typeface="+mj-lt"/>
-              </a:rPr>
-              <a:t>, </a:t>
-            </a:r>
-            <a:r>
-              <a:rPr lang="en-US" altLang="en-US" sz="4000" dirty="0" smtClean="0">
-                <a:solidFill>
-                  <a:schemeClr val="tx2">
-                    <a:lumMod val="50000"/>
-                  </a:schemeClr>
-                </a:solidFill>
-                <a:latin typeface="+mj-lt"/>
-              </a:rPr>
-              <a:t>R. Hills, J. </a:t>
-            </a:r>
-            <a:r>
-              <a:rPr lang="en-US" altLang="en-US" sz="4000" dirty="0" err="1" smtClean="0">
-                <a:solidFill>
-                  <a:schemeClr val="tx2">
-                    <a:lumMod val="50000"/>
-                  </a:schemeClr>
-                </a:solidFill>
-                <a:latin typeface="+mj-lt"/>
-              </a:rPr>
-              <a:t>Hubmayr</a:t>
-            </a:r>
-            <a:r>
-              <a:rPr lang="en-US" altLang="en-US" sz="4000" dirty="0" smtClean="0">
-                <a:solidFill>
-                  <a:schemeClr val="tx2">
-                    <a:lumMod val="50000"/>
-                  </a:schemeClr>
-                </a:solidFill>
-                <a:latin typeface="+mj-lt"/>
-              </a:rPr>
-              <a:t>,  B. Johnson, </a:t>
-            </a:r>
-            <a:r>
-              <a:rPr lang="en-US" altLang="zh-CN" sz="4000" dirty="0" smtClean="0">
-                <a:solidFill>
-                  <a:schemeClr val="tx2">
-                    <a:lumMod val="50000"/>
-                  </a:schemeClr>
-                </a:solidFill>
-                <a:latin typeface="+mj-lt"/>
-                <a:cs typeface="等线"/>
-              </a:rPr>
-              <a:t>B</a:t>
-            </a:r>
-            <a:r>
-              <a:rPr lang="en-US" altLang="zh-CN" sz="4000" dirty="0">
-                <a:solidFill>
-                  <a:schemeClr val="tx2">
-                    <a:lumMod val="50000"/>
-                  </a:schemeClr>
-                </a:solidFill>
-                <a:latin typeface="+mj-lt"/>
-                <a:cs typeface="等线"/>
-              </a:rPr>
-              <a:t>.</a:t>
-            </a:r>
-            <a:r>
-              <a:rPr lang="zh-CN" altLang="en-US" sz="4000" dirty="0">
-                <a:solidFill>
-                  <a:schemeClr val="tx2">
-                    <a:lumMod val="50000"/>
-                  </a:schemeClr>
-                </a:solidFill>
-                <a:latin typeface="+mj-lt"/>
-                <a:cs typeface="等线"/>
-              </a:rPr>
-              <a:t> </a:t>
-            </a:r>
-            <a:r>
-              <a:rPr lang="en-US" altLang="en-US" sz="4000" dirty="0">
-                <a:solidFill>
-                  <a:schemeClr val="tx2">
-                    <a:lumMod val="50000"/>
-                  </a:schemeClr>
-                </a:solidFill>
-                <a:latin typeface="+mj-lt"/>
-              </a:rPr>
-              <a:t>Jones</a:t>
-            </a:r>
-            <a:r>
-              <a:rPr lang="en-US" altLang="en-US" sz="4000" baseline="30000" dirty="0">
-                <a:solidFill>
-                  <a:schemeClr val="tx2">
-                    <a:lumMod val="50000"/>
-                  </a:schemeClr>
-                </a:solidFill>
-                <a:latin typeface="+mj-lt"/>
-              </a:rPr>
-              <a:t>2</a:t>
-            </a:r>
-            <a:r>
-              <a:rPr lang="en-US" altLang="zh-CN" sz="4000" dirty="0">
-                <a:solidFill>
-                  <a:schemeClr val="tx2">
-                    <a:lumMod val="50000"/>
-                  </a:schemeClr>
-                </a:solidFill>
-                <a:latin typeface="+mj-lt"/>
-                <a:cs typeface="等线"/>
-              </a:rPr>
-              <a:t>,</a:t>
-            </a:r>
-            <a:r>
-              <a:rPr lang="zh-CN" altLang="en-US" sz="4000" dirty="0">
-                <a:solidFill>
-                  <a:schemeClr val="tx2">
-                    <a:lumMod val="50000"/>
-                  </a:schemeClr>
-                </a:solidFill>
-                <a:latin typeface="+mj-lt"/>
-                <a:cs typeface="等线"/>
-              </a:rPr>
-              <a:t> </a:t>
-            </a:r>
-            <a:r>
-              <a:rPr lang="en-US" altLang="zh-CN" sz="4000" dirty="0">
-                <a:solidFill>
-                  <a:schemeClr val="tx2">
-                    <a:lumMod val="50000"/>
-                  </a:schemeClr>
-                </a:solidFill>
-                <a:latin typeface="+mj-lt"/>
-                <a:cs typeface="等线"/>
-              </a:rPr>
-              <a:t>L.</a:t>
-            </a:r>
-            <a:r>
-              <a:rPr lang="zh-CN" altLang="en-US" sz="4000" dirty="0">
-                <a:solidFill>
-                  <a:schemeClr val="tx2">
-                    <a:lumMod val="50000"/>
-                  </a:schemeClr>
-                </a:solidFill>
-                <a:latin typeface="+mj-lt"/>
-                <a:cs typeface="等线"/>
-              </a:rPr>
-              <a:t> </a:t>
-            </a:r>
-            <a:r>
-              <a:rPr lang="en-US" altLang="en-US" sz="4000" dirty="0">
-                <a:solidFill>
-                  <a:schemeClr val="tx2">
-                    <a:lumMod val="50000"/>
-                  </a:schemeClr>
-                </a:solidFill>
-                <a:latin typeface="+mj-lt"/>
-              </a:rPr>
-              <a:t>Knox</a:t>
-            </a:r>
-            <a:r>
-              <a:rPr lang="en-US" altLang="en-US" sz="4000" baseline="30000" dirty="0">
-                <a:solidFill>
-                  <a:schemeClr val="tx2">
-                    <a:lumMod val="50000"/>
-                  </a:schemeClr>
-                </a:solidFill>
-                <a:latin typeface="+mj-lt"/>
-              </a:rPr>
-              <a:t>10</a:t>
-            </a:r>
-            <a:r>
-              <a:rPr lang="en-US" altLang="zh-CN" sz="4000" dirty="0">
-                <a:solidFill>
-                  <a:schemeClr val="tx2">
-                    <a:lumMod val="50000"/>
-                  </a:schemeClr>
-                </a:solidFill>
-                <a:latin typeface="+mj-lt"/>
-                <a:cs typeface="等线"/>
-              </a:rPr>
-              <a:t>,</a:t>
-            </a:r>
-            <a:r>
-              <a:rPr lang="en-US" altLang="en-US" sz="4000" dirty="0">
-                <a:solidFill>
-                  <a:schemeClr val="tx2">
-                    <a:lumMod val="50000"/>
-                  </a:schemeClr>
-                </a:solidFill>
-                <a:latin typeface="+mj-lt"/>
-              </a:rPr>
-              <a:t> </a:t>
-            </a:r>
-            <a:r>
-              <a:rPr lang="en-US" altLang="zh-CN" sz="4000" dirty="0">
-                <a:solidFill>
-                  <a:schemeClr val="tx2">
-                    <a:lumMod val="50000"/>
-                  </a:schemeClr>
-                </a:solidFill>
-                <a:latin typeface="+mj-lt"/>
-                <a:cs typeface="等线"/>
-              </a:rPr>
-              <a:t>A.</a:t>
-            </a:r>
-            <a:r>
-              <a:rPr lang="zh-CN" altLang="en-US" sz="4000" dirty="0">
-                <a:solidFill>
-                  <a:schemeClr val="tx2">
-                    <a:lumMod val="50000"/>
-                  </a:schemeClr>
-                </a:solidFill>
-                <a:latin typeface="+mj-lt"/>
-                <a:cs typeface="等线"/>
-              </a:rPr>
-              <a:t> </a:t>
-            </a:r>
-            <a:r>
-              <a:rPr lang="en-US" altLang="en-US" sz="4000" dirty="0">
-                <a:solidFill>
-                  <a:schemeClr val="tx2">
-                    <a:lumMod val="50000"/>
-                  </a:schemeClr>
-                </a:solidFill>
-                <a:latin typeface="+mj-lt"/>
-              </a:rPr>
-              <a:t>Kogut</a:t>
-            </a:r>
-            <a:r>
-              <a:rPr lang="en-US" altLang="en-US" sz="4000" baseline="30000" dirty="0">
-                <a:solidFill>
-                  <a:schemeClr val="tx2">
-                    <a:lumMod val="50000"/>
-                  </a:schemeClr>
-                </a:solidFill>
-                <a:latin typeface="+mj-lt"/>
-              </a:rPr>
-              <a:t>11</a:t>
-            </a:r>
-            <a:r>
-              <a:rPr lang="en-US" altLang="zh-CN" sz="4000" dirty="0">
-                <a:solidFill>
-                  <a:schemeClr val="tx2">
-                    <a:lumMod val="50000"/>
-                  </a:schemeClr>
-                </a:solidFill>
-                <a:latin typeface="+mj-lt"/>
-                <a:cs typeface="等线"/>
-              </a:rPr>
-              <a:t>,</a:t>
-            </a:r>
-            <a:r>
-              <a:rPr lang="en-US" altLang="en-US" sz="4000" dirty="0">
-                <a:solidFill>
-                  <a:schemeClr val="tx2">
-                    <a:lumMod val="50000"/>
-                  </a:schemeClr>
-                </a:solidFill>
-                <a:latin typeface="+mj-lt"/>
-              </a:rPr>
-              <a:t> </a:t>
-            </a:r>
-            <a:r>
-              <a:rPr lang="en-US" altLang="zh-CN" sz="4000" dirty="0">
-                <a:solidFill>
-                  <a:schemeClr val="tx2">
-                    <a:lumMod val="50000"/>
-                  </a:schemeClr>
-                </a:solidFill>
-                <a:latin typeface="+mj-lt"/>
-                <a:cs typeface="等线"/>
-              </a:rPr>
-              <a:t>C.</a:t>
-            </a:r>
-            <a:r>
-              <a:rPr lang="zh-CN" altLang="en-US" sz="4000" dirty="0">
-                <a:solidFill>
-                  <a:schemeClr val="tx2">
-                    <a:lumMod val="50000"/>
-                  </a:schemeClr>
-                </a:solidFill>
-                <a:latin typeface="+mj-lt"/>
-                <a:cs typeface="等线"/>
-              </a:rPr>
-              <a:t> </a:t>
-            </a:r>
-            <a:r>
-              <a:rPr lang="en-US" altLang="en-US" sz="4000" dirty="0">
-                <a:solidFill>
-                  <a:schemeClr val="tx2">
-                    <a:lumMod val="50000"/>
-                  </a:schemeClr>
-                </a:solidFill>
-                <a:latin typeface="+mj-lt"/>
-              </a:rPr>
-              <a:t>Lawrence</a:t>
-            </a:r>
-            <a:r>
-              <a:rPr lang="en-US" altLang="en-US" sz="4000" baseline="30000" dirty="0">
-                <a:solidFill>
-                  <a:schemeClr val="tx2">
-                    <a:lumMod val="50000"/>
-                  </a:schemeClr>
-                </a:solidFill>
-                <a:latin typeface="+mj-lt"/>
-              </a:rPr>
-              <a:t>3</a:t>
-            </a:r>
-            <a:r>
-              <a:rPr lang="en-US" altLang="zh-CN" sz="4000" dirty="0" smtClean="0">
-                <a:solidFill>
-                  <a:schemeClr val="tx2">
-                    <a:lumMod val="50000"/>
-                  </a:schemeClr>
-                </a:solidFill>
-                <a:latin typeface="+mj-lt"/>
-                <a:cs typeface="等线"/>
-              </a:rPr>
-              <a:t>, T. Matsumura, J. McGuire, </a:t>
-            </a:r>
-            <a:r>
-              <a:rPr lang="en-US" altLang="en-US" sz="4000" dirty="0" smtClean="0">
-                <a:solidFill>
-                  <a:schemeClr val="tx2">
-                    <a:lumMod val="50000"/>
-                  </a:schemeClr>
-                </a:solidFill>
-                <a:latin typeface="+mj-lt"/>
-              </a:rPr>
-              <a:t> </a:t>
-            </a:r>
-            <a:r>
-              <a:rPr lang="en-US" altLang="zh-CN" sz="4000" dirty="0">
-                <a:solidFill>
-                  <a:schemeClr val="tx2">
-                    <a:lumMod val="50000"/>
-                  </a:schemeClr>
-                </a:solidFill>
-                <a:latin typeface="+mj-lt"/>
-                <a:cs typeface="等线"/>
-              </a:rPr>
-              <a:t>J.</a:t>
-            </a:r>
-            <a:r>
-              <a:rPr lang="zh-CN" altLang="en-US" sz="4000" dirty="0">
-                <a:solidFill>
-                  <a:schemeClr val="tx2">
-                    <a:lumMod val="50000"/>
-                  </a:schemeClr>
-                </a:solidFill>
-                <a:latin typeface="+mj-lt"/>
-                <a:cs typeface="等线"/>
-              </a:rPr>
-              <a:t> </a:t>
-            </a:r>
-            <a:r>
-              <a:rPr lang="en-US" altLang="en-US" sz="4000" dirty="0">
-                <a:solidFill>
-                  <a:schemeClr val="tx2">
-                    <a:lumMod val="50000"/>
-                  </a:schemeClr>
-                </a:solidFill>
-                <a:latin typeface="+mj-lt"/>
-              </a:rPr>
-              <a:t>McMahon</a:t>
-            </a:r>
-            <a:r>
-              <a:rPr lang="en-US" altLang="en-US" sz="4000" baseline="30000" dirty="0">
-                <a:solidFill>
-                  <a:schemeClr val="tx2">
-                    <a:lumMod val="50000"/>
-                  </a:schemeClr>
-                </a:solidFill>
-                <a:latin typeface="+mj-lt"/>
-              </a:rPr>
-              <a:t>12</a:t>
-            </a:r>
-            <a:r>
-              <a:rPr lang="en-US" altLang="zh-CN" sz="4000" dirty="0" smtClean="0">
-                <a:solidFill>
-                  <a:schemeClr val="tx2">
-                    <a:lumMod val="50000"/>
-                  </a:schemeClr>
-                </a:solidFill>
-                <a:latin typeface="+mj-lt"/>
-                <a:cs typeface="等线"/>
-              </a:rPr>
-              <a:t>, R. </a:t>
-            </a:r>
-            <a:r>
-              <a:rPr lang="en-US" altLang="zh-CN" sz="4000" dirty="0" err="1" smtClean="0">
-                <a:solidFill>
-                  <a:schemeClr val="tx2">
-                    <a:lumMod val="50000"/>
-                  </a:schemeClr>
-                </a:solidFill>
-                <a:latin typeface="+mj-lt"/>
-                <a:cs typeface="等线"/>
-              </a:rPr>
-              <a:t>O’Brient</a:t>
-            </a:r>
-            <a:r>
-              <a:rPr lang="en-US" altLang="zh-CN" sz="4000" dirty="0" smtClean="0">
-                <a:solidFill>
-                  <a:schemeClr val="tx2">
-                    <a:lumMod val="50000"/>
-                  </a:schemeClr>
-                </a:solidFill>
-                <a:latin typeface="+mj-lt"/>
-                <a:cs typeface="等线"/>
-              </a:rPr>
-              <a:t>, C</a:t>
-            </a:r>
-            <a:r>
-              <a:rPr lang="en-US" altLang="zh-CN" sz="4000" dirty="0">
-                <a:solidFill>
-                  <a:schemeClr val="tx2">
-                    <a:lumMod val="50000"/>
-                  </a:schemeClr>
-                </a:solidFill>
-                <a:latin typeface="+mj-lt"/>
-                <a:cs typeface="等线"/>
-              </a:rPr>
-              <a:t>.</a:t>
-            </a:r>
-            <a:r>
-              <a:rPr lang="en-US" altLang="en-US" sz="4000" dirty="0">
-                <a:solidFill>
-                  <a:schemeClr val="tx2">
-                    <a:lumMod val="50000"/>
-                  </a:schemeClr>
-                </a:solidFill>
-                <a:latin typeface="+mj-lt"/>
-              </a:rPr>
-              <a:t> Pryke</a:t>
-            </a:r>
-            <a:r>
-              <a:rPr lang="en-US" altLang="en-US" sz="4000" baseline="30000" dirty="0">
-                <a:solidFill>
-                  <a:schemeClr val="tx2">
-                    <a:lumMod val="50000"/>
-                  </a:schemeClr>
-                </a:solidFill>
-                <a:latin typeface="+mj-lt"/>
-              </a:rPr>
-              <a:t>1</a:t>
-            </a:r>
-            <a:r>
-              <a:rPr lang="en-US" altLang="zh-CN" sz="4000" dirty="0">
-                <a:solidFill>
-                  <a:schemeClr val="tx2">
-                    <a:lumMod val="50000"/>
-                  </a:schemeClr>
-                </a:solidFill>
-                <a:latin typeface="+mj-lt"/>
-                <a:cs typeface="等线"/>
-              </a:rPr>
-              <a:t>,</a:t>
-            </a:r>
-            <a:r>
-              <a:rPr lang="en-US" altLang="en-US" sz="4000" dirty="0">
-                <a:solidFill>
-                  <a:schemeClr val="tx2">
-                    <a:lumMod val="50000"/>
-                  </a:schemeClr>
-                </a:solidFill>
-                <a:latin typeface="+mj-lt"/>
-              </a:rPr>
-              <a:t> </a:t>
-            </a:r>
-            <a:r>
-              <a:rPr lang="en-US" altLang="en-US" sz="4000" dirty="0" smtClean="0">
-                <a:solidFill>
-                  <a:schemeClr val="tx2">
-                    <a:lumMod val="50000"/>
-                  </a:schemeClr>
-                </a:solidFill>
-                <a:latin typeface="+mj-lt"/>
-              </a:rPr>
-              <a:t>X.Z. Tan</a:t>
-            </a:r>
-            <a:r>
-              <a:rPr lang="en-US" altLang="en-US" sz="4000" baseline="30000" dirty="0">
-                <a:solidFill>
-                  <a:schemeClr val="tx2">
-                    <a:lumMod val="50000"/>
-                  </a:schemeClr>
-                </a:solidFill>
-              </a:rPr>
-              <a:t>1</a:t>
-            </a:r>
-            <a:r>
-              <a:rPr lang="en-US" altLang="en-US" sz="4000" dirty="0" smtClean="0">
-                <a:solidFill>
-                  <a:schemeClr val="tx2">
-                    <a:lumMod val="50000"/>
-                  </a:schemeClr>
-                </a:solidFill>
-                <a:latin typeface="+mj-lt"/>
-              </a:rPr>
-              <a:t>, </a:t>
-            </a:r>
-            <a:r>
-              <a:rPr lang="en-US" altLang="zh-CN" sz="4000" dirty="0" smtClean="0">
-                <a:solidFill>
-                  <a:schemeClr val="tx2">
-                    <a:lumMod val="50000"/>
-                  </a:schemeClr>
-                </a:solidFill>
-                <a:latin typeface="+mj-lt"/>
-                <a:cs typeface="等线"/>
-              </a:rPr>
-              <a:t>A</a:t>
-            </a:r>
-            <a:r>
-              <a:rPr lang="en-US" altLang="zh-CN" sz="4000" dirty="0">
-                <a:solidFill>
-                  <a:schemeClr val="tx2">
-                    <a:lumMod val="50000"/>
-                  </a:schemeClr>
-                </a:solidFill>
-                <a:latin typeface="+mj-lt"/>
-                <a:cs typeface="等线"/>
-              </a:rPr>
-              <a:t>.</a:t>
-            </a:r>
-            <a:r>
-              <a:rPr lang="zh-CN" altLang="en-US" sz="4000" dirty="0">
-                <a:solidFill>
-                  <a:schemeClr val="tx2">
-                    <a:lumMod val="50000"/>
-                  </a:schemeClr>
-                </a:solidFill>
-                <a:latin typeface="+mj-lt"/>
-                <a:cs typeface="等线"/>
-              </a:rPr>
-              <a:t> </a:t>
-            </a:r>
-            <a:r>
-              <a:rPr lang="en-US" altLang="en-US" sz="4000" dirty="0">
-                <a:solidFill>
-                  <a:schemeClr val="tx2">
-                    <a:lumMod val="50000"/>
-                  </a:schemeClr>
-                </a:solidFill>
-                <a:latin typeface="+mj-lt"/>
-              </a:rPr>
-              <a:t>Trangsrud</a:t>
-            </a:r>
-            <a:r>
-              <a:rPr lang="en-US" altLang="en-US" sz="4000" baseline="30000" dirty="0">
-                <a:solidFill>
-                  <a:schemeClr val="tx2">
-                    <a:lumMod val="50000"/>
-                  </a:schemeClr>
-                </a:solidFill>
-                <a:latin typeface="+mj-lt"/>
-              </a:rPr>
-              <a:t>3</a:t>
-            </a:r>
-            <a:r>
-              <a:rPr lang="en-US" altLang="zh-CN" sz="4000" dirty="0">
-                <a:solidFill>
-                  <a:schemeClr val="tx2">
-                    <a:lumMod val="50000"/>
-                  </a:schemeClr>
-                </a:solidFill>
-                <a:latin typeface="+mj-lt"/>
-                <a:cs typeface="等线"/>
-              </a:rPr>
-              <a:t>,</a:t>
-            </a:r>
-            <a:r>
-              <a:rPr lang="en-US" altLang="en-US" sz="4000" dirty="0">
-                <a:solidFill>
-                  <a:schemeClr val="tx2">
-                    <a:lumMod val="50000"/>
-                  </a:schemeClr>
-                </a:solidFill>
-                <a:latin typeface="+mj-lt"/>
-              </a:rPr>
-              <a:t> </a:t>
-            </a:r>
-            <a:r>
-              <a:rPr lang="en-US" altLang="zh-CN" sz="4000" dirty="0">
-                <a:solidFill>
-                  <a:schemeClr val="tx2">
-                    <a:lumMod val="50000"/>
-                  </a:schemeClr>
-                </a:solidFill>
-                <a:latin typeface="+mj-lt"/>
-                <a:cs typeface="等线"/>
-              </a:rPr>
-              <a:t>Q. </a:t>
-            </a:r>
-            <a:r>
-              <a:rPr lang="en-US" altLang="zh-CN" sz="4000" dirty="0" smtClean="0">
-                <a:solidFill>
-                  <a:schemeClr val="tx2">
-                    <a:lumMod val="50000"/>
-                  </a:schemeClr>
-                </a:solidFill>
-                <a:latin typeface="+mj-lt"/>
-                <a:cs typeface="等线"/>
-              </a:rPr>
-              <a:t>Wen</a:t>
-            </a:r>
-            <a:r>
-              <a:rPr lang="en-US" altLang="en-US" sz="4000" baseline="30000" dirty="0" smtClean="0">
-                <a:solidFill>
-                  <a:schemeClr val="tx2">
-                    <a:lumMod val="50000"/>
-                  </a:schemeClr>
-                </a:solidFill>
-                <a:latin typeface="+mj-lt"/>
-              </a:rPr>
-              <a:t>1</a:t>
-            </a:r>
-            <a:r>
-              <a:rPr lang="en-US" altLang="en-US" sz="4000" dirty="0" smtClean="0">
+              <a:rPr lang="en-US" altLang="en-US" sz="3800" dirty="0">
                 <a:solidFill>
                   <a:schemeClr val="tx2">
                     <a:lumMod val="50000"/>
@@ -4491,7 +4589,7 @@
               <a:t>, G. de Zotti</a:t>
             </a:r>
             <a:r>
-              <a:rPr lang="en-US" altLang="en-US" sz="4000" baseline="30000" dirty="0" smtClean="0">
+              <a:rPr lang="en-US" altLang="en-US" sz="3800" baseline="30000" dirty="0">
                 <a:solidFill>
                   <a:schemeClr val="tx2">
                     <a:lumMod val="50000"/>
@@ -4501,14 +4599,6 @@
               </a:rPr>
               <a:t>20</a:t>
             </a:r>
-            <a:endParaRPr lang="en-US" altLang="en-US" sz="4000" baseline="30000" dirty="0">
-              <a:solidFill>
-                <a:schemeClr val="tx2">
-                  <a:lumMod val="50000"/>
-                </a:schemeClr>
-              </a:solidFill>
-              <a:latin typeface="+mj-lt"/>
-            </a:endParaRPr>
           </a:p>
         </p:txBody>
       </p:sp>
@@ -4573,10 +4663,9 @@
           <a:lstStyle/>
           <a:p>
             <a:r>
-              <a:rPr lang="en-US" dirty="0" smtClean="0"/>
+              <a:rPr lang="en-US" dirty="0"/>
               <a:t>image?</a:t>
             </a:r>
-            <a:endParaRPr lang="en-US" dirty="0"/>
           </a:p>
         </p:txBody>
       </p:sp>
@@ -4760,8 +4849,8 @@
         </p:nvSpPr>
         <p:spPr>
           <a:xfrm>
-            <a:off x="381866" y="17266985"/>
-            <a:ext cx="10474036" cy="7569475"/>
+            <a:off x="381866" y="16636788"/>
+            <a:ext cx="10474036" cy="6808597"/>
           </a:xfrm>
           <a:prstGeom prst="rect">
             <a:avLst/>
@@ -4809,7 +4898,7 @@
         </p:nvSpPr>
         <p:spPr>
           <a:xfrm>
-            <a:off x="381866" y="17266987"/>
+            <a:off x="381866" y="16636790"/>
             <a:ext cx="10474036" cy="982087"/>
           </a:xfrm>
           <a:prstGeom prst="rect">
@@ -4847,8 +4936,8 @@
         </p:nvSpPr>
         <p:spPr>
           <a:xfrm>
-            <a:off x="568902" y="18488299"/>
-            <a:ext cx="10287000" cy="5061519"/>
+            <a:off x="568902" y="17757286"/>
+            <a:ext cx="10287000" cy="5615517"/>
           </a:xfrm>
           <a:prstGeom prst="rect">
             <a:avLst/>
@@ -4881,7 +4970,7 @@
             </a:pPr>
             <a:r>
               <a:rPr lang="en-US" sz="3600" dirty="0"/>
-              <a:t>21 bands from 20 GHz to 800 GHz</a:t>
+              <a:t>21 bands from 20 GHz to 800 GHz </a:t>
             </a:r>
           </a:p>
           <a:p>
@@ -4890,12 +4979,8 @@
               <a:buChar char="•"/>
             </a:pPr>
             <a:r>
-              <a:rPr lang="en-US" sz="3600" dirty="0" smtClean="0"/>
-              <a:t>12,996 </a:t>
-            </a:r>
-            <a:r>
               <a:rPr lang="en-US" sz="3600" dirty="0"/>
-              <a:t>polarization sensitive TES bolometers</a:t>
+              <a:t>25 % fractional bandwidth</a:t>
             </a:r>
           </a:p>
           <a:p>
@@ -4905,7 +4990,7 @@
             </a:pPr>
             <a:r>
               <a:rPr lang="en-US" sz="3600" dirty="0"/>
-              <a:t>1’ resolution at 800 GHz, 38’ at 20 GHz </a:t>
+              <a:t>12,996 polarization sensitive TES bolometers</a:t>
             </a:r>
           </a:p>
           <a:p>
@@ -4915,7 +5000,7 @@
             </a:pPr>
             <a:r>
               <a:rPr lang="en-US" sz="3600" dirty="0"/>
-              <a:t>Full-sky coverage</a:t>
+              <a:t>1’ resolution at 800 GHz, 38’ at 20 GHz </a:t>
             </a:r>
           </a:p>
           <a:p>
@@ -4924,12 +5009,8 @@
               <a:buChar char="•"/>
             </a:pPr>
             <a:r>
-              <a:rPr lang="en-US" sz="3600" dirty="0" smtClean="0"/>
-              <a:t>TDM readout:  128 </a:t>
-            </a:r>
-            <a:r>
               <a:rPr lang="en-US" sz="3600" dirty="0"/>
-              <a:t>rows, 100 columns</a:t>
+              <a:t>Full-sky coverage</a:t>
             </a:r>
           </a:p>
           <a:p>
@@ -4939,7 +5020,7 @@
             </a:pPr>
             <a:r>
               <a:rPr lang="en-US" sz="3600" dirty="0"/>
-              <a:t>Launch vehicle is a Falcon 9, 4.6 meter fairing</a:t>
+              <a:t>TDM readout:  128 rows, 100 columns</a:t>
             </a:r>
           </a:p>
           <a:p>
@@ -4949,35 +5030,17 @@
             </a:pPr>
             <a:r>
               <a:rPr lang="en-US" sz="3600" dirty="0"/>
-              <a:t>Precession and spin based scan strategy from L2 with </a:t>
-            </a:r>
-            <a:r>
-              <a:rPr lang="el-GR" sz="3600" dirty="0"/>
-              <a:t>α</a:t>
-            </a:r>
+              <a:t>Launch vehicle is a Falcon 9, 4.6 meter fairing</a:t>
+            </a:r>
+          </a:p>
+          <a:p>
+            <a:pPr marL="561053" indent="-561053">
+              <a:buFont typeface="Arial" panose="020B0604020202020204" pitchFamily="34" charset="0"/>
+              <a:buChar char="•"/>
+            </a:pPr>
             <a:r>
               <a:rPr lang="en-US" sz="3600" dirty="0"/>
-              <a:t> = </a:t>
-            </a:r>
-            <a:r>
-              <a:rPr lang="en-US" sz="3600" dirty="0" smtClean="0"/>
-              <a:t>26</a:t>
-            </a:r>
-            <a:r>
-              <a:rPr lang="en-US" sz="3600" dirty="0" smtClean="0"/>
-              <a:t>°, </a:t>
-            </a:r>
-            <a:r>
-              <a:rPr lang="el-GR" sz="3600" dirty="0"/>
-              <a:t>β</a:t>
-            </a:r>
-            <a:r>
-              <a:rPr lang="en-US" sz="3600" dirty="0"/>
-              <a:t> = </a:t>
-            </a:r>
-            <a:r>
-              <a:rPr lang="en-US" sz="3600" dirty="0" smtClean="0"/>
-              <a:t>69° ??</a:t>
+              <a:t>L2 orbit, precession and spin based scan strategy with precession angle 26° and boresight angle  69° </a:t>
             </a:r>
             <a:endParaRPr lang="en-US" sz="3600" dirty="0">
               <a:sym typeface="Wingdings" panose="05000000000000000000" pitchFamily="2" charset="2"/>
@@ -5238,8 +5301,8 @@
         </p:nvSpPr>
         <p:spPr>
           <a:xfrm>
-            <a:off x="11159836" y="7068007"/>
-            <a:ext cx="10661073" cy="982087"/>
+            <a:off x="10942320" y="6629400"/>
+            <a:ext cx="11148753" cy="982087"/>
           </a:xfrm>
           <a:prstGeom prst="rect">
             <a:avLst/>
@@ -5277,8 +5340,8 @@
         </p:nvSpPr>
         <p:spPr>
           <a:xfrm>
-            <a:off x="11315700" y="17127981"/>
-            <a:ext cx="10287000" cy="2845534"/>
+            <a:off x="11315700" y="17403075"/>
+            <a:ext cx="10287000" cy="3399525"/>
           </a:xfrm>
           <a:prstGeom prst="rect">
             <a:avLst/>
@@ -5305,13 +5368,8 @@
             </a:r>
             <a:r>
               <a:rPr lang="en-US" sz="3600" dirty="0"/>
-              <a:t>, </a:t>
-            </a:r>
-            <a:r>
-              <a:rPr lang="en-US" sz="3600" dirty="0" smtClean="0"/>
-              <a:t>numerically optimized]</a:t>
-            </a:r>
-            <a:endParaRPr lang="en-US" sz="3600" dirty="0"/>
+              <a:t>, numerically optimized</a:t>
+            </a:r>
           </a:p>
           <a:p>
             <a:pPr marL="561053" indent="-561053">
@@ -5319,20 +5377,8 @@
               <a:buChar char="•"/>
             </a:pPr>
             <a:r>
-              <a:rPr lang="en-US" sz="3600" dirty="0" smtClean="0"/>
-              <a:t>19 </a:t>
-            </a:r>
-            <a:r>
               <a:rPr lang="en-US" sz="3600" dirty="0"/>
-              <a:t>x </a:t>
-            </a:r>
-            <a:r>
-              <a:rPr lang="en-US" sz="3600" dirty="0" smtClean="0"/>
-              <a:t>13 </a:t>
-            </a:r>
-            <a:r>
-              <a:rPr lang="en-US" sz="3600" dirty="0"/>
-              <a:t>degree field of view</a:t>
+              <a:t>19 x 13 degree field of view</a:t>
             </a:r>
           </a:p>
           <a:p>
@@ -5350,7 +5396,20 @@
               <a:buFont typeface="Arial" panose="020B0604020202020204" pitchFamily="34" charset="0"/>
               <a:buChar char="•"/>
             </a:pPr>
-            <a:endParaRPr lang="en-US" sz="3600" dirty="0"/>
+            <a:r>
+              <a:rPr lang="en-US" sz="3600" dirty="0"/>
+              <a:t>Low far sidelobes, largest 70 dB below main beam</a:t>
+            </a:r>
+          </a:p>
+          <a:p>
+            <a:pPr marL="561053" indent="-561053">
+              <a:buFont typeface="Arial" panose="020B0604020202020204" pitchFamily="34" charset="0"/>
+              <a:buChar char="•"/>
+            </a:pPr>
+            <a:r>
+              <a:rPr lang="en-US" sz="3600" dirty="0"/>
+              <a:t>Cold stop reduces detector load</a:t>
+            </a:r>
           </a:p>
           <a:p>
             <a:pPr marL="561053" indent="-561053">
@@ -5369,7 +5428,7 @@
         </p:nvSpPr>
         <p:spPr>
           <a:xfrm>
-            <a:off x="22070291" y="6858000"/>
+            <a:off x="35245964" y="6858000"/>
             <a:ext cx="10474036" cy="982087"/>
           </a:xfrm>
           <a:prstGeom prst="rect">
@@ -5408,7 +5467,7 @@
         </p:nvCxnSpPr>
         <p:spPr>
           <a:xfrm flipH="1" flipV="1">
-            <a:off x="12905509" y="15588145"/>
+            <a:off x="13632873" y="16227540"/>
             <a:ext cx="1122218" cy="1"/>
           </a:xfrm>
           <a:prstGeom prst="line">
@@ -5440,7 +5499,7 @@
         </p:nvSpPr>
         <p:spPr>
           <a:xfrm>
-            <a:off x="13043081" y="15588146"/>
+            <a:off x="13770445" y="16227541"/>
             <a:ext cx="1545755" cy="460259"/>
           </a:xfrm>
           <a:prstGeom prst="rect">
@@ -5469,7 +5528,7 @@
         </p:nvSpPr>
         <p:spPr>
           <a:xfrm>
-            <a:off x="12718473" y="13717782"/>
+            <a:off x="12801600" y="13445831"/>
             <a:ext cx="2244436" cy="1082814"/>
           </a:xfrm>
           <a:prstGeom prst="rect">
@@ -5509,7 +5568,7 @@
         </p:nvSpPr>
         <p:spPr>
           <a:xfrm>
-            <a:off x="18703637" y="15440514"/>
+            <a:off x="19015364" y="16018835"/>
             <a:ext cx="2244436" cy="1082814"/>
           </a:xfrm>
           <a:prstGeom prst="rect">
@@ -5530,12 +5589,8 @@
           </a:p>
           <a:p>
             <a:r>
-              <a:rPr lang="en-US" sz="3300" dirty="0" smtClean="0"/>
-              <a:t>10 </a:t>
-            </a:r>
-            <a:r>
               <a:rPr lang="en-US" sz="3300" dirty="0"/>
-              <a:t>K</a:t>
+              <a:t>10 K</a:t>
             </a:r>
           </a:p>
         </p:txBody>
@@ -5548,7 +5603,7 @@
         </p:nvSpPr>
         <p:spPr>
           <a:xfrm>
-            <a:off x="19077709" y="13530746"/>
+            <a:off x="19929764" y="12361235"/>
             <a:ext cx="2244436" cy="1082814"/>
           </a:xfrm>
           <a:prstGeom prst="rect">
@@ -5564,15 +5619,7 @@
           <a:p>
             <a:r>
               <a:rPr lang="en-US" sz="3300" dirty="0"/>
-              <a:t>Aperture Stop, </a:t>
-            </a:r>
-            <a:r>
-              <a:rPr lang="en-US" sz="3300" dirty="0" smtClean="0"/>
-              <a:t>6 </a:t>
-            </a:r>
-            <a:r>
-              <a:rPr lang="en-US" sz="3300" dirty="0"/>
-              <a:t>K</a:t>
+              <a:t>Aperture Stop, 6 K</a:t>
             </a:r>
           </a:p>
         </p:txBody>
@@ -5585,7 +5632,7 @@
         </p:nvSpPr>
         <p:spPr>
           <a:xfrm>
-            <a:off x="17581418" y="9584912"/>
+            <a:off x="17664545" y="9312961"/>
             <a:ext cx="2992582" cy="583370"/>
           </a:xfrm>
           <a:prstGeom prst="rect">
@@ -5601,15 +5648,7 @@
           <a:p>
             <a:r>
               <a:rPr lang="en-US" sz="3300" dirty="0"/>
-              <a:t>Primary, </a:t>
-            </a:r>
-            <a:r>
-              <a:rPr lang="en-US" sz="3300" dirty="0" smtClean="0"/>
-              <a:t>15 </a:t>
-            </a:r>
-            <a:r>
-              <a:rPr lang="en-US" sz="3300" dirty="0"/>
-              <a:t>K</a:t>
+              <a:t>Primary, 17 K</a:t>
             </a:r>
           </a:p>
         </p:txBody>
@@ -5623,7 +5662,7 @@
           <p:nvPr/>
         </p:nvPicPr>
         <p:blipFill>
-          <a:blip r:embed="rId4">
+          <a:blip r:embed="rId3">
             <a:extLst>
               <a:ext uri="{28A0092B-C50C-407E-A947-70E740481C1C}">
                 <a14:useLocalDpi xmlns:a14="http://schemas.microsoft.com/office/drawing/2010/main" val="0"/>
@@ -5636,8 +5675,8 @@
         </p:blipFill>
         <p:spPr bwMode="auto">
           <a:xfrm>
-            <a:off x="21455975" y="7879463"/>
-            <a:ext cx="11352106" cy="6711126"/>
+            <a:off x="22121133" y="8041066"/>
+            <a:ext cx="10217918" cy="6040616"/>
           </a:xfrm>
           <a:prstGeom prst="rect">
             <a:avLst/>
@@ -5662,8 +5701,8 @@
         </p:nvSpPr>
         <p:spPr>
           <a:xfrm>
-            <a:off x="11222182" y="19264746"/>
-            <a:ext cx="10661073" cy="906542"/>
+            <a:off x="17273020" y="20276321"/>
+            <a:ext cx="9595926" cy="983479"/>
           </a:xfrm>
           <a:prstGeom prst="rect">
             <a:avLst/>
@@ -5681,14 +5720,14 @@
           <a:p>
             <a:pPr algn="ctr"/>
             <a:r>
-              <a:rPr lang="en-US" sz="5400" b="1" dirty="0">
+              <a:rPr lang="en-US" sz="5900" b="1" dirty="0">
                 <a:solidFill>
                   <a:schemeClr val="tx2">
                     <a:lumMod val="75000"/>
                   </a:schemeClr>
                 </a:solidFill>
               </a:rPr>
-              <a:t>Alternative Design Considered</a:t>
+              <a:t>Detector Noise Predictions</a:t>
             </a:r>
           </a:p>
         </p:txBody>
@@ -5718,9 +5757,27 @@
                 <a:tableStyleId>{BC89EF96-8CEA-46FF-86C4-4CE0E7609802}</a:tableStyleId>
               </a:tblPr>
               <a:tblGrid>
-                <a:gridCol w="1051903"/>
-                <a:gridCol w="1796616"/>
-                <a:gridCol w="1640354"/>
+                <a:gridCol w="1051903">
+                  <a:extLst>
+                    <a:ext uri="{9D8B030D-6E8A-4147-A177-3AD203B41FA5}">
+                      <a16:colId xmlns:a16="http://schemas.microsoft.com/office/drawing/2014/main" val="20000"/>
+                    </a:ext>
+                  </a:extLst>
+                </a:gridCol>
+                <a:gridCol w="1796616">
+                  <a:extLst>
+                    <a:ext uri="{9D8B030D-6E8A-4147-A177-3AD203B41FA5}">
+                      <a16:colId xmlns:a16="http://schemas.microsoft.com/office/drawing/2014/main" val="20001"/>
+                    </a:ext>
+                  </a:extLst>
+                </a:gridCol>
+                <a:gridCol w="1640354">
+                  <a:extLst>
+                    <a:ext uri="{9D8B030D-6E8A-4147-A177-3AD203B41FA5}">
+                      <a16:colId xmlns:a16="http://schemas.microsoft.com/office/drawing/2014/main" val="20002"/>
+                    </a:ext>
+                  </a:extLst>
+                </a:gridCol>
               </a:tblGrid>
               <a:tr h="1271847">
                 <a:tc>
@@ -5729,10 +5786,9 @@
                     <a:lstStyle/>
                     <a:p>
                       <a:r>
-                        <a:rPr lang="en-US" sz="2600" dirty="0" smtClean="0"/>
+                        <a:rPr lang="en-US" sz="2600" dirty="0"/>
                         <a:t>Pixel Type</a:t>
                       </a:r>
-                      <a:endParaRPr lang="en-US" sz="2600" dirty="0"/>
                     </a:p>
                   </a:txBody>
                   <a:tcPr marL="74815" marR="74815" marT="37407" marB="37407"/>
@@ -5743,19 +5799,19 @@
                     <a:lstStyle/>
                     <a:p>
                       <a:r>
-                        <a:rPr lang="en-US" sz="2600" baseline="0" dirty="0" smtClean="0"/>
+                        <a:rPr lang="en-US" sz="2600" baseline="0" dirty="0"/>
                         <a:t>Upper</a:t>
                       </a:r>
                     </a:p>
                     <a:p>
                       <a:r>
-                        <a:rPr lang="en-US" sz="2600" baseline="0" dirty="0" smtClean="0"/>
+                        <a:rPr lang="en-US" sz="2600" baseline="0" dirty="0"/>
                         <a:t>Frequency</a:t>
                       </a:r>
                     </a:p>
                     <a:p>
                       <a:r>
-                        <a:rPr lang="en-US" sz="2600" baseline="0" dirty="0" smtClean="0"/>
+                        <a:rPr lang="en-US" sz="2600" baseline="0" dirty="0"/>
                         <a:t>(GHz)</a:t>
                       </a:r>
                       <a:endParaRPr lang="en-US" sz="2600" dirty="0"/>
@@ -5769,14 +5825,18 @@
                     <a:lstStyle/>
                     <a:p>
                       <a:r>
-                        <a:rPr lang="en-US" sz="2600" dirty="0" smtClean="0"/>
+                        <a:rPr lang="en-US" sz="2600" dirty="0"/>
                         <a:t>Number</a:t>
                       </a:r>
-                      <a:endParaRPr lang="en-US" sz="2600" dirty="0"/>
                     </a:p>
                   </a:txBody>
                   <a:tcPr marL="74815" marR="74815" marT="37407" marB="37407"/>
                 </a:tc>
+                <a:extLst>
+                  <a:ext uri="{0D108BD9-81ED-4DB2-BD59-A6C34878D82A}">
+                    <a16:rowId xmlns:a16="http://schemas.microsoft.com/office/drawing/2014/main" val="10000"/>
+                  </a:ext>
+                </a:extLst>
               </a:tr>
               <a:tr h="473825">
                 <a:tc>
@@ -5785,10 +5845,9 @@
                     <a:lstStyle/>
                     <a:p>
                       <a:r>
-                        <a:rPr lang="en-US" sz="2600" b="1" dirty="0" smtClean="0"/>
+                        <a:rPr lang="en-US" sz="2600" b="1" dirty="0"/>
                         <a:t>A</a:t>
                       </a:r>
-                      <a:endParaRPr lang="en-US" sz="2600" b="1" dirty="0"/>
                     </a:p>
                   </a:txBody>
                   <a:tcPr marL="74815" marR="74815" marT="37407" marB="37407">
@@ -5806,10 +5865,9 @@
                     <a:lstStyle/>
                     <a:p>
                       <a:r>
-                        <a:rPr lang="en-US" sz="2600" b="1" dirty="0" smtClean="0"/>
+                        <a:rPr lang="en-US" sz="2600" b="1" dirty="0"/>
                         <a:t>48.6</a:t>
                       </a:r>
-                      <a:endParaRPr lang="en-US" sz="2600" b="1" dirty="0"/>
                     </a:p>
                   </a:txBody>
                   <a:tcPr marL="74815" marR="74815" marT="37407" marB="37407">
@@ -5827,10 +5885,9 @@
                     <a:lstStyle/>
                     <a:p>
                       <a:r>
-                        <a:rPr lang="en-US" sz="2600" b="1" dirty="0" smtClean="0"/>
+                        <a:rPr lang="en-US" sz="2600" b="1" dirty="0"/>
                         <a:t>68</a:t>
                       </a:r>
-                      <a:endParaRPr lang="en-US" sz="2600" b="1" dirty="0"/>
                     </a:p>
                   </a:txBody>
                   <a:tcPr marL="74815" marR="74815" marT="37407" marB="37407">
@@ -5842,6 +5899,11 @@
                     </a:solidFill>
                   </a:tcPr>
                 </a:tc>
+                <a:extLst>
+                  <a:ext uri="{0D108BD9-81ED-4DB2-BD59-A6C34878D82A}">
+                    <a16:rowId xmlns:a16="http://schemas.microsoft.com/office/drawing/2014/main" val="10001"/>
+                  </a:ext>
+                </a:extLst>
               </a:tr>
               <a:tr h="473825">
                 <a:tc>
@@ -5850,10 +5912,9 @@
                     <a:lstStyle/>
                     <a:p>
                       <a:r>
-                        <a:rPr lang="en-US" sz="2600" b="1" dirty="0" smtClean="0"/>
+                        <a:rPr lang="en-US" sz="2600" b="1" dirty="0"/>
                         <a:t>B</a:t>
                       </a:r>
-                      <a:endParaRPr lang="en-US" sz="2600" b="1" dirty="0"/>
                     </a:p>
                   </a:txBody>
                   <a:tcPr marL="74815" marR="74815" marT="37407" marB="37407">
@@ -5870,10 +5931,9 @@
                     <a:lstStyle/>
                     <a:p>
                       <a:r>
-                        <a:rPr lang="en-US" sz="2600" b="1" dirty="0" smtClean="0"/>
+                        <a:rPr lang="en-US" sz="2600" b="1" dirty="0"/>
                         <a:t>58.3</a:t>
                       </a:r>
-                      <a:endParaRPr lang="en-US" sz="2600" b="1" dirty="0"/>
                     </a:p>
                   </a:txBody>
                   <a:tcPr marL="74815" marR="74815" marT="37407" marB="37407">
@@ -5890,10 +5950,9 @@
                     <a:lstStyle/>
                     <a:p>
                       <a:r>
-                        <a:rPr lang="en-US" sz="2600" b="1" dirty="0" smtClean="0"/>
+                        <a:rPr lang="en-US" sz="2600" b="1" dirty="0"/>
                         <a:t>108</a:t>
                       </a:r>
-                      <a:endParaRPr lang="en-US" sz="2600" b="1" dirty="0"/>
                     </a:p>
                   </a:txBody>
                   <a:tcPr marL="74815" marR="74815" marT="37407" marB="37407">
@@ -5904,6 +5963,11 @@
                     </a:solidFill>
                   </a:tcPr>
                 </a:tc>
+                <a:extLst>
+                  <a:ext uri="{0D108BD9-81ED-4DB2-BD59-A6C34878D82A}">
+                    <a16:rowId xmlns:a16="http://schemas.microsoft.com/office/drawing/2014/main" val="10002"/>
+                  </a:ext>
+                </a:extLst>
               </a:tr>
               <a:tr h="473825">
                 <a:tc>
@@ -5912,10 +5976,9 @@
                     <a:lstStyle/>
                     <a:p>
                       <a:r>
-                        <a:rPr lang="en-US" sz="2600" b="1" dirty="0" smtClean="0"/>
+                        <a:rPr lang="en-US" sz="2600" b="1" dirty="0"/>
                         <a:t>C</a:t>
                       </a:r>
-                      <a:endParaRPr lang="en-US" sz="2600" b="1" dirty="0"/>
                     </a:p>
                   </a:txBody>
                   <a:tcPr marL="74815" marR="74815" marT="37407" marB="37407">
@@ -5930,10 +5993,9 @@
                     <a:lstStyle/>
                     <a:p>
                       <a:r>
-                        <a:rPr lang="en-US" sz="2600" b="1" dirty="0" smtClean="0"/>
+                        <a:rPr lang="en-US" sz="2600" b="1" dirty="0"/>
                         <a:t>145</a:t>
                       </a:r>
-                      <a:endParaRPr lang="en-US" sz="2600" b="1" dirty="0"/>
                     </a:p>
                   </a:txBody>
                   <a:tcPr marL="74815" marR="74815" marT="37407" marB="37407">
@@ -5948,10 +6010,9 @@
                     <a:lstStyle/>
                     <a:p>
                       <a:r>
-                        <a:rPr lang="en-US" sz="2600" b="1" dirty="0" smtClean="0"/>
+                        <a:rPr lang="en-US" sz="2600" b="1" dirty="0"/>
                         <a:t>360</a:t>
                       </a:r>
-                      <a:endParaRPr lang="en-US" sz="2600" b="1" dirty="0"/>
                     </a:p>
                   </a:txBody>
                   <a:tcPr marL="74815" marR="74815" marT="37407" marB="37407">
@@ -5960,6 +6021,11 @@
                     </a:solidFill>
                   </a:tcPr>
                 </a:tc>
+                <a:extLst>
+                  <a:ext uri="{0D108BD9-81ED-4DB2-BD59-A6C34878D82A}">
+                    <a16:rowId xmlns:a16="http://schemas.microsoft.com/office/drawing/2014/main" val="10003"/>
+                  </a:ext>
+                </a:extLst>
               </a:tr>
               <a:tr h="473825">
                 <a:tc>
@@ -5968,10 +6034,9 @@
                     <a:lstStyle/>
                     <a:p>
                       <a:r>
-                        <a:rPr lang="en-US" sz="2600" b="1" dirty="0" smtClean="0"/>
+                        <a:rPr lang="en-US" sz="2600" b="1" dirty="0"/>
                         <a:t>D</a:t>
                       </a:r>
-                      <a:endParaRPr lang="en-US" sz="2600" b="1" dirty="0"/>
                     </a:p>
                   </a:txBody>
                   <a:tcPr marL="74815" marR="74815" marT="37407" marB="37407">
@@ -5986,10 +6051,9 @@
                     <a:lstStyle/>
                     <a:p>
                       <a:r>
-                        <a:rPr lang="en-US" sz="2600" b="1" dirty="0" smtClean="0"/>
+                        <a:rPr lang="en-US" sz="2600" b="1" dirty="0"/>
                         <a:t>174</a:t>
                       </a:r>
-                      <a:endParaRPr lang="en-US" sz="2600" b="1" dirty="0"/>
                     </a:p>
                   </a:txBody>
                   <a:tcPr marL="74815" marR="74815" marT="37407" marB="37407">
@@ -6004,10 +6068,9 @@
                     <a:lstStyle/>
                     <a:p>
                       <a:r>
-                        <a:rPr lang="en-US" sz="2600" b="1" dirty="0" smtClean="0"/>
+                        <a:rPr lang="en-US" sz="2600" b="1" dirty="0"/>
                         <a:t>450</a:t>
                       </a:r>
-                      <a:endParaRPr lang="en-US" sz="2600" b="1" dirty="0"/>
                     </a:p>
                   </a:txBody>
                   <a:tcPr marL="74815" marR="74815" marT="37407" marB="37407">
@@ -6016,6 +6079,11 @@
                     </a:solidFill>
                   </a:tcPr>
                 </a:tc>
+                <a:extLst>
+                  <a:ext uri="{0D108BD9-81ED-4DB2-BD59-A6C34878D82A}">
+                    <a16:rowId xmlns:a16="http://schemas.microsoft.com/office/drawing/2014/main" val="10004"/>
+                  </a:ext>
+                </a:extLst>
               </a:tr>
               <a:tr h="473825">
                 <a:tc>
@@ -6024,7 +6092,7 @@
                     <a:lstStyle/>
                     <a:p>
                       <a:r>
-                        <a:rPr lang="en-US" sz="2600" b="1" dirty="0" smtClean="0">
+                        <a:rPr lang="en-US" sz="2600" b="1" dirty="0">
                           <a:solidFill>
                             <a:schemeClr val="bg1">
                               <a:lumMod val="85000"/>
@@ -6033,13 +6101,6 @@
                         </a:rPr>
                         <a:t>E</a:t>
                       </a:r>
-                      <a:endParaRPr lang="en-US" sz="2600" b="1" dirty="0">
-                        <a:solidFill>
-                          <a:schemeClr val="bg1">
-                            <a:lumMod val="85000"/>
-                          </a:schemeClr>
-                        </a:solidFill>
-                      </a:endParaRPr>
                     </a:p>
                   </a:txBody>
                   <a:tcPr marL="74815" marR="74815" marT="37407" marB="37407">
@@ -6054,7 +6115,7 @@
                     <a:lstStyle/>
                     <a:p>
                       <a:r>
-                        <a:rPr lang="en-US" sz="2600" b="1" dirty="0" smtClean="0">
+                        <a:rPr lang="en-US" sz="2600" b="1" dirty="0">
                           <a:solidFill>
                             <a:schemeClr val="bg1">
                               <a:lumMod val="85000"/>
@@ -6063,13 +6124,6 @@
                         </a:rPr>
                         <a:t>433</a:t>
                       </a:r>
-                      <a:endParaRPr lang="en-US" sz="2600" b="1" dirty="0">
-                        <a:solidFill>
-                          <a:schemeClr val="bg1">
-                            <a:lumMod val="85000"/>
-                          </a:schemeClr>
-                        </a:solidFill>
-                      </a:endParaRPr>
                     </a:p>
                   </a:txBody>
                   <a:tcPr marL="74815" marR="74815" marT="37407" marB="37407">
@@ -6084,7 +6138,7 @@
                     <a:lstStyle/>
                     <a:p>
                       <a:r>
-                        <a:rPr lang="en-US" sz="2600" b="1" dirty="0" smtClean="0">
+                        <a:rPr lang="en-US" sz="2600" b="1" dirty="0">
                           <a:solidFill>
                             <a:schemeClr val="bg1">
                               <a:lumMod val="85000"/>
@@ -6093,13 +6147,6 @@
                         </a:rPr>
                         <a:t>546</a:t>
                       </a:r>
-                      <a:endParaRPr lang="en-US" sz="2600" b="1" dirty="0">
-                        <a:solidFill>
-                          <a:schemeClr val="bg1">
-                            <a:lumMod val="85000"/>
-                          </a:schemeClr>
-                        </a:solidFill>
-                      </a:endParaRPr>
                     </a:p>
                   </a:txBody>
                   <a:tcPr marL="74815" marR="74815" marT="37407" marB="37407">
@@ -6108,6 +6155,11 @@
                     </a:solidFill>
                   </a:tcPr>
                 </a:tc>
+                <a:extLst>
+                  <a:ext uri="{0D108BD9-81ED-4DB2-BD59-A6C34878D82A}">
+                    <a16:rowId xmlns:a16="http://schemas.microsoft.com/office/drawing/2014/main" val="10005"/>
+                  </a:ext>
+                </a:extLst>
               </a:tr>
               <a:tr h="473825">
                 <a:tc>
@@ -6116,10 +6168,9 @@
                     <a:lstStyle/>
                     <a:p>
                       <a:r>
-                        <a:rPr lang="en-US" sz="2600" b="1" dirty="0" smtClean="0"/>
+                        <a:rPr lang="en-US" sz="2600" b="1" dirty="0"/>
                         <a:t>F</a:t>
                       </a:r>
-                      <a:endParaRPr lang="en-US" sz="2600" b="1" dirty="0"/>
                     </a:p>
                   </a:txBody>
                   <a:tcPr marL="74815" marR="74815" marT="37407" marB="37407">
@@ -6134,10 +6185,9 @@
                     <a:lstStyle/>
                     <a:p>
                       <a:r>
-                        <a:rPr lang="en-US" sz="2600" b="1" dirty="0" smtClean="0"/>
+                        <a:rPr lang="en-US" sz="2600" b="1" dirty="0"/>
                         <a:t>520</a:t>
                       </a:r>
-                      <a:endParaRPr lang="en-US" sz="2600" b="1" dirty="0"/>
                     </a:p>
                   </a:txBody>
                   <a:tcPr marL="74815" marR="74815" marT="37407" marB="37407">
@@ -6152,10 +6202,9 @@
                     <a:lstStyle/>
                     <a:p>
                       <a:r>
-                        <a:rPr lang="en-US" sz="2600" b="1" dirty="0" smtClean="0"/>
+                        <a:rPr lang="en-US" sz="2600" b="1" dirty="0"/>
                         <a:t>408</a:t>
                       </a:r>
-                      <a:endParaRPr lang="en-US" sz="2600" b="1" dirty="0"/>
                     </a:p>
                   </a:txBody>
                   <a:tcPr marL="74815" marR="74815" marT="37407" marB="37407">
@@ -6164,6 +6213,11 @@
                     </a:solidFill>
                   </a:tcPr>
                 </a:tc>
+                <a:extLst>
+                  <a:ext uri="{0D108BD9-81ED-4DB2-BD59-A6C34878D82A}">
+                    <a16:rowId xmlns:a16="http://schemas.microsoft.com/office/drawing/2014/main" val="10006"/>
+                  </a:ext>
+                </a:extLst>
               </a:tr>
               <a:tr h="473825">
                 <a:tc>
@@ -6172,10 +6226,9 @@
                     <a:lstStyle/>
                     <a:p>
                       <a:r>
-                        <a:rPr lang="en-US" sz="2600" b="1" dirty="0" smtClean="0"/>
+                        <a:rPr lang="en-US" sz="2600" b="1" dirty="0"/>
                         <a:t>G</a:t>
                       </a:r>
-                      <a:endParaRPr lang="en-US" sz="2600" b="1" dirty="0"/>
                     </a:p>
                   </a:txBody>
                   <a:tcPr marL="74815" marR="74815" marT="37407" marB="37407">
@@ -6190,10 +6243,9 @@
                     <a:lstStyle/>
                     <a:p>
                       <a:r>
-                        <a:rPr lang="en-US" sz="2600" b="1" dirty="0" smtClean="0"/>
+                        <a:rPr lang="en-US" sz="2600" b="1" dirty="0"/>
                         <a:t>624</a:t>
                       </a:r>
-                      <a:endParaRPr lang="en-US" sz="2600" b="1" dirty="0"/>
                     </a:p>
                   </a:txBody>
                   <a:tcPr marL="74815" marR="74815" marT="37407" marB="37407">
@@ -6208,10 +6260,9 @@
                     <a:lstStyle/>
                     <a:p>
                       <a:r>
-                        <a:rPr lang="en-US" sz="2600" b="1" dirty="0" smtClean="0"/>
+                        <a:rPr lang="en-US" sz="2600" b="1" dirty="0"/>
                         <a:t>135</a:t>
                       </a:r>
-                      <a:endParaRPr lang="en-US" sz="2600" b="1" dirty="0"/>
                     </a:p>
                   </a:txBody>
                   <a:tcPr marL="74815" marR="74815" marT="37407" marB="37407">
@@ -6220,6 +6271,11 @@
                     </a:solidFill>
                   </a:tcPr>
                 </a:tc>
+                <a:extLst>
+                  <a:ext uri="{0D108BD9-81ED-4DB2-BD59-A6C34878D82A}">
+                    <a16:rowId xmlns:a16="http://schemas.microsoft.com/office/drawing/2014/main" val="10007"/>
+                  </a:ext>
+                </a:extLst>
               </a:tr>
               <a:tr h="473825">
                 <a:tc>
@@ -6228,10 +6284,9 @@
                     <a:lstStyle/>
                     <a:p>
                       <a:r>
-                        <a:rPr lang="en-US" sz="2600" b="1" dirty="0" smtClean="0"/>
+                        <a:rPr lang="en-US" sz="2600" b="1" dirty="0"/>
                         <a:t>H</a:t>
                       </a:r>
-                      <a:endParaRPr lang="en-US" sz="2600" b="1" dirty="0"/>
                     </a:p>
                   </a:txBody>
                   <a:tcPr marL="74815" marR="74815" marT="37407" marB="37407">
@@ -6246,10 +6301,9 @@
                     <a:lstStyle/>
                     <a:p>
                       <a:r>
-                        <a:rPr lang="en-US" sz="2600" b="1" dirty="0" smtClean="0"/>
+                        <a:rPr lang="en-US" sz="2600" b="1" dirty="0"/>
                         <a:t>749</a:t>
                       </a:r>
-                      <a:endParaRPr lang="en-US" sz="2600" b="1" dirty="0"/>
                     </a:p>
                   </a:txBody>
                   <a:tcPr marL="74815" marR="74815" marT="37407" marB="37407">
@@ -6264,10 +6318,9 @@
                     <a:lstStyle/>
                     <a:p>
                       <a:r>
-                        <a:rPr lang="en-US" sz="2600" b="1" dirty="0" smtClean="0"/>
+                        <a:rPr lang="en-US" sz="2600" b="1" dirty="0"/>
                         <a:t>132</a:t>
                       </a:r>
-                      <a:endParaRPr lang="en-US" sz="2600" b="1" dirty="0"/>
                     </a:p>
                   </a:txBody>
                   <a:tcPr marL="74815" marR="74815" marT="37407" marB="37407">
@@ -6276,6 +6329,11 @@
                     </a:solidFill>
                   </a:tcPr>
                 </a:tc>
+                <a:extLst>
+                  <a:ext uri="{0D108BD9-81ED-4DB2-BD59-A6C34878D82A}">
+                    <a16:rowId xmlns:a16="http://schemas.microsoft.com/office/drawing/2014/main" val="10008"/>
+                  </a:ext>
+                </a:extLst>
               </a:tr>
               <a:tr h="473825">
                 <a:tc>
@@ -6284,10 +6342,9 @@
                     <a:lstStyle/>
                     <a:p>
                       <a:r>
-                        <a:rPr lang="en-US" sz="2600" b="1" dirty="0" smtClean="0"/>
+                        <a:rPr lang="en-US" sz="2600" b="1" dirty="0"/>
                         <a:t>I</a:t>
                       </a:r>
-                      <a:endParaRPr lang="en-US" sz="2600" b="1" dirty="0"/>
                     </a:p>
                   </a:txBody>
                   <a:tcPr marL="74815" marR="74815" marT="37407" marB="37407">
@@ -6302,10 +6359,9 @@
                     <a:lstStyle/>
                     <a:p>
                       <a:r>
-                        <a:rPr lang="en-US" sz="2600" b="1" dirty="0" smtClean="0"/>
+                        <a:rPr lang="en-US" sz="2600" b="1" dirty="0"/>
                         <a:t>899</a:t>
                       </a:r>
-                      <a:endParaRPr lang="en-US" sz="2600" b="1" dirty="0"/>
                     </a:p>
                   </a:txBody>
                   <a:tcPr marL="74815" marR="74815" marT="37407" marB="37407">
@@ -6320,10 +6376,9 @@
                     <a:lstStyle/>
                     <a:p>
                       <a:r>
-                        <a:rPr lang="en-US" sz="2600" b="1" dirty="0" smtClean="0"/>
+                        <a:rPr lang="en-US" sz="2600" b="1" dirty="0"/>
                         <a:t>91</a:t>
                       </a:r>
-                      <a:endParaRPr lang="en-US" sz="2600" b="1" dirty="0"/>
                     </a:p>
                   </a:txBody>
                   <a:tcPr marL="74815" marR="74815" marT="37407" marB="37407">
@@ -6332,6 +6387,11 @@
                     </a:solidFill>
                   </a:tcPr>
                 </a:tc>
+                <a:extLst>
+                  <a:ext uri="{0D108BD9-81ED-4DB2-BD59-A6C34878D82A}">
+                    <a16:rowId xmlns:a16="http://schemas.microsoft.com/office/drawing/2014/main" val="10009"/>
+                  </a:ext>
+                </a:extLst>
               </a:tr>
             </a:tbl>
           </a:graphicData>
@@ -6345,7 +6405,7 @@
         </p:nvSpPr>
         <p:spPr>
           <a:xfrm>
-            <a:off x="35145301" y="28002767"/>
+            <a:off x="41875364" y="28002767"/>
             <a:ext cx="10474036" cy="5325039"/>
           </a:xfrm>
           <a:prstGeom prst="rect">
@@ -6394,7 +6454,7 @@
         </p:nvSpPr>
         <p:spPr>
           <a:xfrm>
-            <a:off x="35145301" y="28002768"/>
+            <a:off x="41875364" y="28002768"/>
             <a:ext cx="10474036" cy="982087"/>
           </a:xfrm>
           <a:prstGeom prst="rect">
@@ -6432,7 +6492,7 @@
         </p:nvSpPr>
         <p:spPr>
           <a:xfrm>
-            <a:off x="35519374" y="29224081"/>
+            <a:off x="42249437" y="29224081"/>
             <a:ext cx="10099963" cy="3399532"/>
           </a:xfrm>
           <a:prstGeom prst="rect">
@@ -6470,7 +6530,7 @@
         <p:spPr>
           <a:xfrm>
             <a:off x="366280" y="7068006"/>
-            <a:ext cx="10481830" cy="9640576"/>
+            <a:ext cx="10481830" cy="9158306"/>
           </a:xfrm>
           <a:prstGeom prst="rect">
             <a:avLst/>
@@ -6576,38 +6636,18 @@
             </a:pPr>
             <a:r>
               <a:rPr lang="en-US" sz="3600" dirty="0"/>
-              <a:t>Measure or set upper limits on primordial B-modes </a:t>
-            </a:r>
-            <a:r>
-              <a:rPr lang="en-US" sz="3600" dirty="0">
-                <a:solidFill>
-                  <a:srgbClr val="FF0000"/>
-                </a:solidFill>
-              </a:rPr>
-              <a:t>with </a:t>
-            </a:r>
-            <a:r>
-              <a:rPr lang="el-GR" sz="3600" dirty="0">
-                <a:solidFill>
-                  <a:srgbClr val="FF0000"/>
-                </a:solidFill>
-              </a:rPr>
+              <a:t>Measure or set upper limits on primordial B-modes with </a:t>
+            </a:r>
+            <a:r>
+              <a:rPr lang="el-GR" sz="3600" dirty="0"/>
               <a:t>σ</a:t>
             </a:r>
             <a:r>
-              <a:rPr lang="en-US" sz="3600" dirty="0">
-                <a:solidFill>
-                  <a:srgbClr val="FF0000"/>
-                </a:solidFill>
-              </a:rPr>
+              <a:rPr lang="en-US" sz="3600" dirty="0"/>
               <a:t>(r) ∼ 10</a:t>
             </a:r>
             <a:r>
-              <a:rPr lang="en-US" sz="3600" baseline="30000" dirty="0">
-                <a:solidFill>
-                  <a:srgbClr val="FF0000"/>
-                </a:solidFill>
-              </a:rPr>
+              <a:rPr lang="en-US" sz="3600" baseline="30000" dirty="0"/>
               <a:t>-5</a:t>
             </a:r>
           </a:p>
@@ -6629,26 +6669,21 @@
               <a:t>, to </a:t>
             </a:r>
             <a:r>
-              <a:rPr lang="el-GR" sz="3600" dirty="0" smtClean="0"/>
+              <a:rPr lang="el-GR" sz="3600" dirty="0"/>
               <a:t>σ</a:t>
             </a:r>
             <a:r>
-              <a:rPr lang="en-US" sz="3600" dirty="0" smtClean="0"/>
+              <a:rPr lang="en-US" sz="3600" dirty="0"/>
               <a:t>(N</a:t>
             </a:r>
             <a:r>
-              <a:rPr lang="en-US" sz="3600" baseline="-25000" dirty="0" smtClean="0"/>
+              <a:rPr lang="en-US" sz="3600" baseline="-25000" dirty="0"/>
               <a:t>eff</a:t>
             </a:r>
             <a:r>
               <a:rPr lang="en-US" sz="3600" dirty="0"/>
-              <a:t>) = </a:t>
-            </a:r>
-            <a:r>
-              <a:rPr lang="en-US" sz="3600" dirty="0" smtClean="0"/>
-              <a:t>0.03</a:t>
-            </a:r>
-            <a:endParaRPr lang="en-US" sz="3600" dirty="0"/>
+              <a:t>) = 0.03</a:t>
+            </a:r>
           </a:p>
           <a:p>
             <a:pPr marL="561053" indent="-561053">
@@ -6691,14 +6726,10 @@
             </a:pPr>
             <a:r>
               <a:rPr lang="en-US" sz="3600" dirty="0"/>
-              <a:t>Along with DESI-BAO observations, </a:t>
-            </a:r>
-            <a:r>
-              <a:rPr lang="en-US" sz="3600" dirty="0" smtClean="0"/>
-              <a:t>measures </a:t>
-            </a:r>
-            <a:r>
-              <a:rPr lang="el-GR" sz="3600" dirty="0" smtClean="0"/>
+              <a:t>Along with DESI-BAO observations measure </a:t>
+            </a:r>
+            <a:r>
+              <a:rPr lang="el-GR" sz="3600" dirty="0"/>
               <a:t>Σ</a:t>
             </a:r>
             <a:r>
@@ -6711,24 +6742,20 @@
             </a:r>
             <a:r>
               <a:rPr lang="en-US" sz="3600" dirty="0"/>
-              <a:t>, the sum of neutrino </a:t>
-            </a:r>
-            <a:r>
-              <a:rPr lang="en-US" sz="3600" dirty="0" smtClean="0"/>
-              <a:t>masses at </a:t>
-            </a:r>
-            <a:r>
-              <a:rPr lang="en-US" sz="3600" dirty="0" smtClean="0">
+              <a:t>, the sum of neutrino masses at </a:t>
+            </a:r>
+            <a:r>
+              <a:rPr lang="en-US" sz="3600" dirty="0">
                 <a:latin typeface="Calibri"/>
               </a:rPr>
               <a:t>≥</a:t>
             </a:r>
             <a:r>
-              <a:rPr lang="en-US" sz="3600" dirty="0" smtClean="0"/>
+              <a:rPr lang="en-US" sz="3600" dirty="0"/>
               <a:t>4</a:t>
             </a:r>
             <a:r>
-              <a:rPr lang="el-GR" sz="3600" dirty="0" smtClean="0"/>
+              <a:rPr lang="el-GR" sz="3600" dirty="0"/>
               <a:t>σ</a:t>
             </a:r>
             <a:endParaRPr lang="en-US" sz="3600" dirty="0"/>
@@ -6740,15 +6767,7 @@
             </a:pPr>
             <a:r>
               <a:rPr lang="en-US" sz="3600" dirty="0"/>
-              <a:t>Map Galactic magnetic fields from large scales to 0.05 pc in </a:t>
-            </a:r>
-            <a:r>
-              <a:rPr lang="en-US" sz="3600" dirty="0" smtClean="0"/>
-              <a:t>10 nearby </a:t>
-            </a:r>
-            <a:r>
-              <a:rPr lang="en-US" sz="3600" dirty="0"/>
-              <a:t>molecular clouds</a:t>
+              <a:t>Map Galactic magnetic fields from Galactic scales to 0.05 pc in 10 nearby molecular clouds</a:t>
             </a:r>
           </a:p>
           <a:p>
@@ -6758,15 +6777,7 @@
             </a:pPr>
             <a:r>
               <a:rPr lang="en-US" sz="3600" dirty="0"/>
-              <a:t>Discover </a:t>
-            </a:r>
-            <a:r>
-              <a:rPr lang="en-US" sz="3600" dirty="0" smtClean="0"/>
-              <a:t>10,000s </a:t>
-            </a:r>
-            <a:r>
-              <a:rPr lang="en-US" sz="3600" dirty="0"/>
-              <a:t>of </a:t>
+              <a:t>Discover 10,000s of </a:t>
             </a:r>
             <a:r>
               <a:rPr lang="en-US" sz="3600" dirty="0" err="1"/>
@@ -6786,120 +6797,6 @@
               <a:rPr lang="en-US" sz="3600" dirty="0"/>
               <a:t>Map the CIB and dusty infrared galaxies across the full sky</a:t>
             </a:r>
-          </a:p>
-        </p:txBody>
-      </p:sp>
-      <p:sp>
-        <p:nvSpPr>
-          <p:cNvPr id="52" name="TextBox 51"/>
-          <p:cNvSpPr txBox="1"/>
-          <p:nvPr/>
-        </p:nvSpPr>
-        <p:spPr>
-          <a:xfrm>
-            <a:off x="11315700" y="27658880"/>
-            <a:ext cx="10287000" cy="3172897"/>
-          </a:xfrm>
-          <a:prstGeom prst="rect">
-            <a:avLst/>
-          </a:prstGeom>
-          <a:noFill/>
-        </p:spPr>
-        <p:txBody>
-          <a:bodyPr wrap="square" lIns="74807" tIns="37404" rIns="74807" bIns="37404" numCol="1" spcCol="149614" rtlCol="0">
-            <a:spAutoFit/>
-          </a:bodyPr>
-          <a:lstStyle/>
-          <a:p>
-            <a:pPr algn="ctr"/>
-            <a:r>
-              <a:rPr lang="en-US" sz="3900" b="1" dirty="0">
-                <a:solidFill>
-                  <a:schemeClr val="tx2">
-                    <a:lumMod val="75000"/>
-                  </a:schemeClr>
-                </a:solidFill>
-              </a:rPr>
-              <a:t>1.2 m Cross </a:t>
-            </a:r>
-            <a:r>
-              <a:rPr lang="en-US" sz="3900" b="1" dirty="0" err="1">
-                <a:solidFill>
-                  <a:schemeClr val="tx2">
-                    <a:lumMod val="75000"/>
-                  </a:schemeClr>
-                </a:solidFill>
-              </a:rPr>
-              <a:t>Dragone</a:t>
-            </a:r>
-            <a:endParaRPr lang="en-US" sz="3900" b="1" dirty="0">
-              <a:solidFill>
-                <a:schemeClr val="tx2">
-                  <a:lumMod val="75000"/>
-                </a:schemeClr>
-              </a:solidFill>
-            </a:endParaRPr>
-          </a:p>
-          <a:p>
-            <a:pPr marL="467544" indent="-467544">
-              <a:lnSpc>
-                <a:spcPct val="150000"/>
-              </a:lnSpc>
-              <a:buClr>
-                <a:srgbClr val="FF0000"/>
-              </a:buClr>
-              <a:buFont typeface="Arial" panose="020B0604020202020204" pitchFamily="34" charset="0"/>
-              <a:buChar char="•"/>
-            </a:pPr>
-            <a:r>
-              <a:rPr lang="en-US" sz="3600" dirty="0"/>
-              <a:t>Larger, difficult to baffle </a:t>
-            </a:r>
-            <a:r>
-              <a:rPr lang="en-US" sz="3600" dirty="0" err="1"/>
-              <a:t>sidelobes</a:t>
-            </a:r>
-            <a:endParaRPr lang="en-US" sz="3600" dirty="0"/>
-          </a:p>
-          <a:p>
-            <a:pPr marL="467544" indent="-467544">
-              <a:buClr>
-                <a:srgbClr val="FF0000"/>
-              </a:buClr>
-              <a:buFont typeface="Arial" panose="020B0604020202020204" pitchFamily="34" charset="0"/>
-              <a:buChar char="•"/>
-            </a:pPr>
-            <a:r>
-              <a:rPr lang="en-US" sz="3600" dirty="0"/>
-              <a:t>f/2.5 or greater increases focal plane size and mass</a:t>
-            </a:r>
-          </a:p>
-          <a:p>
-            <a:pPr marL="467544" indent="-467544">
-              <a:buClr>
-                <a:srgbClr val="FF0000"/>
-              </a:buClr>
-              <a:buFont typeface="Arial" panose="020B0604020202020204" pitchFamily="34" charset="0"/>
-              <a:buChar char="•"/>
-            </a:pPr>
-            <a:r>
-              <a:rPr lang="en-US" sz="3600" dirty="0"/>
-              <a:t>Large secondary difficult to actively cool</a:t>
-            </a:r>
-          </a:p>
-          <a:p>
-            <a:pPr marL="467544" indent="-467544">
-              <a:buClr>
-                <a:srgbClr val="00B050"/>
-              </a:buClr>
-              <a:buFont typeface="Arial" panose="020B0604020202020204" pitchFamily="34" charset="0"/>
-              <a:buChar char="•"/>
-            </a:pPr>
-            <a:r>
-              <a:rPr lang="en-US" sz="3600" dirty="0"/>
-              <a:t>Lower optical aberrations </a:t>
-            </a:r>
-            <a:endParaRPr lang="en-US" sz="3300" dirty="0"/>
           </a:p>
         </p:txBody>
       </p:sp>
@@ -6912,7 +6809,7 @@
           <p:nvPr/>
         </p:nvPicPr>
         <p:blipFill rotWithShape="1">
-          <a:blip r:embed="rId5" cstate="print">
+          <a:blip r:embed="rId4" cstate="print">
             <a:extLst>
               <a:ext uri="{28A0092B-C50C-407E-A947-70E740481C1C}">
                 <a14:useLocalDpi xmlns:a14="http://schemas.microsoft.com/office/drawing/2010/main" val="0"/>
@@ -6950,7 +6847,7 @@
         </p:nvSpPr>
         <p:spPr>
           <a:xfrm>
-            <a:off x="296508" y="33942736"/>
+            <a:off x="376052" y="31405533"/>
             <a:ext cx="10283428" cy="1284267"/>
           </a:xfrm>
           <a:prstGeom prst="rect">
@@ -6987,8 +6884,8 @@
         </p:nvSpPr>
         <p:spPr>
           <a:xfrm>
-            <a:off x="22070291" y="22278108"/>
-            <a:ext cx="10474036" cy="9725892"/>
+            <a:off x="22019665" y="33250908"/>
+            <a:ext cx="9838862" cy="9725892"/>
           </a:xfrm>
           <a:prstGeom prst="rect">
             <a:avLst/>
@@ -7226,7 +7123,7 @@
           <p:nvPr/>
         </p:nvPicPr>
         <p:blipFill rotWithShape="1">
-          <a:blip r:embed="rId6" cstate="print">
+          <a:blip r:embed="rId5" cstate="print">
             <a:extLst>
               <a:ext uri="{28A0092B-C50C-407E-A947-70E740481C1C}">
                 <a14:useLocalDpi xmlns:a14="http://schemas.microsoft.com/office/drawing/2010/main" val="0"/>
@@ -7238,7 +7135,7 @@
         </p:blipFill>
         <p:spPr>
           <a:xfrm>
-            <a:off x="22401989" y="25551245"/>
+            <a:off x="42293085" y="6618278"/>
             <a:ext cx="9955302" cy="5246200"/>
           </a:xfrm>
           <a:prstGeom prst="rect">
@@ -7322,7 +7219,7 @@
         </p:nvSpPr>
         <p:spPr>
           <a:xfrm>
-            <a:off x="22247483" y="23353227"/>
+            <a:off x="22164356" y="34326027"/>
             <a:ext cx="10296844" cy="2291537"/>
           </a:xfrm>
           <a:prstGeom prst="rect">
@@ -7375,7 +7272,7 @@
         </p:nvSpPr>
         <p:spPr>
           <a:xfrm>
-            <a:off x="22257328" y="30694745"/>
+            <a:off x="22257328" y="36992659"/>
             <a:ext cx="9912928" cy="1183541"/>
           </a:xfrm>
           <a:prstGeom prst="rect">
@@ -7394,7 +7291,7 @@
             </a:pPr>
             <a:r>
               <a:rPr lang="en-US" sz="3600" dirty="0"/>
-              <a:t>Total integrated polarization map depth of 0.63 µK</a:t>
+              <a:t>Total integrated polarization map depth of 0.62 µK</a:t>
             </a:r>
             <a:r>
               <a:rPr lang="en-US" sz="3600" baseline="-25000" dirty="0"/>
@@ -7402,13 +7299,8 @@
             </a:r>
             <a:r>
               <a:rPr lang="en-US" sz="3600" dirty="0"/>
-              <a:t> </a:t>
-            </a:r>
-            <a:r>
-              <a:rPr lang="en-US" sz="3600" dirty="0" err="1"/>
-              <a:t>arcmin</a:t>
-            </a:r>
-            <a:endParaRPr lang="en-US" sz="3600" dirty="0"/>
+              <a:t> arcmin</a:t>
+            </a:r>
           </a:p>
         </p:txBody>
       </p:sp>
@@ -7420,8 +7312,8 @@
         </p:nvSpPr>
         <p:spPr>
           <a:xfrm>
-            <a:off x="22079243" y="14944315"/>
-            <a:ext cx="10465085" cy="6772685"/>
+            <a:off x="22174200" y="7086601"/>
+            <a:ext cx="10318173" cy="12831770"/>
           </a:xfrm>
           <a:prstGeom prst="rect">
             <a:avLst/>
@@ -7469,7 +7361,7 @@
         </p:nvSpPr>
         <p:spPr>
           <a:xfrm>
-            <a:off x="18838902" y="11179809"/>
+            <a:off x="35884384" y="5467480"/>
             <a:ext cx="748145" cy="2091570"/>
           </a:xfrm>
           <a:prstGeom prst="triangle">
@@ -7509,923 +7401,6 @@
           </a:p>
         </p:txBody>
       </p:sp>
-      <p:sp>
-        <p:nvSpPr>
-          <p:cNvPr id="1051" name="Oval 1050"/>
-          <p:cNvSpPr/>
-          <p:nvPr/>
-        </p:nvSpPr>
-        <p:spPr>
-          <a:xfrm>
-            <a:off x="6011463" y="26594183"/>
-            <a:ext cx="1745453" cy="4896718"/>
-          </a:xfrm>
-          <a:prstGeom prst="ellipse">
-            <a:avLst/>
-          </a:prstGeom>
-          <a:noFill/>
-          <a:ln w="28575">
-            <a:solidFill>
-              <a:schemeClr val="tx2"/>
-            </a:solidFill>
-            <a:prstDash val="dashDot"/>
-          </a:ln>
-        </p:spPr>
-        <p:style>
-          <a:lnRef idx="2">
-            <a:schemeClr val="accent1">
-              <a:shade val="50000"/>
-            </a:schemeClr>
-          </a:lnRef>
-          <a:fillRef idx="1">
-            <a:schemeClr val="accent1"/>
-          </a:fillRef>
-          <a:effectRef idx="0">
-            <a:schemeClr val="accent1"/>
-          </a:effectRef>
-          <a:fontRef idx="minor">
-            <a:schemeClr val="lt1"/>
-          </a:fontRef>
-        </p:style>
-        <p:txBody>
-          <a:bodyPr lIns="74807" tIns="37404" rIns="74807" bIns="37404" rtlCol="0" anchor="ctr"/>
-          <a:lstStyle/>
-          <a:p>
-            <a:pPr algn="ctr"/>
-            <a:endParaRPr lang="en-US"/>
-          </a:p>
-        </p:txBody>
-      </p:sp>
-      <p:sp>
-        <p:nvSpPr>
-          <p:cNvPr id="1053" name="Diamond 1052"/>
-          <p:cNvSpPr/>
-          <p:nvPr/>
-        </p:nvSpPr>
-        <p:spPr>
-          <a:xfrm>
-            <a:off x="6845214" y="28861882"/>
-            <a:ext cx="218181" cy="229052"/>
-          </a:xfrm>
-          <a:prstGeom prst="diamond">
-            <a:avLst/>
-          </a:prstGeom>
-        </p:spPr>
-        <p:style>
-          <a:lnRef idx="1">
-            <a:schemeClr val="accent2"/>
-          </a:lnRef>
-          <a:fillRef idx="3">
-            <a:schemeClr val="accent2"/>
-          </a:fillRef>
-          <a:effectRef idx="2">
-            <a:schemeClr val="accent2"/>
-          </a:effectRef>
-          <a:fontRef idx="minor">
-            <a:schemeClr val="lt1"/>
-          </a:fontRef>
-        </p:style>
-        <p:txBody>
-          <a:bodyPr lIns="74807" tIns="37404" rIns="74807" bIns="37404" rtlCol="0" anchor="ctr"/>
-          <a:lstStyle/>
-          <a:p>
-            <a:pPr algn="ctr"/>
-            <a:endParaRPr lang="en-US"/>
-          </a:p>
-        </p:txBody>
-      </p:sp>
-      <p:sp>
-        <p:nvSpPr>
-          <p:cNvPr id="1054" name="TextBox 1053"/>
-          <p:cNvSpPr txBox="1"/>
-          <p:nvPr/>
-        </p:nvSpPr>
-        <p:spPr>
-          <a:xfrm>
-            <a:off x="6724002" y="29090934"/>
-            <a:ext cx="654545" cy="383315"/>
-          </a:xfrm>
-          <a:prstGeom prst="rect">
-            <a:avLst/>
-          </a:prstGeom>
-          <a:noFill/>
-        </p:spPr>
-        <p:txBody>
-          <a:bodyPr wrap="square" lIns="74807" tIns="37404" rIns="74807" bIns="37404" rtlCol="0">
-            <a:spAutoFit/>
-          </a:bodyPr>
-          <a:lstStyle/>
-          <a:p>
-            <a:r>
-              <a:rPr lang="en-US" sz="2000" dirty="0"/>
-              <a:t>L2</a:t>
-            </a:r>
-          </a:p>
-        </p:txBody>
-      </p:sp>
-      <p:cxnSp>
-        <p:nvCxnSpPr>
-          <p:cNvPr id="33" name="Straight Arrow Connector 32"/>
-          <p:cNvCxnSpPr/>
-          <p:nvPr/>
-        </p:nvCxnSpPr>
-        <p:spPr>
-          <a:xfrm>
-            <a:off x="1801936" y="26735365"/>
-            <a:ext cx="3103886" cy="0"/>
-          </a:xfrm>
-          <a:prstGeom prst="straightConnector1">
-            <a:avLst/>
-          </a:prstGeom>
-          <a:ln w="38100">
-            <a:tailEnd type="arrow"/>
-          </a:ln>
-          <a:effectLst/>
-        </p:spPr>
-        <p:style>
-          <a:lnRef idx="2">
-            <a:schemeClr val="accent6"/>
-          </a:lnRef>
-          <a:fillRef idx="0">
-            <a:schemeClr val="accent6"/>
-          </a:fillRef>
-          <a:effectRef idx="1">
-            <a:schemeClr val="accent6"/>
-          </a:effectRef>
-          <a:fontRef idx="minor">
-            <a:schemeClr val="tx1"/>
-          </a:fontRef>
-        </p:style>
-      </p:cxnSp>
-      <p:cxnSp>
-        <p:nvCxnSpPr>
-          <p:cNvPr id="95" name="Straight Arrow Connector 94"/>
-          <p:cNvCxnSpPr/>
-          <p:nvPr/>
-        </p:nvCxnSpPr>
-        <p:spPr>
-          <a:xfrm>
-            <a:off x="1801936" y="27218404"/>
-            <a:ext cx="3103886" cy="0"/>
-          </a:xfrm>
-          <a:prstGeom prst="straightConnector1">
-            <a:avLst/>
-          </a:prstGeom>
-          <a:ln w="38100">
-            <a:solidFill>
-              <a:schemeClr val="accent6"/>
-            </a:solidFill>
-            <a:tailEnd type="arrow"/>
-          </a:ln>
-          <a:effectLst/>
-        </p:spPr>
-        <p:style>
-          <a:lnRef idx="2">
-            <a:schemeClr val="accent6"/>
-          </a:lnRef>
-          <a:fillRef idx="0">
-            <a:schemeClr val="accent6"/>
-          </a:fillRef>
-          <a:effectRef idx="1">
-            <a:schemeClr val="accent6"/>
-          </a:effectRef>
-          <a:fontRef idx="minor">
-            <a:schemeClr val="tx1"/>
-          </a:fontRef>
-        </p:style>
-      </p:cxnSp>
-      <p:cxnSp>
-        <p:nvCxnSpPr>
-          <p:cNvPr id="96" name="Straight Arrow Connector 95"/>
-          <p:cNvCxnSpPr/>
-          <p:nvPr/>
-        </p:nvCxnSpPr>
-        <p:spPr>
-          <a:xfrm>
-            <a:off x="1801936" y="27651571"/>
-            <a:ext cx="3103886" cy="0"/>
-          </a:xfrm>
-          <a:prstGeom prst="straightConnector1">
-            <a:avLst/>
-          </a:prstGeom>
-          <a:ln w="38100">
-            <a:tailEnd type="arrow"/>
-          </a:ln>
-          <a:effectLst/>
-        </p:spPr>
-        <p:style>
-          <a:lnRef idx="2">
-            <a:schemeClr val="accent6"/>
-          </a:lnRef>
-          <a:fillRef idx="0">
-            <a:schemeClr val="accent6"/>
-          </a:fillRef>
-          <a:effectRef idx="1">
-            <a:schemeClr val="accent6"/>
-          </a:effectRef>
-          <a:fontRef idx="minor">
-            <a:schemeClr val="tx1"/>
-          </a:fontRef>
-        </p:style>
-      </p:cxnSp>
-      <p:sp>
-        <p:nvSpPr>
-          <p:cNvPr id="97" name="TextBox 96"/>
-          <p:cNvSpPr txBox="1"/>
-          <p:nvPr/>
-        </p:nvSpPr>
-        <p:spPr>
-          <a:xfrm>
-            <a:off x="-94171" y="26745337"/>
-            <a:ext cx="1896107" cy="691092"/>
-          </a:xfrm>
-          <a:prstGeom prst="rect">
-            <a:avLst/>
-          </a:prstGeom>
-          <a:noFill/>
-        </p:spPr>
-        <p:txBody>
-          <a:bodyPr wrap="square" lIns="74807" tIns="37404" rIns="74807" bIns="37404" rtlCol="0">
-            <a:spAutoFit/>
-          </a:bodyPr>
-          <a:lstStyle/>
-          <a:p>
-            <a:pPr algn="ctr"/>
-            <a:r>
-              <a:rPr lang="en-US" sz="2000" b="1" dirty="0">
-                <a:solidFill>
-                  <a:schemeClr val="accent6"/>
-                </a:solidFill>
-              </a:rPr>
-              <a:t>Solar </a:t>
-            </a:r>
-          </a:p>
-          <a:p>
-            <a:pPr algn="ctr"/>
-            <a:r>
-              <a:rPr lang="en-US" sz="2000" b="1" dirty="0">
-                <a:solidFill>
-                  <a:schemeClr val="accent6"/>
-                </a:solidFill>
-              </a:rPr>
-              <a:t>illumination</a:t>
-            </a:r>
-          </a:p>
-        </p:txBody>
-      </p:sp>
-      <p:cxnSp>
-        <p:nvCxnSpPr>
-          <p:cNvPr id="35" name="Straight Arrow Connector 34"/>
-          <p:cNvCxnSpPr/>
-          <p:nvPr/>
-        </p:nvCxnSpPr>
-        <p:spPr>
-          <a:xfrm flipH="1">
-            <a:off x="1991215" y="28976407"/>
-            <a:ext cx="2581814" cy="1"/>
-          </a:xfrm>
-          <a:prstGeom prst="straightConnector1">
-            <a:avLst/>
-          </a:prstGeom>
-          <a:ln w="28575">
-            <a:solidFill>
-              <a:schemeClr val="tx2"/>
-            </a:solidFill>
-            <a:prstDash val="dashDot"/>
-            <a:headEnd type="none" w="med" len="med"/>
-            <a:tailEnd type="none" w="med" len="med"/>
-          </a:ln>
-        </p:spPr>
-        <p:style>
-          <a:lnRef idx="1">
-            <a:schemeClr val="accent1"/>
-          </a:lnRef>
-          <a:fillRef idx="0">
-            <a:schemeClr val="accent1"/>
-          </a:fillRef>
-          <a:effectRef idx="0">
-            <a:schemeClr val="accent1"/>
-          </a:effectRef>
-          <a:fontRef idx="minor">
-            <a:schemeClr val="tx1"/>
-          </a:fontRef>
-        </p:style>
-      </p:cxnSp>
-      <p:sp>
-        <p:nvSpPr>
-          <p:cNvPr id="100" name="TextBox 99"/>
-          <p:cNvSpPr txBox="1"/>
-          <p:nvPr/>
-        </p:nvSpPr>
-        <p:spPr>
-          <a:xfrm>
-            <a:off x="711947" y="28922960"/>
-            <a:ext cx="1345453" cy="383315"/>
-          </a:xfrm>
-          <a:prstGeom prst="rect">
-            <a:avLst/>
-          </a:prstGeom>
-          <a:noFill/>
-        </p:spPr>
-        <p:txBody>
-          <a:bodyPr wrap="square" lIns="74807" tIns="37404" rIns="74807" bIns="37404" rtlCol="0">
-            <a:spAutoFit/>
-          </a:bodyPr>
-          <a:lstStyle/>
-          <a:p>
-            <a:r>
-              <a:rPr lang="en-US" sz="2000" dirty="0"/>
-              <a:t>Sun</a:t>
-            </a:r>
-          </a:p>
-        </p:txBody>
-      </p:sp>
-      <p:sp>
-        <p:nvSpPr>
-          <p:cNvPr id="73" name="Arc 72"/>
-          <p:cNvSpPr/>
-          <p:nvPr/>
-        </p:nvSpPr>
-        <p:spPr>
-          <a:xfrm>
-            <a:off x="2853630" y="28976407"/>
-            <a:ext cx="3296028" cy="3256193"/>
-          </a:xfrm>
-          <a:prstGeom prst="arc">
-            <a:avLst>
-              <a:gd name="adj1" fmla="val 16200000"/>
-              <a:gd name="adj2" fmla="val 21110874"/>
-            </a:avLst>
-          </a:prstGeom>
-          <a:ln w="28575">
-            <a:solidFill>
-              <a:schemeClr val="tx2"/>
-            </a:solidFill>
-            <a:prstDash val="dashDot"/>
-          </a:ln>
-        </p:spPr>
-        <p:style>
-          <a:lnRef idx="1">
-            <a:schemeClr val="accent1"/>
-          </a:lnRef>
-          <a:fillRef idx="0">
-            <a:schemeClr val="accent1"/>
-          </a:fillRef>
-          <a:effectRef idx="0">
-            <a:schemeClr val="accent1"/>
-          </a:effectRef>
-          <a:fontRef idx="minor">
-            <a:schemeClr val="tx1"/>
-          </a:fontRef>
-        </p:style>
-        <p:txBody>
-          <a:bodyPr lIns="74807" tIns="37404" rIns="74807" bIns="37404" rtlCol="0" anchor="ctr"/>
-          <a:lstStyle/>
-          <a:p>
-            <a:pPr algn="ctr"/>
-            <a:endParaRPr lang="en-US"/>
-          </a:p>
-        </p:txBody>
-      </p:sp>
-      <p:grpSp>
-        <p:nvGrpSpPr>
-          <p:cNvPr id="87" name="Group 86"/>
-          <p:cNvGrpSpPr/>
-          <p:nvPr/>
-        </p:nvGrpSpPr>
-        <p:grpSpPr>
-          <a:xfrm>
-            <a:off x="4645757" y="24751145"/>
-            <a:ext cx="6981809" cy="5497234"/>
-            <a:chOff x="7879470" y="27268326"/>
-            <a:chExt cx="7315200" cy="5486400"/>
-          </a:xfrm>
-        </p:grpSpPr>
-        <p:sp>
-          <p:nvSpPr>
-            <p:cNvPr id="86" name="Isosceles Triangle 85"/>
-            <p:cNvSpPr/>
-            <p:nvPr/>
-          </p:nvSpPr>
-          <p:spPr>
-            <a:xfrm rot="3654277">
-              <a:off x="10102049" y="27951502"/>
-              <a:ext cx="3320181" cy="2886017"/>
-            </a:xfrm>
-            <a:prstGeom prst="triangle">
-              <a:avLst/>
-            </a:prstGeom>
-            <a:solidFill>
-              <a:schemeClr val="bg1"/>
-            </a:solidFill>
-            <a:ln>
-              <a:solidFill>
-                <a:schemeClr val="bg1"/>
-              </a:solidFill>
-            </a:ln>
-          </p:spPr>
-          <p:style>
-            <a:lnRef idx="2">
-              <a:schemeClr val="accent1">
-                <a:shade val="50000"/>
-              </a:schemeClr>
-            </a:lnRef>
-            <a:fillRef idx="1">
-              <a:schemeClr val="accent1"/>
-            </a:fillRef>
-            <a:effectRef idx="0">
-              <a:schemeClr val="accent1"/>
-            </a:effectRef>
-            <a:fontRef idx="minor">
-              <a:schemeClr val="lt1"/>
-            </a:fontRef>
-          </p:style>
-          <p:txBody>
-            <a:bodyPr rtlCol="0" anchor="ctr"/>
-            <a:lstStyle/>
-            <a:p>
-              <a:pPr algn="ctr"/>
-              <a:endParaRPr lang="en-US"/>
-            </a:p>
-          </p:txBody>
-        </p:sp>
-        <p:pic>
-          <p:nvPicPr>
-            <p:cNvPr id="85" name="Picture 84"/>
-            <p:cNvPicPr>
-              <a:picLocks noChangeAspect="1"/>
-            </p:cNvPicPr>
-            <p:nvPr/>
-          </p:nvPicPr>
-          <p:blipFill>
-            <a:blip r:embed="rId7" cstate="print">
-              <a:extLst>
-                <a:ext uri="{28A0092B-C50C-407E-A947-70E740481C1C}">
-                  <a14:useLocalDpi xmlns:a14="http://schemas.microsoft.com/office/drawing/2010/main" val="0"/>
-                </a:ext>
-              </a:extLst>
-            </a:blip>
-            <a:stretch>
-              <a:fillRect/>
-            </a:stretch>
-          </p:blipFill>
-          <p:spPr>
-            <a:xfrm rot="3571514">
-              <a:off x="8793870" y="26353926"/>
-              <a:ext cx="5486400" cy="7315200"/>
-            </a:xfrm>
-            <a:prstGeom prst="rect">
-              <a:avLst/>
-            </a:prstGeom>
-          </p:spPr>
-        </p:pic>
-      </p:grpSp>
-      <p:pic>
-        <p:nvPicPr>
-          <p:cNvPr id="79" name="Picture 10" descr="Image result for earth image"/>
-          <p:cNvPicPr>
-            <a:picLocks noChangeAspect="1" noChangeArrowheads="1"/>
-          </p:cNvPicPr>
-          <p:nvPr/>
-        </p:nvPicPr>
-        <p:blipFill>
-          <a:blip r:embed="rId8" cstate="print">
-            <a:extLst>
-              <a:ext uri="{28A0092B-C50C-407E-A947-70E740481C1C}">
-                <a14:useLocalDpi xmlns:a14="http://schemas.microsoft.com/office/drawing/2010/main" val="0"/>
-              </a:ext>
-            </a:extLst>
-          </a:blip>
-          <a:srcRect/>
-          <a:stretch>
-            <a:fillRect/>
-          </a:stretch>
-        </p:blipFill>
-        <p:spPr bwMode="auto">
-          <a:xfrm>
-            <a:off x="1818544" y="28338726"/>
-            <a:ext cx="1174037" cy="1232528"/>
-          </a:xfrm>
-          <a:prstGeom prst="rect">
-            <a:avLst/>
-          </a:prstGeom>
-          <a:noFill/>
-          <a:extLst>
-            <a:ext uri="{909E8E84-426E-40DD-AFC4-6F175D3DCCD1}">
-              <a14:hiddenFill xmlns:a14="http://schemas.microsoft.com/office/drawing/2010/main">
-                <a:solidFill>
-                  <a:srgbClr val="FFFFFF"/>
-                </a:solidFill>
-              </a14:hiddenFill>
-            </a:ext>
-          </a:extLst>
-        </p:spPr>
-      </p:pic>
-      <p:cxnSp>
-        <p:nvCxnSpPr>
-          <p:cNvPr id="126" name="Straight Arrow Connector 125"/>
-          <p:cNvCxnSpPr/>
-          <p:nvPr/>
-        </p:nvCxnSpPr>
-        <p:spPr>
-          <a:xfrm flipH="1">
-            <a:off x="287766" y="28948398"/>
-            <a:ext cx="1395562" cy="0"/>
-          </a:xfrm>
-          <a:prstGeom prst="straightConnector1">
-            <a:avLst/>
-          </a:prstGeom>
-          <a:ln w="28575">
-            <a:solidFill>
-              <a:schemeClr val="tx1"/>
-            </a:solidFill>
-            <a:tailEnd type="arrow"/>
-          </a:ln>
-          <a:effectLst/>
-        </p:spPr>
-        <p:style>
-          <a:lnRef idx="2">
-            <a:schemeClr val="accent6"/>
-          </a:lnRef>
-          <a:fillRef idx="0">
-            <a:schemeClr val="accent6"/>
-          </a:fillRef>
-          <a:effectRef idx="1">
-            <a:schemeClr val="accent6"/>
-          </a:effectRef>
-          <a:fontRef idx="minor">
-            <a:schemeClr val="tx1"/>
-          </a:fontRef>
-        </p:style>
-      </p:cxnSp>
-      <p:cxnSp>
-        <p:nvCxnSpPr>
-          <p:cNvPr id="104" name="Straight Arrow Connector 103"/>
-          <p:cNvCxnSpPr/>
-          <p:nvPr/>
-        </p:nvCxnSpPr>
-        <p:spPr>
-          <a:xfrm flipV="1">
-            <a:off x="6536663" y="25912739"/>
-            <a:ext cx="3533238" cy="2196938"/>
-          </a:xfrm>
-          <a:prstGeom prst="straightConnector1">
-            <a:avLst/>
-          </a:prstGeom>
-          <a:ln w="12700">
-            <a:solidFill>
-              <a:schemeClr val="tx1"/>
-            </a:solidFill>
-            <a:prstDash val="sysDash"/>
-            <a:tailEnd type="arrow"/>
-          </a:ln>
-        </p:spPr>
-        <p:style>
-          <a:lnRef idx="1">
-            <a:schemeClr val="accent1"/>
-          </a:lnRef>
-          <a:fillRef idx="0">
-            <a:schemeClr val="accent1"/>
-          </a:fillRef>
-          <a:effectRef idx="0">
-            <a:schemeClr val="accent1"/>
-          </a:effectRef>
-          <a:fontRef idx="minor">
-            <a:schemeClr val="tx1"/>
-          </a:fontRef>
-        </p:style>
-      </p:cxnSp>
-      <p:cxnSp>
-        <p:nvCxnSpPr>
-          <p:cNvPr id="41" name="Straight Arrow Connector 40"/>
-          <p:cNvCxnSpPr/>
-          <p:nvPr/>
-        </p:nvCxnSpPr>
-        <p:spPr>
-          <a:xfrm>
-            <a:off x="5227574" y="28109676"/>
-            <a:ext cx="5236357" cy="0"/>
-          </a:xfrm>
-          <a:prstGeom prst="straightConnector1">
-            <a:avLst/>
-          </a:prstGeom>
-          <a:ln w="12700">
-            <a:solidFill>
-              <a:schemeClr val="tx1"/>
-            </a:solidFill>
-            <a:prstDash val="sysDash"/>
-            <a:tailEnd type="arrow"/>
-          </a:ln>
-        </p:spPr>
-        <p:style>
-          <a:lnRef idx="1">
-            <a:schemeClr val="accent1"/>
-          </a:lnRef>
-          <a:fillRef idx="0">
-            <a:schemeClr val="accent1"/>
-          </a:fillRef>
-          <a:effectRef idx="0">
-            <a:schemeClr val="accent1"/>
-          </a:effectRef>
-          <a:fontRef idx="minor">
-            <a:schemeClr val="tx1"/>
-          </a:fontRef>
-        </p:style>
-      </p:cxnSp>
-      <p:cxnSp>
-        <p:nvCxnSpPr>
-          <p:cNvPr id="108" name="Straight Arrow Connector 107"/>
-          <p:cNvCxnSpPr/>
-          <p:nvPr/>
-        </p:nvCxnSpPr>
-        <p:spPr>
-          <a:xfrm flipH="1" flipV="1">
-            <a:off x="7855528" y="25404444"/>
-            <a:ext cx="296615" cy="2305501"/>
-          </a:xfrm>
-          <a:prstGeom prst="straightConnector1">
-            <a:avLst/>
-          </a:prstGeom>
-          <a:ln w="12700">
-            <a:solidFill>
-              <a:schemeClr val="tx1"/>
-            </a:solidFill>
-            <a:prstDash val="sysDash"/>
-            <a:tailEnd type="arrow"/>
-          </a:ln>
-        </p:spPr>
-        <p:style>
-          <a:lnRef idx="1">
-            <a:schemeClr val="accent1"/>
-          </a:lnRef>
-          <a:fillRef idx="0">
-            <a:schemeClr val="accent1"/>
-          </a:fillRef>
-          <a:effectRef idx="0">
-            <a:schemeClr val="accent1"/>
-          </a:effectRef>
-          <a:fontRef idx="minor">
-            <a:schemeClr val="tx1"/>
-          </a:fontRef>
-        </p:style>
-      </p:cxnSp>
-      <p:sp>
-        <p:nvSpPr>
-          <p:cNvPr id="90" name="TextBox 89"/>
-          <p:cNvSpPr txBox="1"/>
-          <p:nvPr/>
-        </p:nvSpPr>
-        <p:spPr>
-          <a:xfrm>
-            <a:off x="9009388" y="28327914"/>
-            <a:ext cx="2909087" cy="383315"/>
-          </a:xfrm>
-          <a:prstGeom prst="rect">
-            <a:avLst/>
-          </a:prstGeom>
-          <a:noFill/>
-        </p:spPr>
-        <p:txBody>
-          <a:bodyPr wrap="square" lIns="74807" tIns="37404" rIns="74807" bIns="37404" rtlCol="0">
-            <a:spAutoFit/>
-          </a:bodyPr>
-          <a:lstStyle/>
-          <a:p>
-            <a:r>
-              <a:rPr lang="en-US" sz="2000" dirty="0"/>
-              <a:t>Precession axis</a:t>
-            </a:r>
-          </a:p>
-        </p:txBody>
-      </p:sp>
-      <p:sp>
-        <p:nvSpPr>
-          <p:cNvPr id="91" name="TextBox 90"/>
-          <p:cNvSpPr txBox="1"/>
-          <p:nvPr/>
-        </p:nvSpPr>
-        <p:spPr>
-          <a:xfrm>
-            <a:off x="9809387" y="26131607"/>
-            <a:ext cx="2909087" cy="383315"/>
-          </a:xfrm>
-          <a:prstGeom prst="rect">
-            <a:avLst/>
-          </a:prstGeom>
-          <a:noFill/>
-        </p:spPr>
-        <p:txBody>
-          <a:bodyPr wrap="square" lIns="74807" tIns="37404" rIns="74807" bIns="37404" rtlCol="0">
-            <a:spAutoFit/>
-          </a:bodyPr>
-          <a:lstStyle/>
-          <a:p>
-            <a:r>
-              <a:rPr lang="en-US" sz="2000" dirty="0"/>
-              <a:t>Spin axis</a:t>
-            </a:r>
-          </a:p>
-        </p:txBody>
-      </p:sp>
-      <p:sp>
-        <p:nvSpPr>
-          <p:cNvPr id="141" name="TextBox 140"/>
-          <p:cNvSpPr txBox="1"/>
-          <p:nvPr/>
-        </p:nvSpPr>
-        <p:spPr>
-          <a:xfrm>
-            <a:off x="6629768" y="25450163"/>
-            <a:ext cx="2909087" cy="383315"/>
-          </a:xfrm>
-          <a:prstGeom prst="rect">
-            <a:avLst/>
-          </a:prstGeom>
-          <a:noFill/>
-        </p:spPr>
-        <p:txBody>
-          <a:bodyPr wrap="square" lIns="74807" tIns="37404" rIns="74807" bIns="37404" rtlCol="0">
-            <a:spAutoFit/>
-          </a:bodyPr>
-          <a:lstStyle/>
-          <a:p>
-            <a:r>
-              <a:rPr lang="en-US" sz="2000" dirty="0"/>
-              <a:t>Boresight</a:t>
-            </a:r>
-          </a:p>
-        </p:txBody>
-      </p:sp>
-      <p:sp>
-        <p:nvSpPr>
-          <p:cNvPr id="118" name="Arc 117"/>
-          <p:cNvSpPr/>
-          <p:nvPr/>
-        </p:nvSpPr>
-        <p:spPr>
-          <a:xfrm>
-            <a:off x="5934223" y="26351419"/>
-            <a:ext cx="3394703" cy="3535966"/>
-          </a:xfrm>
-          <a:prstGeom prst="arc">
-            <a:avLst>
-              <a:gd name="adj1" fmla="val 18563573"/>
-              <a:gd name="adj2" fmla="val 0"/>
-            </a:avLst>
-          </a:prstGeom>
-          <a:ln w="12700">
-            <a:solidFill>
-              <a:srgbClr val="FF0000"/>
-            </a:solidFill>
-          </a:ln>
-        </p:spPr>
-        <p:style>
-          <a:lnRef idx="1">
-            <a:schemeClr val="accent1"/>
-          </a:lnRef>
-          <a:fillRef idx="0">
-            <a:schemeClr val="accent1"/>
-          </a:fillRef>
-          <a:effectRef idx="0">
-            <a:schemeClr val="accent1"/>
-          </a:effectRef>
-          <a:fontRef idx="minor">
-            <a:schemeClr val="tx1"/>
-          </a:fontRef>
-        </p:style>
-        <p:txBody>
-          <a:bodyPr lIns="74807" tIns="37404" rIns="74807" bIns="37404" rtlCol="0" anchor="ctr"/>
-          <a:lstStyle/>
-          <a:p>
-            <a:pPr algn="ctr"/>
-            <a:endParaRPr lang="en-US"/>
-          </a:p>
-        </p:txBody>
-      </p:sp>
-      <p:sp>
-        <p:nvSpPr>
-          <p:cNvPr id="156" name="Arc 155"/>
-          <p:cNvSpPr/>
-          <p:nvPr/>
-        </p:nvSpPr>
-        <p:spPr>
-          <a:xfrm rot="19840696">
-            <a:off x="7362718" y="26052702"/>
-            <a:ext cx="1717713" cy="1799129"/>
-          </a:xfrm>
-          <a:prstGeom prst="arc">
-            <a:avLst>
-              <a:gd name="adj1" fmla="val 16937374"/>
-              <a:gd name="adj2" fmla="val 286246"/>
-            </a:avLst>
-          </a:prstGeom>
-          <a:ln w="12700">
-            <a:solidFill>
-              <a:srgbClr val="0000FF"/>
-            </a:solidFill>
-          </a:ln>
-        </p:spPr>
-        <p:style>
-          <a:lnRef idx="1">
-            <a:schemeClr val="accent1"/>
-          </a:lnRef>
-          <a:fillRef idx="0">
-            <a:schemeClr val="accent1"/>
-          </a:fillRef>
-          <a:effectRef idx="0">
-            <a:schemeClr val="accent1"/>
-          </a:effectRef>
-          <a:fontRef idx="minor">
-            <a:schemeClr val="tx1"/>
-          </a:fontRef>
-        </p:style>
-        <p:txBody>
-          <a:bodyPr lIns="74807" tIns="37404" rIns="74807" bIns="37404" rtlCol="0" anchor="ctr"/>
-          <a:lstStyle/>
-          <a:p>
-            <a:pPr algn="ctr"/>
-            <a:endParaRPr lang="en-US"/>
-          </a:p>
-        </p:txBody>
-      </p:sp>
-      <p:sp>
-        <p:nvSpPr>
-          <p:cNvPr id="157" name="TextBox 156"/>
-          <p:cNvSpPr txBox="1"/>
-          <p:nvPr/>
-        </p:nvSpPr>
-        <p:spPr>
-          <a:xfrm>
-            <a:off x="9328927" y="27078314"/>
-            <a:ext cx="654545" cy="521815"/>
-          </a:xfrm>
-          <a:prstGeom prst="rect">
-            <a:avLst/>
-          </a:prstGeom>
-          <a:noFill/>
-          <a:ln>
-            <a:noFill/>
-          </a:ln>
-        </p:spPr>
-        <p:txBody>
-          <a:bodyPr wrap="square" lIns="74807" tIns="37404" rIns="74807" bIns="37404" rtlCol="0">
-            <a:spAutoFit/>
-          </a:bodyPr>
-          <a:lstStyle/>
-          <a:p>
-            <a:r>
-              <a:rPr lang="el-GR" sz="2900" b="1" dirty="0">
-                <a:solidFill>
-                  <a:srgbClr val="FF0000"/>
-                </a:solidFill>
-              </a:rPr>
-              <a:t>α</a:t>
-            </a:r>
-            <a:endParaRPr lang="en-US" sz="2900" b="1" dirty="0">
-              <a:solidFill>
-                <a:srgbClr val="FF0000"/>
-              </a:solidFill>
-            </a:endParaRPr>
-          </a:p>
-        </p:txBody>
-      </p:sp>
-      <p:sp>
-        <p:nvSpPr>
-          <p:cNvPr id="119" name="Rectangle 118"/>
-          <p:cNvSpPr/>
-          <p:nvPr/>
-        </p:nvSpPr>
-        <p:spPr>
-          <a:xfrm>
-            <a:off x="8416637" y="25483999"/>
-            <a:ext cx="354657" cy="521815"/>
-          </a:xfrm>
-          <a:prstGeom prst="rect">
-            <a:avLst/>
-          </a:prstGeom>
-        </p:spPr>
-        <p:txBody>
-          <a:bodyPr wrap="none" lIns="74807" tIns="37404" rIns="74807" bIns="37404">
-            <a:spAutoFit/>
-          </a:bodyPr>
-          <a:lstStyle/>
-          <a:p>
-            <a:r>
-              <a:rPr lang="el-GR" sz="2900" b="1" dirty="0">
-                <a:solidFill>
-                  <a:srgbClr val="0000FF"/>
-                </a:solidFill>
-              </a:rPr>
-              <a:t>β</a:t>
-            </a:r>
-            <a:endParaRPr lang="en-US" sz="2900" b="1" dirty="0">
-              <a:solidFill>
-                <a:srgbClr val="0000FF"/>
-              </a:solidFill>
-            </a:endParaRPr>
-          </a:p>
-        </p:txBody>
-      </p:sp>
       <p:pic>
         <p:nvPicPr>
           <p:cNvPr id="120" name="Picture 12" descr="http://sci.esa.int/science-e-media/img/61/Planck_CMB_Mollweide_4k.jpg"/>
@@ -8435,7 +7410,7 @@
           <p:nvPr/>
         </p:nvPicPr>
         <p:blipFill>
-          <a:blip r:embed="rId9" cstate="print">
+          <a:blip r:embed="rId6" cstate="print">
             <a:extLst>
               <a:ext uri="{28A0092B-C50C-407E-A947-70E740481C1C}">
                 <a14:useLocalDpi xmlns:a14="http://schemas.microsoft.com/office/drawing/2010/main" val="0"/>
@@ -8475,8 +7450,8 @@
         </p:nvSpPr>
         <p:spPr>
           <a:xfrm>
-            <a:off x="22070291" y="22278109"/>
-            <a:ext cx="10481830" cy="982087"/>
+            <a:off x="22019665" y="33250911"/>
+            <a:ext cx="9846655" cy="983479"/>
           </a:xfrm>
           <a:prstGeom prst="rect">
             <a:avLst/>
@@ -8513,8 +7488,8 @@
         </p:nvSpPr>
         <p:spPr>
           <a:xfrm>
-            <a:off x="22257328" y="20407745"/>
-            <a:ext cx="9912928" cy="1737538"/>
+            <a:off x="22860000" y="18607862"/>
+            <a:ext cx="9912928" cy="1183534"/>
           </a:xfrm>
           <a:prstGeom prst="rect">
             <a:avLst/>
@@ -8534,13 +7509,6 @@
               <a:rPr lang="en-US" sz="3600" dirty="0"/>
               <a:t>Three color pixels, six polarization sensitive  detectors per pixel</a:t>
             </a:r>
-          </a:p>
-          <a:p>
-            <a:pPr marL="467544" indent="-467544">
-              <a:buFont typeface="Arial" panose="020B0604020202020204" pitchFamily="34" charset="0"/>
-              <a:buChar char="•"/>
-            </a:pPr>
-            <a:endParaRPr lang="en-US" sz="3600" dirty="0"/>
           </a:p>
         </p:txBody>
       </p:sp>
@@ -8606,66 +7574,6 @@
       </p:sp>
       <p:cxnSp>
         <p:nvCxnSpPr>
-          <p:cNvPr id="89" name="Straight Connector 88"/>
-          <p:cNvCxnSpPr/>
-          <p:nvPr/>
-        </p:nvCxnSpPr>
-        <p:spPr>
-          <a:xfrm>
-            <a:off x="12531437" y="26479965"/>
-            <a:ext cx="1116254" cy="0"/>
-          </a:xfrm>
-          <a:prstGeom prst="line">
-            <a:avLst/>
-          </a:prstGeom>
-          <a:ln w="28575" cmpd="sng"/>
-        </p:spPr>
-        <p:style>
-          <a:lnRef idx="2">
-            <a:schemeClr val="dk1"/>
-          </a:lnRef>
-          <a:fillRef idx="0">
-            <a:schemeClr val="dk1"/>
-          </a:fillRef>
-          <a:effectRef idx="1">
-            <a:schemeClr val="dk1"/>
-          </a:effectRef>
-          <a:fontRef idx="minor">
-            <a:schemeClr val="tx1"/>
-          </a:fontRef>
-        </p:style>
-      </p:cxnSp>
-      <p:sp>
-        <p:nvSpPr>
-          <p:cNvPr id="92" name="TextBox 91"/>
-          <p:cNvSpPr txBox="1"/>
-          <p:nvPr/>
-        </p:nvSpPr>
-        <p:spPr>
-          <a:xfrm>
-            <a:off x="12604561" y="26479965"/>
-            <a:ext cx="2171312" cy="460259"/>
-          </a:xfrm>
-          <a:prstGeom prst="rect">
-            <a:avLst/>
-          </a:prstGeom>
-          <a:noFill/>
-        </p:spPr>
-        <p:txBody>
-          <a:bodyPr wrap="square" lIns="74807" tIns="37404" rIns="74807" bIns="37404" rtlCol="0">
-            <a:spAutoFit/>
-          </a:bodyPr>
-          <a:lstStyle/>
-          <a:p>
-            <a:r>
-              <a:rPr lang="en-US" sz="2500" dirty="0"/>
-              <a:t>50 cm</a:t>
-            </a:r>
-          </a:p>
-        </p:txBody>
-      </p:sp>
-      <p:cxnSp>
-        <p:nvCxnSpPr>
           <p:cNvPr id="93" name="Straight Connector 92"/>
           <p:cNvCxnSpPr/>
           <p:nvPr/>
@@ -9005,8 +7913,8 @@
         </p:nvSpPr>
         <p:spPr>
           <a:xfrm>
-            <a:off x="553316" y="5093555"/>
-            <a:ext cx="31811768" cy="1368200"/>
+            <a:off x="394257" y="5029200"/>
+            <a:ext cx="32129886" cy="1368200"/>
           </a:xfrm>
           <a:prstGeom prst="rect">
             <a:avLst/>
@@ -9044,7 +7952,7 @@
                 </a:solidFill>
                 <a:latin typeface="+mj-lt"/>
               </a:rPr>
-              <a:t>University of Minnesota, Minneapolis, </a:t>
+              <a:t>Univ. of Minnesota, </a:t>
             </a:r>
             <a:r>
               <a:rPr lang="en-US" altLang="en-US" sz="2800" baseline="30000" dirty="0">
@@ -9066,7 +7974,7 @@
                 </a:solidFill>
                 <a:latin typeface="+mj-lt"/>
               </a:rPr>
-              <a:t>Princeton University, Princeton, </a:t>
+              <a:t>Univ. of California Berkeley, </a:t>
             </a:r>
             <a:r>
               <a:rPr lang="en-US" altLang="en-US" sz="2800" baseline="30000" dirty="0">
@@ -9088,7 +7996,29 @@
                 </a:solidFill>
                 <a:latin typeface="+mj-lt"/>
               </a:rPr>
-              <a:t>Jet Propulsion Laboratory, Pasadena,</a:t>
+              <a:t>Princeton </a:t>
+            </a:r>
+            <a:r>
+              <a:rPr lang="en-US" altLang="en-US" sz="2800" dirty="0" err="1">
+                <a:solidFill>
+                  <a:schemeClr val="tx2">
+                    <a:lumMod val="50000"/>
+                  </a:schemeClr>
+                </a:solidFill>
+                <a:latin typeface="+mj-lt"/>
+              </a:rPr>
+              <a:t>Univ</a:t>
+            </a:r>
+            <a:r>
+              <a:rPr lang="en-US" altLang="en-US" sz="2800" dirty="0">
+                <a:solidFill>
+                  <a:schemeClr val="tx2">
+                    <a:lumMod val="50000"/>
+                  </a:schemeClr>
+                </a:solidFill>
+                <a:latin typeface="+mj-lt"/>
+              </a:rPr>
+              <a:t>, </a:t>
             </a:r>
             <a:r>
               <a:rPr lang="en-US" altLang="en-US" sz="2800" baseline="30000" dirty="0">
@@ -9097,9 +8027,8 @@
                     <a:lumMod val="50000"/>
                   </a:schemeClr>
                 </a:solidFill>
-                <a:latin typeface="+mj-lt"/>
-              </a:rPr>
-              <a:t> 4</a:t>
+              </a:rPr>
+              <a:t>4</a:t>
             </a:r>
             <a:r>
               <a:rPr lang="en-US" altLang="en-US" sz="2800" dirty="0">
@@ -9108,9 +8037,8 @@
                     <a:lumMod val="50000"/>
                   </a:schemeClr>
                 </a:solidFill>
-                <a:latin typeface="+mj-lt"/>
-              </a:rPr>
-              <a:t>Lawrence Berkeley National Laboratory, Berkeley, </a:t>
+              </a:rPr>
+              <a:t>California Institute of Technology, </a:t>
             </a:r>
             <a:r>
               <a:rPr lang="en-US" altLang="en-US" sz="2800" baseline="30000" dirty="0">
@@ -9132,7 +8060,7 @@
                 </a:solidFill>
                 <a:latin typeface="+mj-lt"/>
               </a:rPr>
-              <a:t>Villanova University, Villanova, </a:t>
+              <a:t>Lawrence Berkeley National Laboratory, </a:t>
             </a:r>
             <a:r>
               <a:rPr lang="en-US" altLang="en-US" sz="2800" baseline="30000" dirty="0">
@@ -9154,6 +8082,48 @@
                 </a:solidFill>
                 <a:latin typeface="+mj-lt"/>
               </a:rPr>
+              <a:t>Villanova Univ., </a:t>
+            </a:r>
+            <a:r>
+              <a:rPr lang="en-US" altLang="en-US" sz="2800" baseline="30000" dirty="0">
+                <a:solidFill>
+                  <a:schemeClr val="tx2">
+                    <a:lumMod val="50000"/>
+                  </a:schemeClr>
+                </a:solidFill>
+              </a:rPr>
+              <a:t>7</a:t>
+            </a:r>
+            <a:r>
+              <a:rPr lang="en-US" altLang="en-US" sz="2800" dirty="0">
+                <a:solidFill>
+                  <a:schemeClr val="tx2">
+                    <a:lumMod val="50000"/>
+                  </a:schemeClr>
+                </a:solidFill>
+              </a:rPr>
+              <a:t>Jet Propulsion Laboratory, </a:t>
+            </a:r>
+            <a:r>
+              <a:rPr lang="en-US" altLang="en-US" sz="2800" baseline="30000" dirty="0">
+                <a:solidFill>
+                  <a:schemeClr val="tx2">
+                    <a:lumMod val="50000"/>
+                  </a:schemeClr>
+                </a:solidFill>
+                <a:latin typeface="+mj-lt"/>
+              </a:rPr>
+              <a:t>8</a:t>
+            </a:r>
+            <a:r>
+              <a:rPr lang="en-US" altLang="en-US" sz="2800" dirty="0">
+                <a:solidFill>
+                  <a:schemeClr val="tx2">
+                    <a:lumMod val="50000"/>
+                  </a:schemeClr>
+                </a:solidFill>
+                <a:latin typeface="+mj-lt"/>
+              </a:rPr>
               <a:t>Astroparticule et </a:t>
             </a:r>
             <a:r>
@@ -9176,7 +8146,7 @@
                 </a:solidFill>
                 <a:latin typeface="+mj-lt"/>
               </a:rPr>
-              <a:t>, Paris, </a:t>
+              <a:t>, </a:t>
             </a:r>
             <a:r>
               <a:rPr lang="en-US" altLang="en-US" sz="2800" baseline="30000" dirty="0">
@@ -9187,7 +8157,7 @@
                 </a:solidFill>
                 <a:latin typeface="+mj-lt"/>
               </a:rPr>
-              <a:t>7</a:t>
+              <a:t>9</a:t>
             </a:r>
             <a:r>
               <a:rPr lang="en-US" altLang="en-US" sz="2800" dirty="0">
@@ -9198,7 +8168,7 @@
                 </a:solidFill>
                 <a:latin typeface="+mj-lt"/>
               </a:rPr>
-              <a:t>University of Pennsylvania, Philadelphia,</a:t>
+              <a:t>Univ. of Pennsylvania,</a:t>
             </a:r>
             <a:r>
               <a:rPr lang="en-US" altLang="en-US" sz="2800" baseline="30000" dirty="0">
@@ -9209,7 +8179,7 @@
                 </a:solidFill>
                 <a:latin typeface="+mj-lt"/>
               </a:rPr>
-              <a:t> 8</a:t>
+              <a:t> 10</a:t>
             </a:r>
             <a:r>
               <a:rPr lang="en-US" altLang="en-US" sz="2800" dirty="0">
@@ -9220,7 +8190,7 @@
                 </a:solidFill>
                 <a:latin typeface="+mj-lt"/>
               </a:rPr>
-              <a:t>National Radio Astronomy Observatory, Charlottesville, </a:t>
+              <a:t>National Radio Astronomy Observatory, </a:t>
             </a:r>
             <a:r>
               <a:rPr lang="en-US" altLang="en-US" sz="2800" baseline="30000" dirty="0">
@@ -9231,7 +8201,7 @@
                 </a:solidFill>
                 <a:latin typeface="+mj-lt"/>
               </a:rPr>
-              <a:t>9</a:t>
+              <a:t>11</a:t>
             </a:r>
             <a:r>
               <a:rPr lang="en-US" altLang="en-US" sz="2800" dirty="0">
@@ -9242,7 +8212,7 @@
                 </a:solidFill>
                 <a:latin typeface="+mj-lt"/>
               </a:rPr>
-              <a:t>University of California, San Diego, </a:t>
+              <a:t>Univ. of California San Diego, </a:t>
             </a:r>
             <a:r>
               <a:rPr lang="en-US" altLang="en-US" sz="2800" baseline="30000" dirty="0">
@@ -9253,7 +8223,7 @@
                 </a:solidFill>
                 <a:latin typeface="+mj-lt"/>
               </a:rPr>
-              <a:t>10</a:t>
+              <a:t>12</a:t>
             </a:r>
             <a:r>
               <a:rPr lang="en-US" altLang="en-US" sz="2800" dirty="0">
@@ -9264,7 +8234,7 @@
                 </a:solidFill>
                 <a:latin typeface="+mj-lt"/>
               </a:rPr>
-              <a:t>University of California, Davis,</a:t>
+              <a:t>Univ. of Toronto, </a:t>
             </a:r>
             <a:r>
               <a:rPr lang="en-US" altLang="en-US" sz="2800" baseline="30000" dirty="0">
@@ -9275,7 +8245,7 @@
                 </a:solidFill>
                 <a:latin typeface="+mj-lt"/>
               </a:rPr>
-              <a:t> 11</a:t>
+              <a:t>13</a:t>
             </a:r>
             <a:r>
               <a:rPr lang="en-US" altLang="en-US" sz="2800" dirty="0">
@@ -9286,7 +8256,7 @@
                 </a:solidFill>
                 <a:latin typeface="+mj-lt"/>
               </a:rPr>
-              <a:t>Goddard Space Flight Center, Greenbelt, </a:t>
+              <a:t>Cavendish Laboratory, Univ. of Cambridge, </a:t>
             </a:r>
             <a:r>
               <a:rPr lang="en-US" altLang="en-US" sz="2800" baseline="30000" dirty="0">
@@ -9297,7 +8267,7 @@
                 </a:solidFill>
                 <a:latin typeface="+mj-lt"/>
               </a:rPr>
-              <a:t>12</a:t>
+              <a:t>14</a:t>
             </a:r>
             <a:r>
               <a:rPr lang="en-US" altLang="en-US" sz="2800" dirty="0">
@@ -9308,7 +8278,190 @@
                 </a:solidFill>
                 <a:latin typeface="+mj-lt"/>
               </a:rPr>
-              <a:t>University of Michigan, Ann Arbor	    </a:t>
+              <a:t>National Institute of Science and Technology, </a:t>
+            </a:r>
+          </a:p>
+          <a:p>
+            <a:pPr algn="ctr">
+              <a:spcBef>
+                <a:spcPct val="0"/>
+              </a:spcBef>
+            </a:pPr>
+            <a:r>
+              <a:rPr lang="en-US" altLang="en-US" sz="2800" baseline="30000" dirty="0">
+                <a:solidFill>
+                  <a:schemeClr val="tx2">
+                    <a:lumMod val="50000"/>
+                  </a:schemeClr>
+                </a:solidFill>
+                <a:latin typeface="+mj-lt"/>
+              </a:rPr>
+              <a:t>                  15</a:t>
+            </a:r>
+            <a:r>
+              <a:rPr lang="en-US" altLang="en-US" sz="2800" dirty="0">
+                <a:solidFill>
+                  <a:schemeClr val="tx2">
+                    <a:lumMod val="50000"/>
+                  </a:schemeClr>
+                </a:solidFill>
+                <a:latin typeface="+mj-lt"/>
+              </a:rPr>
+              <a:t>Columbia Univ., </a:t>
+            </a:r>
+            <a:r>
+              <a:rPr lang="en-US" altLang="en-US" sz="2800" baseline="30000" dirty="0">
+                <a:solidFill>
+                  <a:schemeClr val="tx2">
+                    <a:lumMod val="50000"/>
+                  </a:schemeClr>
+                </a:solidFill>
+                <a:latin typeface="+mj-lt"/>
+              </a:rPr>
+              <a:t>16</a:t>
+            </a:r>
+            <a:r>
+              <a:rPr lang="en-US" altLang="en-US" sz="2800" dirty="0">
+                <a:solidFill>
+                  <a:schemeClr val="tx2">
+                    <a:lumMod val="50000"/>
+                  </a:schemeClr>
+                </a:solidFill>
+                <a:latin typeface="+mj-lt"/>
+              </a:rPr>
+              <a:t>Univ. of California Davis,</a:t>
+            </a:r>
+            <a:r>
+              <a:rPr lang="en-US" altLang="en-US" sz="2800" baseline="30000" dirty="0">
+                <a:solidFill>
+                  <a:schemeClr val="tx2">
+                    <a:lumMod val="50000"/>
+                  </a:schemeClr>
+                </a:solidFill>
+                <a:latin typeface="+mj-lt"/>
+              </a:rPr>
+              <a:t> 17</a:t>
+            </a:r>
+            <a:r>
+              <a:rPr lang="en-US" altLang="en-US" sz="2800" dirty="0">
+                <a:solidFill>
+                  <a:schemeClr val="tx2">
+                    <a:lumMod val="50000"/>
+                  </a:schemeClr>
+                </a:solidFill>
+                <a:latin typeface="+mj-lt"/>
+              </a:rPr>
+              <a:t>Goddard Space Flight Center, </a:t>
+            </a:r>
+            <a:r>
+              <a:rPr lang="en-US" altLang="en-US" sz="2800" baseline="30000" dirty="0">
+                <a:solidFill>
+                  <a:schemeClr val="tx2">
+                    <a:lumMod val="50000"/>
+                  </a:schemeClr>
+                </a:solidFill>
+                <a:latin typeface="+mj-lt"/>
+              </a:rPr>
+              <a:t>18</a:t>
+            </a:r>
+            <a:r>
+              <a:rPr lang="en-US" altLang="en-US" sz="2800" dirty="0">
+                <a:solidFill>
+                  <a:schemeClr val="tx2">
+                    <a:lumMod val="50000"/>
+                  </a:schemeClr>
+                </a:solidFill>
+                <a:latin typeface="+mj-lt"/>
+              </a:rPr>
+              <a:t>Kalvi IPMU, Univ. of </a:t>
+            </a:r>
+            <a:r>
+              <a:rPr lang="en-US" altLang="en-US" sz="2800" dirty="0" err="1">
+                <a:solidFill>
+                  <a:schemeClr val="tx2">
+                    <a:lumMod val="50000"/>
+                  </a:schemeClr>
+                </a:solidFill>
+                <a:latin typeface="+mj-lt"/>
+              </a:rPr>
+              <a:t>Toyko</a:t>
+            </a:r>
+            <a:r>
+              <a:rPr lang="en-US" altLang="en-US" sz="2800" dirty="0">
+                <a:solidFill>
+                  <a:schemeClr val="tx2">
+                    <a:lumMod val="50000"/>
+                  </a:schemeClr>
+                </a:solidFill>
+                <a:latin typeface="+mj-lt"/>
+              </a:rPr>
+              <a:t>, </a:t>
+            </a:r>
+            <a:r>
+              <a:rPr lang="en-US" altLang="en-US" sz="2800" baseline="30000" dirty="0">
+                <a:solidFill>
+                  <a:schemeClr val="tx2">
+                    <a:lumMod val="50000"/>
+                  </a:schemeClr>
+                </a:solidFill>
+                <a:latin typeface="+mj-lt"/>
+              </a:rPr>
+              <a:t>19</a:t>
+            </a:r>
+            <a:r>
+              <a:rPr lang="en-US" altLang="en-US" sz="2800" dirty="0">
+                <a:solidFill>
+                  <a:schemeClr val="tx2">
+                    <a:lumMod val="50000"/>
+                  </a:schemeClr>
+                </a:solidFill>
+                <a:latin typeface="+mj-lt"/>
+              </a:rPr>
+              <a:t>Univ. of Michigan, </a:t>
+            </a:r>
+            <a:r>
+              <a:rPr lang="en-US" altLang="en-US" sz="2800" baseline="30000" dirty="0">
+                <a:solidFill>
+                  <a:schemeClr val="tx2">
+                    <a:lumMod val="50000"/>
+                  </a:schemeClr>
+                </a:solidFill>
+                <a:latin typeface="+mj-lt"/>
+              </a:rPr>
+              <a:t>20</a:t>
+            </a:r>
+            <a:r>
+              <a:rPr lang="en-US" altLang="en-US" sz="2800" dirty="0">
+                <a:solidFill>
+                  <a:schemeClr val="tx2">
+                    <a:lumMod val="50000"/>
+                  </a:schemeClr>
+                </a:solidFill>
+                <a:latin typeface="+mj-lt"/>
+              </a:rPr>
+              <a:t>Osservatorio </a:t>
+            </a:r>
+            <a:r>
+              <a:rPr lang="en-US" altLang="en-US" sz="2800" dirty="0" err="1">
+                <a:solidFill>
+                  <a:schemeClr val="tx2">
+                    <a:lumMod val="50000"/>
+                  </a:schemeClr>
+                </a:solidFill>
+                <a:latin typeface="+mj-lt"/>
+              </a:rPr>
+              <a:t>Astronomico</a:t>
+            </a:r>
+            <a:r>
+              <a:rPr lang="en-US" altLang="en-US" sz="2800" dirty="0">
+                <a:solidFill>
+                  <a:schemeClr val="tx2">
+                    <a:lumMod val="50000"/>
+                  </a:schemeClr>
+                </a:solidFill>
+                <a:latin typeface="+mj-lt"/>
+              </a:rPr>
+              <a:t> di Padova                                      </a:t>
             </a:r>
             <a:r>
               <a:rPr lang="en-US" sz="2800" baseline="30000" dirty="0">
@@ -9353,133 +8506,6 @@
                 <a:latin typeface="+mj-lt"/>
               </a:rPr>
               <a:t>kyoung@astro.umn.edu </a:t>
-            </a:r>
-          </a:p>
-        </p:txBody>
-      </p:sp>
-      <p:sp>
-        <p:nvSpPr>
-          <p:cNvPr id="99" name="TextBox 98"/>
-          <p:cNvSpPr txBox="1"/>
-          <p:nvPr/>
-        </p:nvSpPr>
-        <p:spPr>
-          <a:xfrm>
-            <a:off x="16459200" y="20199928"/>
-            <a:ext cx="2244436" cy="1082814"/>
-          </a:xfrm>
-          <a:prstGeom prst="rect">
-            <a:avLst/>
-          </a:prstGeom>
-          <a:noFill/>
-        </p:spPr>
-        <p:txBody>
-          <a:bodyPr wrap="square" lIns="74807" tIns="37404" rIns="74807" bIns="37404" rtlCol="0">
-            <a:spAutoFit/>
-          </a:bodyPr>
-          <a:lstStyle/>
-          <a:p>
-            <a:r>
-              <a:rPr lang="en-US" sz="3300" dirty="0"/>
-              <a:t>Focal Plane, </a:t>
-            </a:r>
-          </a:p>
-          <a:p>
-            <a:r>
-              <a:rPr lang="en-US" sz="3300" dirty="0"/>
-              <a:t>100 </a:t>
-            </a:r>
-            <a:r>
-              <a:rPr lang="en-US" sz="3300" dirty="0" err="1"/>
-              <a:t>mK</a:t>
-            </a:r>
-            <a:endParaRPr lang="en-US" sz="3300" dirty="0"/>
-          </a:p>
-        </p:txBody>
-      </p:sp>
-      <p:sp>
-        <p:nvSpPr>
-          <p:cNvPr id="101" name="TextBox 100"/>
-          <p:cNvSpPr txBox="1"/>
-          <p:nvPr/>
-        </p:nvSpPr>
-        <p:spPr>
-          <a:xfrm>
-            <a:off x="18516600" y="26728130"/>
-            <a:ext cx="4435079" cy="579179"/>
-          </a:xfrm>
-          <a:prstGeom prst="rect">
-            <a:avLst/>
-          </a:prstGeom>
-          <a:noFill/>
-        </p:spPr>
-        <p:txBody>
-          <a:bodyPr wrap="square" lIns="74807" tIns="37404" rIns="74807" bIns="37404" rtlCol="0">
-            <a:spAutoFit/>
-          </a:bodyPr>
-          <a:lstStyle/>
-          <a:p>
-            <a:r>
-              <a:rPr lang="en-US" sz="3300" dirty="0"/>
-              <a:t>Secondary, 40 K</a:t>
-            </a:r>
-          </a:p>
-        </p:txBody>
-      </p:sp>
-      <p:sp>
-        <p:nvSpPr>
-          <p:cNvPr id="102" name="TextBox 101"/>
-          <p:cNvSpPr txBox="1"/>
-          <p:nvPr/>
-        </p:nvSpPr>
-        <p:spPr>
-          <a:xfrm>
-            <a:off x="11970327" y="21322146"/>
-            <a:ext cx="2244436" cy="1082814"/>
-          </a:xfrm>
-          <a:prstGeom prst="rect">
-            <a:avLst/>
-          </a:prstGeom>
-          <a:noFill/>
-        </p:spPr>
-        <p:txBody>
-          <a:bodyPr wrap="square" lIns="74807" tIns="37404" rIns="74807" bIns="37404" rtlCol="0">
-            <a:spAutoFit/>
-          </a:bodyPr>
-          <a:lstStyle/>
-          <a:p>
-            <a:r>
-              <a:rPr lang="en-US" sz="3300" dirty="0"/>
-              <a:t>Aperture Stop, 40 K</a:t>
-            </a:r>
-          </a:p>
-        </p:txBody>
-      </p:sp>
-      <p:sp>
-        <p:nvSpPr>
-          <p:cNvPr id="103" name="TextBox 102"/>
-          <p:cNvSpPr txBox="1"/>
-          <p:nvPr/>
-        </p:nvSpPr>
-        <p:spPr>
-          <a:xfrm>
-            <a:off x="18703636" y="22838138"/>
-            <a:ext cx="2992582" cy="579179"/>
-          </a:xfrm>
-          <a:prstGeom prst="rect">
-            <a:avLst/>
-          </a:prstGeom>
-          <a:noFill/>
-        </p:spPr>
-        <p:txBody>
-          <a:bodyPr wrap="square" lIns="74807" tIns="37404" rIns="74807" bIns="37404" rtlCol="0">
-            <a:spAutoFit/>
-          </a:bodyPr>
-          <a:lstStyle/>
-          <a:p>
-            <a:r>
-              <a:rPr lang="en-US" sz="3300" dirty="0"/>
-              <a:t>Primary, 40 K</a:t>
             </a:r>
           </a:p>
         </p:txBody>
@@ -9492,7 +8518,7 @@
         </p:nvSpPr>
         <p:spPr>
           <a:xfrm>
-            <a:off x="276056" y="33327807"/>
+            <a:off x="355600" y="30790604"/>
             <a:ext cx="10459033" cy="1879041"/>
           </a:xfrm>
           <a:prstGeom prst="rect">
@@ -9501,10 +8527,7 @@
           <a:noFill/>
           <a:ln w="127000">
             <a:solidFill>
-              <a:schemeClr val="tx2">
-                <a:lumMod val="40000"/>
-                <a:lumOff val="60000"/>
-              </a:schemeClr>
+              <a:srgbClr val="FAC090"/>
             </a:solidFill>
           </a:ln>
         </p:spPr>
@@ -9541,17 +8564,14 @@
         </p:nvSpPr>
         <p:spPr>
           <a:xfrm>
-            <a:off x="287766" y="33327806"/>
+            <a:off x="367310" y="30790603"/>
             <a:ext cx="10462910" cy="679907"/>
           </a:xfrm>
           <a:prstGeom prst="rect">
             <a:avLst/>
           </a:prstGeom>
           <a:solidFill>
-            <a:schemeClr val="tx2">
-              <a:lumMod val="40000"/>
-              <a:lumOff val="60000"/>
-            </a:schemeClr>
+            <a:srgbClr val="FAC090"/>
           </a:solidFill>
           <a:ln w="76200">
             <a:noFill/>
@@ -9581,8 +8601,8 @@
         </p:nvSpPr>
         <p:spPr bwMode="auto">
           <a:xfrm>
-            <a:off x="13341927" y="31495710"/>
-            <a:ext cx="8167255" cy="861581"/>
+            <a:off x="15715376" y="31585690"/>
+            <a:ext cx="5749291" cy="731076"/>
           </a:xfrm>
           <a:prstGeom prst="rect">
             <a:avLst/>
@@ -9726,22 +8746,10 @@
               <a:defRPr/>
             </a:pPr>
             <a:r>
-              <a:rPr lang="en-US" altLang="zh-CN" dirty="0" smtClean="0">
-                <a:latin typeface="+mn-lt"/>
-              </a:rPr>
-              <a:t>The PICO collaboration thanks the National Aeronautics </a:t>
-            </a:r>
-            <a:r>
               <a:rPr lang="en-US" altLang="zh-CN" dirty="0">
                 <a:latin typeface="+mn-lt"/>
               </a:rPr>
-              <a:t>and </a:t>
-            </a:r>
-            <a:r>
-              <a:rPr lang="en-US" altLang="zh-CN" dirty="0" smtClean="0">
-                <a:latin typeface="+mn-lt"/>
-              </a:rPr>
-              <a:t>Space Administration (NASA) for supporting this study.</a:t>
+              <a:t>The PICO collaboration thanks NASA for supporting this study.</a:t>
             </a:r>
           </a:p>
         </p:txBody>
@@ -9755,7 +8763,7 @@
           <p:nvPr/>
         </p:nvPicPr>
         <p:blipFill>
-          <a:blip r:embed="rId10">
+          <a:blip r:embed="rId7">
             <a:extLst>
               <a:ext uri="{28A0092B-C50C-407E-A947-70E740481C1C}">
                 <a14:useLocalDpi xmlns:a14="http://schemas.microsoft.com/office/drawing/2010/main" val="0"/>
@@ -9769,8 +8777,8 @@
         </p:blipFill>
         <p:spPr bwMode="auto">
           <a:xfrm>
-            <a:off x="11528400" y="31238970"/>
-            <a:ext cx="1614487" cy="1336530"/>
+            <a:off x="14630400" y="31546800"/>
+            <a:ext cx="1212987" cy="1004155"/>
           </a:xfrm>
           <a:prstGeom prst="rect">
             <a:avLst/>
@@ -9808,8 +8816,8 @@
         </p:nvGrpSpPr>
         <p:grpSpPr>
           <a:xfrm>
-            <a:off x="22740932" y="15268727"/>
-            <a:ext cx="8992478" cy="5058270"/>
+            <a:off x="22725410" y="13854791"/>
+            <a:ext cx="9354249" cy="4763409"/>
             <a:chOff x="45720" y="435768"/>
             <a:chExt cx="5288280" cy="2974658"/>
           </a:xfrm>
@@ -9823,7 +8831,7 @@
             <p:nvPr/>
           </p:nvPicPr>
           <p:blipFill>
-            <a:blip r:embed="rId11" cstate="print">
+            <a:blip r:embed="rId8" cstate="print">
               <a:extLst>
                 <a:ext uri="{28A0092B-C50C-407E-A947-70E740481C1C}">
                   <a14:useLocalDpi xmlns:a14="http://schemas.microsoft.com/office/drawing/2010/main" val="0"/>
@@ -9879,7 +8887,7 @@
             <a:p>
               <a:pPr algn="ctr"/>
               <a:r>
-                <a:rPr lang="en-US" sz="3200" b="1" dirty="0" smtClean="0">
+                <a:rPr lang="en-US" sz="3200" b="1" dirty="0">
                   <a:solidFill>
                     <a:schemeClr val="bg1">
                       <a:lumMod val="75000"/>
@@ -9888,13 +8896,6 @@
                 </a:rPr>
                 <a:t>A</a:t>
               </a:r>
-              <a:endParaRPr lang="en-US" sz="3200" b="1" dirty="0">
-                <a:solidFill>
-                  <a:schemeClr val="bg1">
-                    <a:lumMod val="75000"/>
-                  </a:schemeClr>
-                </a:solidFill>
-              </a:endParaRPr>
             </a:p>
           </p:txBody>
         </p:sp>
@@ -9922,18 +8923,13 @@
             <a:p>
               <a:pPr algn="ctr"/>
               <a:r>
-                <a:rPr lang="en-US" sz="3200" b="1" dirty="0" smtClean="0">
+                <a:rPr lang="en-US" sz="3200" b="1" dirty="0">
                   <a:solidFill>
                     <a:srgbClr val="3A97BD"/>
                   </a:solidFill>
                 </a:rPr>
                 <a:t>B</a:t>
               </a:r>
-              <a:endParaRPr lang="en-US" sz="3200" b="1" dirty="0">
-                <a:solidFill>
-                  <a:srgbClr val="3A97BD"/>
-                </a:solidFill>
-              </a:endParaRPr>
             </a:p>
           </p:txBody>
         </p:sp>
@@ -9995,18 +8991,13 @@
             <a:p>
               <a:pPr algn="ctr"/>
               <a:r>
-                <a:rPr lang="en-US" sz="3200" b="1" dirty="0" smtClean="0">
+                <a:rPr lang="en-US" sz="3200" b="1" dirty="0">
                   <a:solidFill>
                     <a:srgbClr val="59FF48"/>
                   </a:solidFill>
                 </a:rPr>
                 <a:t>C</a:t>
               </a:r>
-              <a:endParaRPr lang="en-US" sz="3200" b="1" dirty="0">
-                <a:solidFill>
-                  <a:srgbClr val="59FF48"/>
-                </a:solidFill>
-              </a:endParaRPr>
             </a:p>
           </p:txBody>
         </p:sp>
@@ -10034,18 +9025,13 @@
             <a:p>
               <a:pPr algn="ctr"/>
               <a:r>
-                <a:rPr lang="en-US" sz="3200" b="1" dirty="0" smtClean="0">
+                <a:rPr lang="en-US" sz="3200" b="1" dirty="0">
                   <a:solidFill>
                     <a:srgbClr val="FF3AFF"/>
                   </a:solidFill>
                 </a:rPr>
                 <a:t>G</a:t>
               </a:r>
-              <a:endParaRPr lang="en-US" sz="3200" b="1" dirty="0">
-                <a:solidFill>
-                  <a:srgbClr val="FF3AFF"/>
-                </a:solidFill>
-              </a:endParaRPr>
             </a:p>
           </p:txBody>
         </p:sp>
@@ -10073,18 +9059,13 @@
             <a:p>
               <a:pPr algn="ctr"/>
               <a:r>
-                <a:rPr lang="en-US" sz="3200" b="1" dirty="0" smtClean="0">
+                <a:rPr lang="en-US" sz="3200" b="1" dirty="0">
                   <a:solidFill>
                     <a:srgbClr val="98F5FF"/>
                   </a:solidFill>
                 </a:rPr>
                 <a:t>D</a:t>
               </a:r>
-              <a:endParaRPr lang="en-US" sz="3200" b="1" dirty="0">
-                <a:solidFill>
-                  <a:srgbClr val="98F5FF"/>
-                </a:solidFill>
-              </a:endParaRPr>
             </a:p>
           </p:txBody>
         </p:sp>
@@ -10112,18 +9093,13 @@
             <a:p>
               <a:pPr algn="ctr"/>
               <a:r>
-                <a:rPr lang="en-US" sz="3200" b="1" dirty="0" smtClean="0">
+                <a:rPr lang="en-US" sz="3200" b="1" dirty="0">
                   <a:solidFill>
                     <a:srgbClr val="7774CF"/>
                   </a:solidFill>
                 </a:rPr>
                 <a:t>F</a:t>
               </a:r>
-              <a:endParaRPr lang="en-US" sz="3200" b="1" dirty="0">
-                <a:solidFill>
-                  <a:srgbClr val="7774CF"/>
-                </a:solidFill>
-              </a:endParaRPr>
             </a:p>
           </p:txBody>
         </p:sp>
@@ -10151,18 +9127,13 @@
             <a:p>
               <a:pPr algn="ctr"/>
               <a:r>
-                <a:rPr lang="en-US" sz="3200" b="1" dirty="0" smtClean="0">
+                <a:rPr lang="en-US" sz="3200" b="1" dirty="0">
                   <a:solidFill>
                     <a:srgbClr val="0003FF"/>
                   </a:solidFill>
                 </a:rPr>
                 <a:t>E</a:t>
               </a:r>
-              <a:endParaRPr lang="en-US" sz="3200" b="1" dirty="0">
-                <a:solidFill>
-                  <a:srgbClr val="0003FF"/>
-                </a:solidFill>
-              </a:endParaRPr>
             </a:p>
           </p:txBody>
         </p:sp>
@@ -10206,7 +9177,7 @@
           <p:cNvPr id="125" name="Picture 124">
             <a:extLst>
               <a:ext uri="{FF2B5EF4-FFF2-40B4-BE49-F238E27FC236}">
-                <a16:creationId xmlns="" xmlns:a16="http://schemas.microsoft.com/office/drawing/2014/main" id="{34E0CED9-750C-2D41-9BB7-17026667CCE9}"/>
+                <a16:creationId xmlns:a16="http://schemas.microsoft.com/office/drawing/2014/main" id="{34E0CED9-750C-2D41-9BB7-17026667CCE9}"/>
               </a:ext>
             </a:extLst>
           </p:cNvPr>
@@ -10216,7 +9187,7 @@
           <p:nvPr/>
         </p:nvPicPr>
         <p:blipFill>
-          <a:blip r:embed="rId12" cstate="print">
+          <a:blip r:embed="rId9" cstate="print">
             <a:extLst>
               <a:ext uri="{28A0092B-C50C-407E-A947-70E740481C1C}">
                 <a14:useLocalDpi xmlns:a14="http://schemas.microsoft.com/office/drawing/2010/main" val="0"/>
@@ -10237,16 +9208,130 @@
           </a:prstGeom>
         </p:spPr>
       </p:pic>
+      <p:pic>
+        <p:nvPicPr>
+          <p:cNvPr id="11" name="Picture 10">
+            <a:extLst>
+              <a:ext uri="{FF2B5EF4-FFF2-40B4-BE49-F238E27FC236}">
+                <a16:creationId xmlns:a16="http://schemas.microsoft.com/office/drawing/2014/main" id="{998C76F9-5036-4B76-AC28-355A45A38475}"/>
+              </a:ext>
+            </a:extLst>
+          </p:cNvPr>
+          <p:cNvPicPr>
+            <a:picLocks noChangeAspect="1"/>
+          </p:cNvPicPr>
+          <p:nvPr/>
+        </p:nvPicPr>
+        <p:blipFill>
+          <a:blip r:embed="rId10">
+            <a:extLst>
+              <a:ext uri="{28A0092B-C50C-407E-A947-70E740481C1C}">
+                <a14:useLocalDpi xmlns:a14="http://schemas.microsoft.com/office/drawing/2010/main" val="0"/>
+              </a:ext>
+            </a:extLst>
+          </a:blip>
+          <a:stretch>
+            <a:fillRect/>
+          </a:stretch>
+        </p:blipFill>
+        <p:spPr>
+          <a:xfrm>
+            <a:off x="25261658" y="21163663"/>
+            <a:ext cx="7443382" cy="5582537"/>
+          </a:xfrm>
+          <a:prstGeom prst="rect">
+            <a:avLst/>
+          </a:prstGeom>
+        </p:spPr>
+      </p:pic>
+      <p:pic>
+        <p:nvPicPr>
+          <p:cNvPr id="23" name="Picture 22">
+            <a:extLst>
+              <a:ext uri="{FF2B5EF4-FFF2-40B4-BE49-F238E27FC236}">
+                <a16:creationId xmlns:a16="http://schemas.microsoft.com/office/drawing/2014/main" id="{3FA7A1AC-49D4-43A0-A2B3-57041C2FDF03}"/>
+              </a:ext>
+            </a:extLst>
+          </p:cNvPr>
+          <p:cNvPicPr>
+            <a:picLocks noChangeAspect="1"/>
+          </p:cNvPicPr>
+          <p:nvPr/>
+        </p:nvPicPr>
+        <p:blipFill>
+          <a:blip r:embed="rId11">
+            <a:extLst>
+              <a:ext uri="{28A0092B-C50C-407E-A947-70E740481C1C}">
+                <a14:useLocalDpi xmlns:a14="http://schemas.microsoft.com/office/drawing/2010/main" val="0"/>
+              </a:ext>
+            </a:extLst>
+          </a:blip>
+          <a:stretch>
+            <a:fillRect/>
+          </a:stretch>
+        </p:blipFill>
+        <p:spPr>
+          <a:xfrm>
+            <a:off x="18105120" y="21127402"/>
+            <a:ext cx="7443382" cy="5582537"/>
+          </a:xfrm>
+          <a:prstGeom prst="rect">
+            <a:avLst/>
+          </a:prstGeom>
+        </p:spPr>
+      </p:pic>
+      <p:pic>
+        <p:nvPicPr>
+          <p:cNvPr id="28" name="Picture 27">
+            <a:extLst>
+              <a:ext uri="{FF2B5EF4-FFF2-40B4-BE49-F238E27FC236}">
+                <a16:creationId xmlns:a16="http://schemas.microsoft.com/office/drawing/2014/main" id="{15B57A7C-D992-41C4-B397-0163FA2D7F51}"/>
+              </a:ext>
+            </a:extLst>
+          </p:cNvPr>
+          <p:cNvPicPr>
+            <a:picLocks noChangeAspect="1"/>
+          </p:cNvPicPr>
+          <p:nvPr/>
+        </p:nvPicPr>
+        <p:blipFill>
+          <a:blip r:embed="rId12">
+            <a:extLst>
+              <a:ext uri="{28A0092B-C50C-407E-A947-70E740481C1C}">
+                <a14:useLocalDpi xmlns:a14="http://schemas.microsoft.com/office/drawing/2010/main" val="0"/>
+              </a:ext>
+            </a:extLst>
+          </a:blip>
+          <a:stretch>
+            <a:fillRect/>
+          </a:stretch>
+        </p:blipFill>
+        <p:spPr>
+          <a:xfrm>
+            <a:off x="10942320" y="21107094"/>
+            <a:ext cx="7443382" cy="5582537"/>
+          </a:xfrm>
+          <a:prstGeom prst="rect">
+            <a:avLst/>
+          </a:prstGeom>
+        </p:spPr>
+      </p:pic>
       <p:sp>
         <p:nvSpPr>
-          <p:cNvPr id="3" name="TextBox 2"/>
+          <p:cNvPr id="29" name="TextBox 28">
+            <a:extLst>
+              <a:ext uri="{FF2B5EF4-FFF2-40B4-BE49-F238E27FC236}">
+                <a16:creationId xmlns:a16="http://schemas.microsoft.com/office/drawing/2014/main" id="{9D2EBFDE-B597-4A9D-85A9-77313CF8C298}"/>
+              </a:ext>
+            </a:extLst>
+          </p:cNvPr>
           <p:cNvSpPr txBox="1"/>
           <p:nvPr/>
         </p:nvSpPr>
         <p:spPr>
-          <a:xfrm rot="19025462">
-            <a:off x="12267339" y="24760724"/>
-            <a:ext cx="7907380" cy="1446550"/>
+          <a:xfrm>
+            <a:off x="33549606" y="27382887"/>
+            <a:ext cx="8284194" cy="5078313"/>
           </a:xfrm>
           <a:prstGeom prst="rect">
             <a:avLst/>
@@ -10260,18 +9345,1942 @@
           <a:lstStyle/>
           <a:p>
             <a:r>
-              <a:rPr lang="en-US" sz="8800" dirty="0" smtClean="0">
-                <a:solidFill>
-                  <a:srgbClr val="FF0000"/>
-                </a:solidFill>
-              </a:rPr>
-              <a:t>Replace this?</a:t>
-            </a:r>
-            <a:endParaRPr lang="en-US" sz="8800" dirty="0">
+              <a:rPr lang="en-US" sz="5400" dirty="0"/>
+              <a:t>Few major assumptions.</a:t>
+            </a:r>
+          </a:p>
+          <a:p>
+            <a:r>
+              <a:rPr lang="en-US" sz="5400" dirty="0"/>
+              <a:t>Conclusions from paper:</a:t>
+            </a:r>
+          </a:p>
+          <a:p>
+            <a:r>
+              <a:rPr lang="en-US" sz="5400" dirty="0"/>
+              <a:t>Photon dominates,</a:t>
+            </a:r>
+          </a:p>
+          <a:p>
+            <a:r>
+              <a:rPr lang="en-US" sz="5400" dirty="0"/>
+              <a:t>TDM = FDM</a:t>
+            </a:r>
+          </a:p>
+          <a:p>
+            <a:r>
+              <a:rPr lang="en-US" sz="5400" dirty="0"/>
+              <a:t>Bunching fraction</a:t>
+            </a:r>
+          </a:p>
+          <a:p>
+            <a:r>
+              <a:rPr lang="en-US" sz="5400" dirty="0"/>
+              <a:t>Load sources?</a:t>
+            </a:r>
+          </a:p>
+        </p:txBody>
+      </p:sp>
+      <p:sp>
+        <p:nvSpPr>
+          <p:cNvPr id="102" name="TextBox 101">
+            <a:extLst>
+              <a:ext uri="{FF2B5EF4-FFF2-40B4-BE49-F238E27FC236}">
+                <a16:creationId xmlns:a16="http://schemas.microsoft.com/office/drawing/2014/main" id="{D4F4E831-E045-4689-B77C-C21FE87FFF16}"/>
+              </a:ext>
+            </a:extLst>
+          </p:cNvPr>
+          <p:cNvSpPr txBox="1"/>
+          <p:nvPr/>
+        </p:nvSpPr>
+        <p:spPr>
+          <a:xfrm>
+            <a:off x="22173312" y="7086600"/>
+            <a:ext cx="10305630" cy="983479"/>
+          </a:xfrm>
+          <a:prstGeom prst="rect">
+            <a:avLst/>
+          </a:prstGeom>
+          <a:solidFill>
+            <a:schemeClr val="accent6">
+              <a:lumMod val="60000"/>
+              <a:lumOff val="40000"/>
+            </a:schemeClr>
+          </a:solidFill>
+          <a:ln w="76200">
+            <a:noFill/>
+          </a:ln>
+        </p:spPr>
+        <p:txBody>
+          <a:bodyPr wrap="square" lIns="74807" tIns="37404" rIns="74807" bIns="37404" rtlCol="0">
+            <a:spAutoFit/>
+          </a:bodyPr>
+          <a:lstStyle/>
+          <a:p>
+            <a:pPr algn="ctr"/>
+            <a:r>
+              <a:rPr lang="en-US" sz="5900" dirty="0"/>
+              <a:t>Focal Plane</a:t>
+            </a:r>
+          </a:p>
+        </p:txBody>
+      </p:sp>
+      <p:grpSp>
+        <p:nvGrpSpPr>
+          <p:cNvPr id="154" name="Group 153">
+            <a:extLst>
+              <a:ext uri="{FF2B5EF4-FFF2-40B4-BE49-F238E27FC236}">
+                <a16:creationId xmlns:a16="http://schemas.microsoft.com/office/drawing/2014/main" id="{AA81C237-83A6-46A4-A3E4-12B0E1657417}"/>
+              </a:ext>
+            </a:extLst>
+          </p:cNvPr>
+          <p:cNvGrpSpPr/>
+          <p:nvPr/>
+        </p:nvGrpSpPr>
+        <p:grpSpPr>
+          <a:xfrm>
+            <a:off x="53805" y="23774400"/>
+            <a:ext cx="11257548" cy="3886199"/>
+            <a:chOff x="589822" y="1189640"/>
+            <a:chExt cx="6188179" cy="2448910"/>
+          </a:xfrm>
+        </p:grpSpPr>
+        <p:sp>
+          <p:nvSpPr>
+            <p:cNvPr id="155" name="Rectangle 154">
+              <a:extLst>
+                <a:ext uri="{FF2B5EF4-FFF2-40B4-BE49-F238E27FC236}">
+                  <a16:creationId xmlns:a16="http://schemas.microsoft.com/office/drawing/2014/main" id="{F153B291-BC8B-410A-A5E6-705B363B045C}"/>
+                </a:ext>
+              </a:extLst>
+            </p:cNvPr>
+            <p:cNvSpPr/>
+            <p:nvPr/>
+          </p:nvSpPr>
+          <p:spPr>
+            <a:xfrm>
+              <a:off x="5132691" y="2190750"/>
+              <a:ext cx="48909" cy="838200"/>
+            </a:xfrm>
+            <a:prstGeom prst="rect">
+              <a:avLst/>
+            </a:prstGeom>
+            <a:solidFill>
+              <a:srgbClr val="F79646">
+                <a:lumMod val="75000"/>
+              </a:srgbClr>
+            </a:solidFill>
+            <a:ln w="9525" cap="flat" cmpd="sng" algn="ctr">
+              <a:solidFill>
+                <a:srgbClr val="F79646">
+                  <a:lumMod val="75000"/>
+                </a:srgbClr>
+              </a:solidFill>
+              <a:prstDash val="solid"/>
+            </a:ln>
+            <a:effectLst/>
+          </p:spPr>
+          <p:txBody>
+            <a:bodyPr rtlCol="0" anchor="ctr"/>
+            <a:lstStyle/>
+            <a:p>
+              <a:pPr marL="0" marR="0" lvl="0" indent="0" algn="ctr" defTabSz="914400" eaLnBrk="1" fontAlgn="auto" latinLnBrk="0" hangingPunct="1">
+                <a:lnSpc>
+                  <a:spcPct val="100000"/>
+                </a:lnSpc>
+                <a:spcBef>
+                  <a:spcPts val="0"/>
+                </a:spcBef>
+                <a:spcAft>
+                  <a:spcPts val="0"/>
+                </a:spcAft>
+                <a:buClrTx/>
+                <a:buSzTx/>
+                <a:buFontTx/>
+                <a:buNone/>
+                <a:tabLst/>
+                <a:defRPr/>
+              </a:pPr>
+              <a:endParaRPr kumimoji="0" lang="en-US" sz="2520" b="0" i="0" u="none" strike="noStrike" kern="0" cap="none" spc="0" normalizeH="0" baseline="0" noProof="0">
+                <a:ln>
+                  <a:noFill/>
+                </a:ln>
+                <a:solidFill>
+                  <a:prstClr val="white"/>
+                </a:solidFill>
+                <a:effectLst/>
+                <a:uLnTx/>
+                <a:uFillTx/>
+                <a:latin typeface="Calibri"/>
+                <a:ea typeface="+mn-ea"/>
+                <a:cs typeface="+mn-cs"/>
+              </a:endParaRPr>
+            </a:p>
+          </p:txBody>
+        </p:sp>
+        <p:sp>
+          <p:nvSpPr>
+            <p:cNvPr id="158" name="Shape 359">
+              <a:extLst>
+                <a:ext uri="{FF2B5EF4-FFF2-40B4-BE49-F238E27FC236}">
+                  <a16:creationId xmlns:a16="http://schemas.microsoft.com/office/drawing/2014/main" id="{9399BA7B-49E7-4D0F-8316-4F4CBA05068B}"/>
+                </a:ext>
+              </a:extLst>
+            </p:cNvPr>
+            <p:cNvSpPr/>
+            <p:nvPr/>
+          </p:nvSpPr>
+          <p:spPr>
+            <a:xfrm>
+              <a:off x="3922496" y="2013189"/>
+              <a:ext cx="65341" cy="1198423"/>
+            </a:xfrm>
+            <a:prstGeom prst="ellipse">
+              <a:avLst/>
+            </a:prstGeom>
+            <a:solidFill>
+              <a:srgbClr val="B7B7B7"/>
+            </a:solidFill>
+            <a:ln w="9525" cap="flat" cmpd="sng">
+              <a:solidFill>
+                <a:srgbClr val="B7B7B7"/>
+              </a:solidFill>
+              <a:prstDash val="solid"/>
+              <a:round/>
+              <a:headEnd type="none" w="med" len="med"/>
+              <a:tailEnd type="none" w="med" len="med"/>
+            </a:ln>
+          </p:spPr>
+          <p:txBody>
+            <a:bodyPr wrap="square" lIns="127995" tIns="127995" rIns="127995" bIns="127995" anchor="ctr" anchorCtr="0">
+              <a:noAutofit/>
+            </a:bodyPr>
+            <a:lstStyle/>
+            <a:p>
+              <a:pPr marL="0" marR="0" lvl="0" indent="0" defTabSz="914400" eaLnBrk="1" fontAlgn="auto" latinLnBrk="0" hangingPunct="1">
+                <a:lnSpc>
+                  <a:spcPct val="100000"/>
+                </a:lnSpc>
+                <a:spcBef>
+                  <a:spcPts val="0"/>
+                </a:spcBef>
+                <a:spcAft>
+                  <a:spcPts val="0"/>
+                </a:spcAft>
+                <a:buClrTx/>
+                <a:buSzTx/>
+                <a:buFontTx/>
+                <a:buNone/>
+                <a:tabLst/>
+                <a:defRPr/>
+              </a:pPr>
+              <a:endParaRPr kumimoji="0" sz="2520" b="0" i="0" u="none" strike="noStrike" kern="0" cap="none" spc="0" normalizeH="0" baseline="0" noProof="0">
+                <a:ln>
+                  <a:noFill/>
+                </a:ln>
+                <a:solidFill>
+                  <a:prstClr val="black"/>
+                </a:solidFill>
+                <a:effectLst/>
+                <a:uLnTx/>
+                <a:uFillTx/>
+              </a:endParaRPr>
+            </a:p>
+          </p:txBody>
+        </p:sp>
+        <p:sp>
+          <p:nvSpPr>
+            <p:cNvPr id="159" name="Shape 346">
+              <a:extLst>
+                <a:ext uri="{FF2B5EF4-FFF2-40B4-BE49-F238E27FC236}">
+                  <a16:creationId xmlns:a16="http://schemas.microsoft.com/office/drawing/2014/main" id="{E24B9472-5B1A-41AA-BA87-7C24C73C68E5}"/>
+                </a:ext>
+              </a:extLst>
+            </p:cNvPr>
+            <p:cNvSpPr/>
+            <p:nvPr/>
+          </p:nvSpPr>
+          <p:spPr>
+            <a:xfrm rot="119318">
+              <a:off x="5390291" y="2421592"/>
+              <a:ext cx="345808" cy="367116"/>
+            </a:xfrm>
+            <a:prstGeom prst="chord">
+              <a:avLst>
+                <a:gd name="adj1" fmla="val 5222344"/>
+                <a:gd name="adj2" fmla="val 16200000"/>
+              </a:avLst>
+            </a:prstGeom>
+            <a:solidFill>
+              <a:srgbClr val="6AA84F"/>
+            </a:solidFill>
+            <a:ln w="28575" cap="flat" cmpd="sng">
+              <a:solidFill>
+                <a:srgbClr val="6AA84F"/>
+              </a:solidFill>
+              <a:prstDash val="solid"/>
+              <a:round/>
+              <a:headEnd type="none" w="med" len="med"/>
+              <a:tailEnd type="none" w="med" len="med"/>
+            </a:ln>
+          </p:spPr>
+          <p:txBody>
+            <a:bodyPr wrap="square" lIns="127995" tIns="127995" rIns="127995" bIns="127995" anchor="ctr" anchorCtr="0">
+              <a:noAutofit/>
+            </a:bodyPr>
+            <a:lstStyle/>
+            <a:p>
+              <a:pPr marL="0" marR="0" lvl="0" indent="0" defTabSz="914400" eaLnBrk="1" fontAlgn="auto" latinLnBrk="0" hangingPunct="1">
+                <a:lnSpc>
+                  <a:spcPct val="100000"/>
+                </a:lnSpc>
+                <a:spcBef>
+                  <a:spcPts val="0"/>
+                </a:spcBef>
+                <a:spcAft>
+                  <a:spcPts val="0"/>
+                </a:spcAft>
+                <a:buClrTx/>
+                <a:buSzTx/>
+                <a:buFontTx/>
+                <a:buNone/>
+                <a:tabLst/>
+                <a:defRPr/>
+              </a:pPr>
+              <a:endParaRPr kumimoji="0" sz="2520" b="0" i="0" u="none" strike="noStrike" kern="0" cap="none" spc="0" normalizeH="0" baseline="0" noProof="0">
+                <a:ln>
+                  <a:noFill/>
+                </a:ln>
+                <a:solidFill>
+                  <a:prstClr val="black"/>
+                </a:solidFill>
+                <a:effectLst/>
+                <a:uLnTx/>
+                <a:uFillTx/>
+              </a:endParaRPr>
+            </a:p>
+          </p:txBody>
+        </p:sp>
+        <p:sp>
+          <p:nvSpPr>
+            <p:cNvPr id="161" name="Shape 350">
+              <a:extLst>
+                <a:ext uri="{FF2B5EF4-FFF2-40B4-BE49-F238E27FC236}">
+                  <a16:creationId xmlns:a16="http://schemas.microsoft.com/office/drawing/2014/main" id="{7F90FB1C-D6B4-4426-86C7-59E8552FE619}"/>
+                </a:ext>
+              </a:extLst>
+            </p:cNvPr>
+            <p:cNvSpPr/>
+            <p:nvPr/>
+          </p:nvSpPr>
+          <p:spPr>
+            <a:xfrm>
+              <a:off x="2971799" y="1550826"/>
+              <a:ext cx="2602880" cy="2087724"/>
+            </a:xfrm>
+            <a:prstGeom prst="rect">
+              <a:avLst/>
+            </a:prstGeom>
+            <a:noFill/>
+            <a:ln w="28575" cap="flat" cmpd="sng">
+              <a:solidFill>
+                <a:srgbClr val="1C4587"/>
+              </a:solidFill>
+              <a:prstDash val="solid"/>
+              <a:round/>
+              <a:headEnd type="none" w="med" len="med"/>
+              <a:tailEnd type="none" w="med" len="med"/>
+            </a:ln>
+          </p:spPr>
+          <p:txBody>
+            <a:bodyPr wrap="square" lIns="127995" tIns="127995" rIns="127995" bIns="127995" anchor="ctr" anchorCtr="0">
+              <a:noAutofit/>
+            </a:bodyPr>
+            <a:lstStyle/>
+            <a:p>
+              <a:pPr marL="0" marR="0" lvl="0" indent="0" defTabSz="914400" eaLnBrk="1" fontAlgn="auto" latinLnBrk="0" hangingPunct="1">
+                <a:lnSpc>
+                  <a:spcPct val="100000"/>
+                </a:lnSpc>
+                <a:spcBef>
+                  <a:spcPts val="0"/>
+                </a:spcBef>
+                <a:spcAft>
+                  <a:spcPts val="0"/>
+                </a:spcAft>
+                <a:buClrTx/>
+                <a:buSzTx/>
+                <a:buFontTx/>
+                <a:buNone/>
+                <a:tabLst/>
+                <a:defRPr/>
+              </a:pPr>
+              <a:endParaRPr kumimoji="0" sz="2520" b="0" i="0" u="none" strike="noStrike" kern="0" cap="none" spc="0" normalizeH="0" baseline="0" noProof="0">
+                <a:ln>
+                  <a:noFill/>
+                </a:ln>
+                <a:solidFill>
+                  <a:prstClr val="black"/>
+                </a:solidFill>
+                <a:effectLst/>
+                <a:uLnTx/>
+                <a:uFillTx/>
+              </a:endParaRPr>
+            </a:p>
+          </p:txBody>
+        </p:sp>
+        <p:sp>
+          <p:nvSpPr>
+            <p:cNvPr id="162" name="Shape 351">
+              <a:extLst>
+                <a:ext uri="{FF2B5EF4-FFF2-40B4-BE49-F238E27FC236}">
+                  <a16:creationId xmlns:a16="http://schemas.microsoft.com/office/drawing/2014/main" id="{0F1E7FC3-E44C-4493-931F-84DC63D9CC26}"/>
+                </a:ext>
+              </a:extLst>
+            </p:cNvPr>
+            <p:cNvSpPr/>
+            <p:nvPr/>
+          </p:nvSpPr>
+          <p:spPr>
+            <a:xfrm>
+              <a:off x="2792504" y="2298450"/>
+              <a:ext cx="348300" cy="578100"/>
+            </a:xfrm>
+            <a:prstGeom prst="rect">
+              <a:avLst/>
+            </a:prstGeom>
+            <a:solidFill>
+              <a:sysClr val="window" lastClr="FFFFFF"/>
+            </a:solidFill>
+            <a:ln w="28575" cap="flat" cmpd="sng">
+              <a:solidFill>
+                <a:sysClr val="window" lastClr="FFFFFF"/>
+              </a:solidFill>
+              <a:prstDash val="solid"/>
+              <a:round/>
+              <a:headEnd type="none" w="med" len="med"/>
+              <a:tailEnd type="none" w="med" len="med"/>
+            </a:ln>
+          </p:spPr>
+          <p:txBody>
+            <a:bodyPr wrap="square" lIns="127995" tIns="127995" rIns="127995" bIns="127995" anchor="ctr" anchorCtr="0">
+              <a:noAutofit/>
+            </a:bodyPr>
+            <a:lstStyle/>
+            <a:p>
+              <a:pPr marL="0" marR="0" lvl="0" indent="0" defTabSz="914400" eaLnBrk="1" fontAlgn="auto" latinLnBrk="0" hangingPunct="1">
+                <a:lnSpc>
+                  <a:spcPct val="100000"/>
+                </a:lnSpc>
+                <a:spcBef>
+                  <a:spcPts val="0"/>
+                </a:spcBef>
+                <a:spcAft>
+                  <a:spcPts val="0"/>
+                </a:spcAft>
+                <a:buClrTx/>
+                <a:buSzTx/>
+                <a:buFontTx/>
+                <a:buNone/>
+                <a:tabLst/>
+                <a:defRPr/>
+              </a:pPr>
+              <a:endParaRPr kumimoji="0" sz="2520" b="0" i="0" u="none" strike="noStrike" kern="0" cap="none" spc="0" normalizeH="0" baseline="0" noProof="0">
+                <a:ln>
+                  <a:noFill/>
+                </a:ln>
+                <a:solidFill>
+                  <a:prstClr val="black"/>
+                </a:solidFill>
+                <a:effectLst/>
+                <a:uLnTx/>
+                <a:uFillTx/>
+              </a:endParaRPr>
+            </a:p>
+          </p:txBody>
+        </p:sp>
+        <p:cxnSp>
+          <p:nvCxnSpPr>
+            <p:cNvPr id="163" name="Shape 352">
+              <a:extLst>
+                <a:ext uri="{FF2B5EF4-FFF2-40B4-BE49-F238E27FC236}">
+                  <a16:creationId xmlns:a16="http://schemas.microsoft.com/office/drawing/2014/main" id="{721A31C5-8B1A-4CCC-947B-0D9B2C086452}"/>
+                </a:ext>
+              </a:extLst>
+            </p:cNvPr>
+            <p:cNvCxnSpPr/>
+            <p:nvPr/>
+          </p:nvCxnSpPr>
+          <p:spPr>
+            <a:xfrm flipH="1" flipV="1">
+              <a:off x="2973577" y="2144110"/>
+              <a:ext cx="2390532" cy="367336"/>
+            </a:xfrm>
+            <a:prstGeom prst="straightConnector1">
+              <a:avLst/>
+            </a:prstGeom>
+            <a:noFill/>
+            <a:ln w="19050" cap="flat" cmpd="sng">
+              <a:solidFill>
+                <a:srgbClr val="9BBB59">
+                  <a:lumMod val="50000"/>
+                </a:srgbClr>
+              </a:solidFill>
+              <a:prstDash val="dash"/>
+              <a:round/>
+              <a:headEnd type="none" w="lg" len="lg"/>
+              <a:tailEnd type="none" w="lg" len="lg"/>
+            </a:ln>
+          </p:spPr>
+        </p:cxnSp>
+        <p:cxnSp>
+          <p:nvCxnSpPr>
+            <p:cNvPr id="164" name="Shape 353">
+              <a:extLst>
+                <a:ext uri="{FF2B5EF4-FFF2-40B4-BE49-F238E27FC236}">
+                  <a16:creationId xmlns:a16="http://schemas.microsoft.com/office/drawing/2014/main" id="{5C2B945D-E96F-46A9-840F-3CAF5EAE0F58}"/>
+                </a:ext>
+              </a:extLst>
+            </p:cNvPr>
+            <p:cNvCxnSpPr/>
+            <p:nvPr/>
+          </p:nvCxnSpPr>
+          <p:spPr>
+            <a:xfrm flipH="1">
+              <a:off x="2982746" y="2713071"/>
+              <a:ext cx="2381363" cy="334929"/>
+            </a:xfrm>
+            <a:prstGeom prst="straightConnector1">
+              <a:avLst/>
+            </a:prstGeom>
+            <a:noFill/>
+            <a:ln w="19050" cap="flat" cmpd="sng">
+              <a:solidFill>
+                <a:srgbClr val="9BBB59">
+                  <a:lumMod val="50000"/>
+                </a:srgbClr>
+              </a:solidFill>
+              <a:prstDash val="dash"/>
+              <a:round/>
+              <a:headEnd type="none" w="lg" len="lg"/>
+              <a:tailEnd type="none" w="lg" len="lg"/>
+            </a:ln>
+          </p:spPr>
+        </p:cxnSp>
+        <p:cxnSp>
+          <p:nvCxnSpPr>
+            <p:cNvPr id="165" name="Shape 354">
+              <a:extLst>
+                <a:ext uri="{FF2B5EF4-FFF2-40B4-BE49-F238E27FC236}">
+                  <a16:creationId xmlns:a16="http://schemas.microsoft.com/office/drawing/2014/main" id="{FDCC36F6-C399-4A39-9E10-9FFA5119190E}"/>
+                </a:ext>
+              </a:extLst>
+            </p:cNvPr>
+            <p:cNvCxnSpPr/>
+            <p:nvPr/>
+          </p:nvCxnSpPr>
+          <p:spPr>
+            <a:xfrm flipH="1" flipV="1">
+              <a:off x="2982746" y="1954924"/>
+              <a:ext cx="2389355" cy="540627"/>
+            </a:xfrm>
+            <a:prstGeom prst="straightConnector1">
+              <a:avLst/>
+            </a:prstGeom>
+            <a:noFill/>
+            <a:ln w="19050" cap="flat" cmpd="sng">
               <a:solidFill>
                 <a:srgbClr val="FF0000"/>
               </a:solidFill>
-            </a:endParaRPr>
+              <a:prstDash val="dash"/>
+              <a:round/>
+              <a:headEnd type="none" w="lg" len="lg"/>
+              <a:tailEnd type="none" w="lg" len="lg"/>
+            </a:ln>
+          </p:spPr>
+        </p:cxnSp>
+        <p:cxnSp>
+          <p:nvCxnSpPr>
+            <p:cNvPr id="167" name="Shape 355">
+              <a:extLst>
+                <a:ext uri="{FF2B5EF4-FFF2-40B4-BE49-F238E27FC236}">
+                  <a16:creationId xmlns:a16="http://schemas.microsoft.com/office/drawing/2014/main" id="{D9E16124-987B-4088-9CED-E49854E82836}"/>
+                </a:ext>
+              </a:extLst>
+            </p:cNvPr>
+            <p:cNvCxnSpPr/>
+            <p:nvPr/>
+          </p:nvCxnSpPr>
+          <p:spPr>
+            <a:xfrm flipH="1">
+              <a:off x="2982746" y="2724150"/>
+              <a:ext cx="2398881" cy="534057"/>
+            </a:xfrm>
+            <a:prstGeom prst="straightConnector1">
+              <a:avLst/>
+            </a:prstGeom>
+            <a:noFill/>
+            <a:ln w="19050" cap="flat" cmpd="sng">
+              <a:solidFill>
+                <a:srgbClr val="FF0000"/>
+              </a:solidFill>
+              <a:prstDash val="dash"/>
+              <a:round/>
+              <a:headEnd type="none" w="lg" len="lg"/>
+              <a:tailEnd type="none" w="lg" len="lg"/>
+            </a:ln>
+          </p:spPr>
+        </p:cxnSp>
+        <p:sp>
+          <p:nvSpPr>
+            <p:cNvPr id="168" name="Shape 356">
+              <a:extLst>
+                <a:ext uri="{FF2B5EF4-FFF2-40B4-BE49-F238E27FC236}">
+                  <a16:creationId xmlns:a16="http://schemas.microsoft.com/office/drawing/2014/main" id="{B9BF72ED-AD61-46C5-B066-F1FCA2BE33A7}"/>
+                </a:ext>
+              </a:extLst>
+            </p:cNvPr>
+            <p:cNvSpPr txBox="1"/>
+            <p:nvPr/>
+          </p:nvSpPr>
+          <p:spPr>
+            <a:xfrm>
+              <a:off x="2489951" y="1394590"/>
+              <a:ext cx="766200" cy="563724"/>
+            </a:xfrm>
+            <a:prstGeom prst="rect">
+              <a:avLst/>
+            </a:prstGeom>
+            <a:noFill/>
+            <a:ln>
+              <a:noFill/>
+            </a:ln>
+          </p:spPr>
+          <p:txBody>
+            <a:bodyPr wrap="square" lIns="127995" tIns="127995" rIns="127995" bIns="127995" anchor="t" anchorCtr="0">
+              <a:noAutofit/>
+            </a:bodyPr>
+            <a:lstStyle/>
+            <a:p>
+              <a:pPr marL="0" marR="0" lvl="0" indent="0" defTabSz="914400" eaLnBrk="1" fontAlgn="auto" latinLnBrk="0" hangingPunct="1">
+                <a:lnSpc>
+                  <a:spcPct val="100000"/>
+                </a:lnSpc>
+                <a:spcBef>
+                  <a:spcPts val="0"/>
+                </a:spcBef>
+                <a:spcAft>
+                  <a:spcPts val="0"/>
+                </a:spcAft>
+                <a:buClrTx/>
+                <a:buSzTx/>
+                <a:buFontTx/>
+                <a:buNone/>
+                <a:tabLst/>
+                <a:defRPr/>
+              </a:pPr>
+              <a:r>
+                <a:rPr kumimoji="0" lang="el-GR" sz="3200" b="0" i="0" u="none" strike="noStrike" kern="0" cap="none" spc="0" normalizeH="0" baseline="0" noProof="0" dirty="0">
+                  <a:ln>
+                    <a:noFill/>
+                  </a:ln>
+                  <a:solidFill>
+                    <a:srgbClr val="FF0000"/>
+                  </a:solidFill>
+                  <a:effectLst/>
+                  <a:uLnTx/>
+                  <a:uFillTx/>
+                </a:rPr>
+                <a:t>ν</a:t>
+              </a:r>
+              <a:r>
+                <a:rPr kumimoji="0" lang="en-US" sz="3200" b="0" i="0" u="none" strike="noStrike" kern="0" cap="none" spc="0" normalizeH="0" baseline="-25000" noProof="0" dirty="0">
+                  <a:ln>
+                    <a:noFill/>
+                  </a:ln>
+                  <a:solidFill>
+                    <a:srgbClr val="FF0000"/>
+                  </a:solidFill>
+                  <a:effectLst/>
+                  <a:uLnTx/>
+                  <a:uFillTx/>
+                </a:rPr>
+                <a:t>low</a:t>
+              </a:r>
+              <a:endParaRPr kumimoji="0" lang="en" sz="3200" b="0" i="0" u="none" strike="noStrike" kern="0" cap="none" spc="0" normalizeH="0" baseline="-25000" noProof="0" dirty="0">
+                <a:ln>
+                  <a:noFill/>
+                </a:ln>
+                <a:solidFill>
+                  <a:srgbClr val="FF0000"/>
+                </a:solidFill>
+                <a:effectLst/>
+                <a:uLnTx/>
+                <a:uFillTx/>
+              </a:endParaRPr>
+            </a:p>
+          </p:txBody>
+        </p:sp>
+        <p:sp>
+          <p:nvSpPr>
+            <p:cNvPr id="169" name="Shape 357">
+              <a:extLst>
+                <a:ext uri="{FF2B5EF4-FFF2-40B4-BE49-F238E27FC236}">
+                  <a16:creationId xmlns:a16="http://schemas.microsoft.com/office/drawing/2014/main" id="{63468945-74D0-4CB0-AD99-4442703F3E99}"/>
+                </a:ext>
+              </a:extLst>
+            </p:cNvPr>
+            <p:cNvSpPr txBox="1"/>
+            <p:nvPr/>
+          </p:nvSpPr>
+          <p:spPr>
+            <a:xfrm>
+              <a:off x="2956315" y="3282418"/>
+              <a:ext cx="2627933" cy="356132"/>
+            </a:xfrm>
+            <a:prstGeom prst="rect">
+              <a:avLst/>
+            </a:prstGeom>
+            <a:noFill/>
+            <a:ln>
+              <a:noFill/>
+            </a:ln>
+          </p:spPr>
+          <p:txBody>
+            <a:bodyPr wrap="square" lIns="127995" tIns="127995" rIns="127995" bIns="127995" anchor="t" anchorCtr="0">
+              <a:noAutofit/>
+            </a:bodyPr>
+            <a:lstStyle/>
+            <a:p>
+              <a:pPr marL="0" marR="0" lvl="0" indent="0" algn="ctr" defTabSz="914400" eaLnBrk="1" fontAlgn="auto" latinLnBrk="0" hangingPunct="1">
+                <a:lnSpc>
+                  <a:spcPct val="100000"/>
+                </a:lnSpc>
+                <a:spcBef>
+                  <a:spcPts val="0"/>
+                </a:spcBef>
+                <a:spcAft>
+                  <a:spcPts val="0"/>
+                </a:spcAft>
+                <a:buClrTx/>
+                <a:buSzTx/>
+                <a:buFontTx/>
+                <a:buNone/>
+                <a:tabLst/>
+                <a:defRPr/>
+              </a:pPr>
+              <a:r>
+                <a:rPr kumimoji="0" lang="en" sz="2800" b="0" i="0" u="none" strike="noStrike" kern="0" cap="none" spc="0" normalizeH="0" baseline="0" noProof="0" dirty="0">
+                  <a:ln>
+                    <a:noFill/>
+                  </a:ln>
+                  <a:solidFill>
+                    <a:prstClr val="black"/>
+                  </a:solidFill>
+                  <a:effectLst/>
+                  <a:uLnTx/>
+                  <a:uFillTx/>
+                </a:rPr>
+                <a:t>Cold stop and optics box 6 K </a:t>
+              </a:r>
+            </a:p>
+          </p:txBody>
+        </p:sp>
+        <p:sp>
+          <p:nvSpPr>
+            <p:cNvPr id="170" name="Shape 358">
+              <a:extLst>
+                <a:ext uri="{FF2B5EF4-FFF2-40B4-BE49-F238E27FC236}">
+                  <a16:creationId xmlns:a16="http://schemas.microsoft.com/office/drawing/2014/main" id="{8AB5F3FB-11AB-43B3-8F8A-22B5AE9C4CBA}"/>
+                </a:ext>
+              </a:extLst>
+            </p:cNvPr>
+            <p:cNvSpPr txBox="1"/>
+            <p:nvPr/>
+          </p:nvSpPr>
+          <p:spPr>
+            <a:xfrm>
+              <a:off x="5573169" y="2148391"/>
+              <a:ext cx="1204832" cy="481784"/>
+            </a:xfrm>
+            <a:prstGeom prst="rect">
+              <a:avLst/>
+            </a:prstGeom>
+            <a:noFill/>
+            <a:ln>
+              <a:noFill/>
+            </a:ln>
+          </p:spPr>
+          <p:txBody>
+            <a:bodyPr wrap="square" lIns="127995" tIns="127995" rIns="127995" bIns="127995" anchor="t" anchorCtr="0">
+              <a:noAutofit/>
+            </a:bodyPr>
+            <a:lstStyle/>
+            <a:p>
+              <a:pPr marL="0" marR="0" lvl="0" indent="0" defTabSz="914400" eaLnBrk="1" fontAlgn="auto" latinLnBrk="0" hangingPunct="1">
+                <a:lnSpc>
+                  <a:spcPct val="100000"/>
+                </a:lnSpc>
+                <a:spcBef>
+                  <a:spcPts val="0"/>
+                </a:spcBef>
+                <a:spcAft>
+                  <a:spcPts val="0"/>
+                </a:spcAft>
+                <a:buClrTx/>
+                <a:buSzTx/>
+                <a:buFontTx/>
+                <a:buNone/>
+                <a:tabLst/>
+                <a:defRPr/>
+              </a:pPr>
+              <a:r>
+                <a:rPr kumimoji="0" lang="en" sz="2800" b="0" i="0" u="none" strike="noStrike" kern="0" cap="none" spc="0" normalizeH="0" baseline="0" noProof="0" dirty="0">
+                  <a:ln>
+                    <a:noFill/>
+                  </a:ln>
+                  <a:solidFill>
+                    <a:srgbClr val="38761D"/>
+                  </a:solidFill>
+                  <a:effectLst/>
+                  <a:uLnTx/>
+                  <a:uFillTx/>
+                </a:rPr>
+                <a:t>Multichroic pixel 100 </a:t>
+              </a:r>
+              <a:r>
+                <a:rPr kumimoji="0" lang="en-US" sz="2800" b="0" i="0" u="none" strike="noStrike" kern="0" cap="none" spc="0" normalizeH="0" baseline="0" noProof="0" dirty="0" err="1">
+                  <a:ln>
+                    <a:noFill/>
+                  </a:ln>
+                  <a:solidFill>
+                    <a:srgbClr val="38761D"/>
+                  </a:solidFill>
+                  <a:effectLst/>
+                  <a:uLnTx/>
+                  <a:uFillTx/>
+                </a:rPr>
+                <a:t>mK</a:t>
+              </a:r>
+              <a:endParaRPr kumimoji="0" lang="en" sz="2800" b="0" i="0" u="none" strike="noStrike" kern="0" cap="none" spc="0" normalizeH="0" baseline="0" noProof="0" dirty="0">
+                <a:ln>
+                  <a:noFill/>
+                </a:ln>
+                <a:solidFill>
+                  <a:srgbClr val="38761D"/>
+                </a:solidFill>
+                <a:effectLst/>
+                <a:uLnTx/>
+                <a:uFillTx/>
+              </a:endParaRPr>
+            </a:p>
+          </p:txBody>
+        </p:sp>
+        <p:sp>
+          <p:nvSpPr>
+            <p:cNvPr id="171" name="Shape 359">
+              <a:extLst>
+                <a:ext uri="{FF2B5EF4-FFF2-40B4-BE49-F238E27FC236}">
+                  <a16:creationId xmlns:a16="http://schemas.microsoft.com/office/drawing/2014/main" id="{758A5101-84F4-4CA1-A6B9-B3CB4FBC01FE}"/>
+                </a:ext>
+              </a:extLst>
+            </p:cNvPr>
+            <p:cNvSpPr/>
+            <p:nvPr/>
+          </p:nvSpPr>
+          <p:spPr>
+            <a:xfrm>
+              <a:off x="2068097" y="1847409"/>
+              <a:ext cx="81142" cy="1508970"/>
+            </a:xfrm>
+            <a:prstGeom prst="ellipse">
+              <a:avLst/>
+            </a:prstGeom>
+            <a:solidFill>
+              <a:srgbClr val="B7B7B7"/>
+            </a:solidFill>
+            <a:ln w="9525" cap="flat" cmpd="sng">
+              <a:solidFill>
+                <a:srgbClr val="B7B7B7"/>
+              </a:solidFill>
+              <a:prstDash val="solid"/>
+              <a:round/>
+              <a:headEnd type="none" w="med" len="med"/>
+              <a:tailEnd type="none" w="med" len="med"/>
+            </a:ln>
+          </p:spPr>
+          <p:txBody>
+            <a:bodyPr wrap="square" lIns="127995" tIns="127995" rIns="127995" bIns="127995" anchor="ctr" anchorCtr="0">
+              <a:noAutofit/>
+            </a:bodyPr>
+            <a:lstStyle/>
+            <a:p>
+              <a:pPr marL="0" marR="0" lvl="0" indent="0" defTabSz="914400" eaLnBrk="1" fontAlgn="auto" latinLnBrk="0" hangingPunct="1">
+                <a:lnSpc>
+                  <a:spcPct val="100000"/>
+                </a:lnSpc>
+                <a:spcBef>
+                  <a:spcPts val="0"/>
+                </a:spcBef>
+                <a:spcAft>
+                  <a:spcPts val="0"/>
+                </a:spcAft>
+                <a:buClrTx/>
+                <a:buSzTx/>
+                <a:buFontTx/>
+                <a:buNone/>
+                <a:tabLst/>
+                <a:defRPr/>
+              </a:pPr>
+              <a:endParaRPr kumimoji="0" sz="2520" b="0" i="0" u="none" strike="noStrike" kern="0" cap="none" spc="0" normalizeH="0" baseline="0" noProof="0">
+                <a:ln>
+                  <a:noFill/>
+                </a:ln>
+                <a:solidFill>
+                  <a:prstClr val="black"/>
+                </a:solidFill>
+                <a:effectLst/>
+                <a:uLnTx/>
+                <a:uFillTx/>
+              </a:endParaRPr>
+            </a:p>
+          </p:txBody>
+        </p:sp>
+        <p:sp>
+          <p:nvSpPr>
+            <p:cNvPr id="172" name="Shape 360">
+              <a:extLst>
+                <a:ext uri="{FF2B5EF4-FFF2-40B4-BE49-F238E27FC236}">
+                  <a16:creationId xmlns:a16="http://schemas.microsoft.com/office/drawing/2014/main" id="{396565D8-0DF0-4BCC-A45E-3C44D01A2618}"/>
+                </a:ext>
+              </a:extLst>
+            </p:cNvPr>
+            <p:cNvSpPr txBox="1"/>
+            <p:nvPr/>
+          </p:nvSpPr>
+          <p:spPr>
+            <a:xfrm>
+              <a:off x="1343779" y="1189640"/>
+              <a:ext cx="1561131" cy="509687"/>
+            </a:xfrm>
+            <a:prstGeom prst="rect">
+              <a:avLst/>
+            </a:prstGeom>
+            <a:noFill/>
+            <a:ln>
+              <a:noFill/>
+            </a:ln>
+          </p:spPr>
+          <p:txBody>
+            <a:bodyPr wrap="square" lIns="127995" tIns="127995" rIns="127995" bIns="127995" anchor="t" anchorCtr="0">
+              <a:noAutofit/>
+            </a:bodyPr>
+            <a:lstStyle/>
+            <a:p>
+              <a:pPr marL="0" marR="0" lvl="0" indent="0" algn="ctr" defTabSz="914400" eaLnBrk="1" fontAlgn="auto" latinLnBrk="0" hangingPunct="1">
+                <a:lnSpc>
+                  <a:spcPct val="100000"/>
+                </a:lnSpc>
+                <a:spcBef>
+                  <a:spcPts val="0"/>
+                </a:spcBef>
+                <a:spcAft>
+                  <a:spcPts val="0"/>
+                </a:spcAft>
+                <a:buClrTx/>
+                <a:buSzTx/>
+                <a:buFontTx/>
+                <a:buNone/>
+                <a:tabLst/>
+                <a:defRPr/>
+              </a:pPr>
+              <a:r>
+                <a:rPr kumimoji="0" lang="en" sz="2800" b="0" i="0" u="none" strike="noStrike" kern="0" cap="none" spc="0" normalizeH="0" baseline="0" noProof="0" dirty="0">
+                  <a:ln>
+                    <a:noFill/>
+                  </a:ln>
+                  <a:solidFill>
+                    <a:prstClr val="black"/>
+                  </a:solidFill>
+                  <a:effectLst/>
+                  <a:uLnTx/>
+                  <a:uFillTx/>
+                </a:rPr>
+                <a:t>Primary mirror </a:t>
+              </a:r>
+            </a:p>
+            <a:p>
+              <a:pPr marL="0" marR="0" lvl="0" indent="0" algn="ctr" defTabSz="914400" eaLnBrk="1" fontAlgn="auto" latinLnBrk="0" hangingPunct="1">
+                <a:lnSpc>
+                  <a:spcPct val="100000"/>
+                </a:lnSpc>
+                <a:spcBef>
+                  <a:spcPts val="0"/>
+                </a:spcBef>
+                <a:spcAft>
+                  <a:spcPts val="0"/>
+                </a:spcAft>
+                <a:buClrTx/>
+                <a:buSzTx/>
+                <a:buFontTx/>
+                <a:buNone/>
+                <a:tabLst/>
+                <a:defRPr/>
+              </a:pPr>
+              <a:r>
+                <a:rPr kumimoji="0" lang="en" sz="2800" b="0" i="0" u="none" strike="noStrike" kern="0" cap="none" spc="0" normalizeH="0" baseline="0" noProof="0" dirty="0">
+                  <a:ln>
+                    <a:noFill/>
+                  </a:ln>
+                  <a:solidFill>
+                    <a:prstClr val="black"/>
+                  </a:solidFill>
+                  <a:effectLst/>
+                  <a:uLnTx/>
+                  <a:uFillTx/>
+                </a:rPr>
+                <a:t>15 K</a:t>
+              </a:r>
+            </a:p>
+          </p:txBody>
+        </p:sp>
+        <p:pic>
+          <p:nvPicPr>
+            <p:cNvPr id="173" name="Shape 361">
+              <a:extLst>
+                <a:ext uri="{FF2B5EF4-FFF2-40B4-BE49-F238E27FC236}">
+                  <a16:creationId xmlns:a16="http://schemas.microsoft.com/office/drawing/2014/main" id="{1AE374A4-099F-4726-994D-0095C5A59958}"/>
+                </a:ext>
+              </a:extLst>
+            </p:cNvPr>
+            <p:cNvPicPr preferRelativeResize="0"/>
+            <p:nvPr/>
+          </p:nvPicPr>
+          <p:blipFill rotWithShape="1">
+            <a:blip r:embed="rId13">
+              <a:alphaModFix/>
+            </a:blip>
+            <a:srcRect l="45913" r="43007" b="10273"/>
+            <a:stretch/>
+          </p:blipFill>
+          <p:spPr>
+            <a:xfrm>
+              <a:off x="688270" y="1705957"/>
+              <a:ext cx="348301" cy="1551061"/>
+            </a:xfrm>
+            <a:prstGeom prst="rect">
+              <a:avLst/>
+            </a:prstGeom>
+            <a:noFill/>
+            <a:ln>
+              <a:noFill/>
+            </a:ln>
+          </p:spPr>
+        </p:pic>
+        <p:sp>
+          <p:nvSpPr>
+            <p:cNvPr id="174" name="Shape 362">
+              <a:extLst>
+                <a:ext uri="{FF2B5EF4-FFF2-40B4-BE49-F238E27FC236}">
+                  <a16:creationId xmlns:a16="http://schemas.microsoft.com/office/drawing/2014/main" id="{8EDCB045-E8B8-4E1F-96A7-1D23E5BED87B}"/>
+                </a:ext>
+              </a:extLst>
+            </p:cNvPr>
+            <p:cNvSpPr txBox="1"/>
+            <p:nvPr/>
+          </p:nvSpPr>
+          <p:spPr>
+            <a:xfrm>
+              <a:off x="589822" y="1380019"/>
+              <a:ext cx="553741" cy="505931"/>
+            </a:xfrm>
+            <a:prstGeom prst="rect">
+              <a:avLst/>
+            </a:prstGeom>
+            <a:noFill/>
+            <a:ln>
+              <a:noFill/>
+            </a:ln>
+          </p:spPr>
+          <p:txBody>
+            <a:bodyPr wrap="square" lIns="127995" tIns="127995" rIns="127995" bIns="127995" anchor="t" anchorCtr="0">
+              <a:noAutofit/>
+            </a:bodyPr>
+            <a:lstStyle/>
+            <a:p>
+              <a:pPr marL="0" marR="0" lvl="0" indent="0" algn="ctr" defTabSz="914400" eaLnBrk="1" fontAlgn="auto" latinLnBrk="0" hangingPunct="1">
+                <a:lnSpc>
+                  <a:spcPct val="100000"/>
+                </a:lnSpc>
+                <a:spcBef>
+                  <a:spcPts val="0"/>
+                </a:spcBef>
+                <a:spcAft>
+                  <a:spcPts val="0"/>
+                </a:spcAft>
+                <a:buClrTx/>
+                <a:buSzTx/>
+                <a:buFontTx/>
+                <a:buNone/>
+                <a:tabLst/>
+                <a:defRPr/>
+              </a:pPr>
+              <a:r>
+                <a:rPr kumimoji="0" lang="en" sz="2800" b="0" i="0" u="none" strike="noStrike" kern="0" cap="none" spc="0" normalizeH="0" baseline="0" noProof="0" dirty="0">
+                  <a:ln>
+                    <a:noFill/>
+                  </a:ln>
+                  <a:solidFill>
+                    <a:prstClr val="black"/>
+                  </a:solidFill>
+                  <a:effectLst/>
+                  <a:uLnTx/>
+                  <a:uFillTx/>
+                </a:rPr>
+                <a:t>CMB</a:t>
+              </a:r>
+            </a:p>
+          </p:txBody>
+        </p:sp>
+        <p:cxnSp>
+          <p:nvCxnSpPr>
+            <p:cNvPr id="175" name="Shape 363">
+              <a:extLst>
+                <a:ext uri="{FF2B5EF4-FFF2-40B4-BE49-F238E27FC236}">
+                  <a16:creationId xmlns:a16="http://schemas.microsoft.com/office/drawing/2014/main" id="{0B6EF8D7-AB73-43D0-877D-65FA7E4045F8}"/>
+                </a:ext>
+              </a:extLst>
+            </p:cNvPr>
+            <p:cNvCxnSpPr/>
+            <p:nvPr/>
+          </p:nvCxnSpPr>
+          <p:spPr>
+            <a:xfrm>
+              <a:off x="1219201" y="2540512"/>
+              <a:ext cx="539094" cy="0"/>
+            </a:xfrm>
+            <a:prstGeom prst="straightConnector1">
+              <a:avLst/>
+            </a:prstGeom>
+            <a:noFill/>
+            <a:ln w="9525" cap="flat" cmpd="sng">
+              <a:solidFill>
+                <a:srgbClr val="1F497D"/>
+              </a:solidFill>
+              <a:prstDash val="solid"/>
+              <a:round/>
+              <a:headEnd type="none" w="lg" len="lg"/>
+              <a:tailEnd type="triangle" w="lg" len="lg"/>
+            </a:ln>
+          </p:spPr>
+        </p:cxnSp>
+        <p:cxnSp>
+          <p:nvCxnSpPr>
+            <p:cNvPr id="176" name="Shape 364">
+              <a:extLst>
+                <a:ext uri="{FF2B5EF4-FFF2-40B4-BE49-F238E27FC236}">
+                  <a16:creationId xmlns:a16="http://schemas.microsoft.com/office/drawing/2014/main" id="{008A42B9-D3F8-427E-8A39-92475F2A5E4D}"/>
+                </a:ext>
+              </a:extLst>
+            </p:cNvPr>
+            <p:cNvCxnSpPr/>
+            <p:nvPr/>
+          </p:nvCxnSpPr>
+          <p:spPr>
+            <a:xfrm>
+              <a:off x="2332973" y="2544996"/>
+              <a:ext cx="632400" cy="0"/>
+            </a:xfrm>
+            <a:prstGeom prst="straightConnector1">
+              <a:avLst/>
+            </a:prstGeom>
+            <a:noFill/>
+            <a:ln w="9525" cap="flat" cmpd="sng">
+              <a:solidFill>
+                <a:srgbClr val="1F497D"/>
+              </a:solidFill>
+              <a:prstDash val="solid"/>
+              <a:round/>
+              <a:headEnd type="none" w="lg" len="lg"/>
+              <a:tailEnd type="triangle" w="lg" len="lg"/>
+            </a:ln>
+          </p:spPr>
+        </p:cxnSp>
+        <p:cxnSp>
+          <p:nvCxnSpPr>
+            <p:cNvPr id="177" name="Shape 366">
+              <a:extLst>
+                <a:ext uri="{FF2B5EF4-FFF2-40B4-BE49-F238E27FC236}">
+                  <a16:creationId xmlns:a16="http://schemas.microsoft.com/office/drawing/2014/main" id="{AEBB89B7-7C2F-4D55-BB9F-1D406E433633}"/>
+                </a:ext>
+              </a:extLst>
+            </p:cNvPr>
+            <p:cNvCxnSpPr/>
+            <p:nvPr/>
+          </p:nvCxnSpPr>
+          <p:spPr>
+            <a:xfrm>
+              <a:off x="2991914" y="2138200"/>
+              <a:ext cx="553214" cy="0"/>
+            </a:xfrm>
+            <a:prstGeom prst="straightConnector1">
+              <a:avLst/>
+            </a:prstGeom>
+            <a:noFill/>
+            <a:ln w="9525" cap="flat" cmpd="sng">
+              <a:solidFill>
+                <a:srgbClr val="1F497D"/>
+              </a:solidFill>
+              <a:prstDash val="solid"/>
+              <a:round/>
+              <a:headEnd type="none" w="lg" len="lg"/>
+              <a:tailEnd type="triangle" w="lg" len="lg"/>
+            </a:ln>
+          </p:spPr>
+        </p:cxnSp>
+        <p:cxnSp>
+          <p:nvCxnSpPr>
+            <p:cNvPr id="178" name="Shape 366">
+              <a:extLst>
+                <a:ext uri="{FF2B5EF4-FFF2-40B4-BE49-F238E27FC236}">
+                  <a16:creationId xmlns:a16="http://schemas.microsoft.com/office/drawing/2014/main" id="{3EB55E0D-4AD2-411A-97A4-66E138CB2D0F}"/>
+                </a:ext>
+              </a:extLst>
+            </p:cNvPr>
+            <p:cNvCxnSpPr/>
+            <p:nvPr/>
+          </p:nvCxnSpPr>
+          <p:spPr>
+            <a:xfrm>
+              <a:off x="4157667" y="2571750"/>
+              <a:ext cx="642933" cy="0"/>
+            </a:xfrm>
+            <a:prstGeom prst="straightConnector1">
+              <a:avLst/>
+            </a:prstGeom>
+            <a:noFill/>
+            <a:ln w="9525" cap="flat" cmpd="sng">
+              <a:solidFill>
+                <a:srgbClr val="1F497D"/>
+              </a:solidFill>
+              <a:prstDash val="solid"/>
+              <a:round/>
+              <a:headEnd type="none" w="lg" len="lg"/>
+              <a:tailEnd type="triangle" w="lg" len="lg"/>
+            </a:ln>
+          </p:spPr>
+        </p:cxnSp>
+        <p:cxnSp>
+          <p:nvCxnSpPr>
+            <p:cNvPr id="179" name="Shape 352">
+              <a:extLst>
+                <a:ext uri="{FF2B5EF4-FFF2-40B4-BE49-F238E27FC236}">
+                  <a16:creationId xmlns:a16="http://schemas.microsoft.com/office/drawing/2014/main" id="{C34F64AB-A671-4580-9A45-EE91563CB19A}"/>
+                </a:ext>
+              </a:extLst>
+            </p:cNvPr>
+            <p:cNvCxnSpPr/>
+            <p:nvPr/>
+          </p:nvCxnSpPr>
+          <p:spPr>
+            <a:xfrm flipH="1" flipV="1">
+              <a:off x="2900232" y="2333297"/>
+              <a:ext cx="2457585" cy="178152"/>
+            </a:xfrm>
+            <a:prstGeom prst="straightConnector1">
+              <a:avLst/>
+            </a:prstGeom>
+            <a:noFill/>
+            <a:ln w="19050" cap="flat" cmpd="sng">
+              <a:solidFill>
+                <a:srgbClr val="00B0F0"/>
+              </a:solidFill>
+              <a:prstDash val="dash"/>
+              <a:round/>
+              <a:headEnd type="none" w="lg" len="lg"/>
+              <a:tailEnd type="none" w="lg" len="lg"/>
+            </a:ln>
+          </p:spPr>
+        </p:cxnSp>
+        <p:cxnSp>
+          <p:nvCxnSpPr>
+            <p:cNvPr id="180" name="Shape 353">
+              <a:extLst>
+                <a:ext uri="{FF2B5EF4-FFF2-40B4-BE49-F238E27FC236}">
+                  <a16:creationId xmlns:a16="http://schemas.microsoft.com/office/drawing/2014/main" id="{D440CE2F-1F25-41FE-8789-DC6C7CD15178}"/>
+                </a:ext>
+              </a:extLst>
+            </p:cNvPr>
+            <p:cNvCxnSpPr/>
+            <p:nvPr/>
+          </p:nvCxnSpPr>
+          <p:spPr>
+            <a:xfrm flipH="1">
+              <a:off x="2891063" y="2713073"/>
+              <a:ext cx="2466756" cy="124720"/>
+            </a:xfrm>
+            <a:prstGeom prst="straightConnector1">
+              <a:avLst/>
+            </a:prstGeom>
+            <a:noFill/>
+            <a:ln w="19050" cap="flat" cmpd="sng">
+              <a:solidFill>
+                <a:srgbClr val="00B0F0"/>
+              </a:solidFill>
+              <a:prstDash val="dash"/>
+              <a:round/>
+              <a:headEnd type="none" w="lg" len="lg"/>
+              <a:tailEnd type="none" w="lg" len="lg"/>
+            </a:ln>
+          </p:spPr>
+        </p:cxnSp>
+        <p:sp>
+          <p:nvSpPr>
+            <p:cNvPr id="181" name="Shape 356">
+              <a:extLst>
+                <a:ext uri="{FF2B5EF4-FFF2-40B4-BE49-F238E27FC236}">
+                  <a16:creationId xmlns:a16="http://schemas.microsoft.com/office/drawing/2014/main" id="{216F1EFB-8F11-4ED3-AF85-950BAA58BFC1}"/>
+                </a:ext>
+              </a:extLst>
+            </p:cNvPr>
+            <p:cNvSpPr txBox="1"/>
+            <p:nvPr/>
+          </p:nvSpPr>
+          <p:spPr>
+            <a:xfrm>
+              <a:off x="2491595" y="1809750"/>
+              <a:ext cx="766200" cy="563724"/>
+            </a:xfrm>
+            <a:prstGeom prst="rect">
+              <a:avLst/>
+            </a:prstGeom>
+            <a:noFill/>
+            <a:ln>
+              <a:noFill/>
+            </a:ln>
+          </p:spPr>
+          <p:txBody>
+            <a:bodyPr wrap="square" lIns="127995" tIns="127995" rIns="127995" bIns="127995" anchor="t" anchorCtr="0">
+              <a:noAutofit/>
+            </a:bodyPr>
+            <a:lstStyle/>
+            <a:p>
+              <a:pPr marL="0" marR="0" lvl="0" indent="0" defTabSz="914400" eaLnBrk="1" fontAlgn="auto" latinLnBrk="0" hangingPunct="1">
+                <a:lnSpc>
+                  <a:spcPct val="100000"/>
+                </a:lnSpc>
+                <a:spcBef>
+                  <a:spcPts val="0"/>
+                </a:spcBef>
+                <a:spcAft>
+                  <a:spcPts val="0"/>
+                </a:spcAft>
+                <a:buClrTx/>
+                <a:buSzTx/>
+                <a:buFontTx/>
+                <a:buNone/>
+                <a:tabLst/>
+                <a:defRPr/>
+              </a:pPr>
+              <a:r>
+                <a:rPr kumimoji="0" lang="el-GR" sz="3200" b="0" i="0" u="none" strike="noStrike" kern="0" cap="none" spc="0" normalizeH="0" baseline="0" noProof="0" dirty="0">
+                  <a:ln>
+                    <a:noFill/>
+                  </a:ln>
+                  <a:solidFill>
+                    <a:srgbClr val="9BBB59">
+                      <a:lumMod val="50000"/>
+                    </a:srgbClr>
+                  </a:solidFill>
+                  <a:effectLst/>
+                  <a:uLnTx/>
+                  <a:uFillTx/>
+                </a:rPr>
+                <a:t>ν</a:t>
+              </a:r>
+              <a:r>
+                <a:rPr kumimoji="0" lang="en-US" sz="3200" b="0" i="0" u="none" strike="noStrike" kern="0" cap="none" spc="0" normalizeH="0" baseline="-25000" noProof="0" dirty="0">
+                  <a:ln>
+                    <a:noFill/>
+                  </a:ln>
+                  <a:solidFill>
+                    <a:srgbClr val="9BBB59">
+                      <a:lumMod val="50000"/>
+                    </a:srgbClr>
+                  </a:solidFill>
+                  <a:effectLst/>
+                  <a:uLnTx/>
+                  <a:uFillTx/>
+                </a:rPr>
+                <a:t>mid</a:t>
+              </a:r>
+              <a:endParaRPr kumimoji="0" lang="en" sz="3200" b="0" i="0" u="none" strike="noStrike" kern="0" cap="none" spc="0" normalizeH="0" baseline="-25000" noProof="0" dirty="0">
+                <a:ln>
+                  <a:noFill/>
+                </a:ln>
+                <a:solidFill>
+                  <a:srgbClr val="9BBB59">
+                    <a:lumMod val="50000"/>
+                  </a:srgbClr>
+                </a:solidFill>
+                <a:effectLst/>
+                <a:uLnTx/>
+                <a:uFillTx/>
+              </a:endParaRPr>
+            </a:p>
+          </p:txBody>
+        </p:sp>
+        <p:sp>
+          <p:nvSpPr>
+            <p:cNvPr id="182" name="Shape 356">
+              <a:extLst>
+                <a:ext uri="{FF2B5EF4-FFF2-40B4-BE49-F238E27FC236}">
+                  <a16:creationId xmlns:a16="http://schemas.microsoft.com/office/drawing/2014/main" id="{D3ECCF89-B2CC-439A-BD0C-01EDE441AA9B}"/>
+                </a:ext>
+              </a:extLst>
+            </p:cNvPr>
+            <p:cNvSpPr txBox="1"/>
+            <p:nvPr/>
+          </p:nvSpPr>
+          <p:spPr>
+            <a:xfrm>
+              <a:off x="2500763" y="2498612"/>
+              <a:ext cx="766200" cy="563724"/>
+            </a:xfrm>
+            <a:prstGeom prst="rect">
+              <a:avLst/>
+            </a:prstGeom>
+            <a:noFill/>
+            <a:ln>
+              <a:noFill/>
+            </a:ln>
+          </p:spPr>
+          <p:txBody>
+            <a:bodyPr wrap="square" lIns="127995" tIns="127995" rIns="127995" bIns="127995" anchor="t" anchorCtr="0">
+              <a:noAutofit/>
+            </a:bodyPr>
+            <a:lstStyle/>
+            <a:p>
+              <a:pPr marL="0" marR="0" lvl="0" indent="0" defTabSz="914400" eaLnBrk="1" fontAlgn="auto" latinLnBrk="0" hangingPunct="1">
+                <a:lnSpc>
+                  <a:spcPct val="100000"/>
+                </a:lnSpc>
+                <a:spcBef>
+                  <a:spcPts val="0"/>
+                </a:spcBef>
+                <a:spcAft>
+                  <a:spcPts val="0"/>
+                </a:spcAft>
+                <a:buClrTx/>
+                <a:buSzTx/>
+                <a:buFontTx/>
+                <a:buNone/>
+                <a:tabLst/>
+                <a:defRPr/>
+              </a:pPr>
+              <a:r>
+                <a:rPr kumimoji="0" lang="el-GR" sz="3200" b="0" i="0" u="none" strike="noStrike" kern="0" cap="none" spc="0" normalizeH="0" baseline="0" noProof="0" dirty="0">
+                  <a:ln>
+                    <a:noFill/>
+                  </a:ln>
+                  <a:solidFill>
+                    <a:srgbClr val="00B0F0"/>
+                  </a:solidFill>
+                  <a:effectLst/>
+                  <a:uLnTx/>
+                  <a:uFillTx/>
+                </a:rPr>
+                <a:t>ν</a:t>
+              </a:r>
+              <a:r>
+                <a:rPr kumimoji="0" lang="en-US" sz="3200" b="0" i="0" u="none" strike="noStrike" kern="0" cap="none" spc="0" normalizeH="0" baseline="-25000" noProof="0" dirty="0">
+                  <a:ln>
+                    <a:noFill/>
+                  </a:ln>
+                  <a:solidFill>
+                    <a:srgbClr val="00B0F0"/>
+                  </a:solidFill>
+                  <a:effectLst/>
+                  <a:uLnTx/>
+                  <a:uFillTx/>
+                </a:rPr>
+                <a:t>high</a:t>
+              </a:r>
+              <a:endParaRPr kumimoji="0" lang="en" sz="3200" b="0" i="0" u="none" strike="noStrike" kern="0" cap="none" spc="0" normalizeH="0" baseline="-25000" noProof="0" dirty="0">
+                <a:ln>
+                  <a:noFill/>
+                </a:ln>
+                <a:solidFill>
+                  <a:srgbClr val="00B0F0"/>
+                </a:solidFill>
+                <a:effectLst/>
+                <a:uLnTx/>
+                <a:uFillTx/>
+              </a:endParaRPr>
+            </a:p>
+          </p:txBody>
+        </p:sp>
+        <p:sp>
+          <p:nvSpPr>
+            <p:cNvPr id="183" name="Shape 360">
+              <a:extLst>
+                <a:ext uri="{FF2B5EF4-FFF2-40B4-BE49-F238E27FC236}">
+                  <a16:creationId xmlns:a16="http://schemas.microsoft.com/office/drawing/2014/main" id="{BA8E491B-CC06-4568-9FBC-9A0D4DEAE518}"/>
+                </a:ext>
+              </a:extLst>
+            </p:cNvPr>
+            <p:cNvSpPr txBox="1"/>
+            <p:nvPr/>
+          </p:nvSpPr>
+          <p:spPr>
+            <a:xfrm>
+              <a:off x="3073436" y="1236813"/>
+              <a:ext cx="1561131" cy="673094"/>
+            </a:xfrm>
+            <a:prstGeom prst="rect">
+              <a:avLst/>
+            </a:prstGeom>
+            <a:noFill/>
+            <a:ln>
+              <a:noFill/>
+            </a:ln>
+          </p:spPr>
+          <p:txBody>
+            <a:bodyPr wrap="square" lIns="127995" tIns="127995" rIns="127995" bIns="127995" anchor="t" anchorCtr="0">
+              <a:noAutofit/>
+            </a:bodyPr>
+            <a:lstStyle/>
+            <a:p>
+              <a:pPr marL="0" marR="0" lvl="0" indent="0" algn="ctr" defTabSz="914400" eaLnBrk="1" fontAlgn="auto" latinLnBrk="0" hangingPunct="1">
+                <a:lnSpc>
+                  <a:spcPct val="100000"/>
+                </a:lnSpc>
+                <a:spcBef>
+                  <a:spcPts val="0"/>
+                </a:spcBef>
+                <a:spcAft>
+                  <a:spcPts val="0"/>
+                </a:spcAft>
+                <a:buClrTx/>
+                <a:buSzTx/>
+                <a:buFontTx/>
+                <a:buNone/>
+                <a:tabLst/>
+                <a:defRPr/>
+              </a:pPr>
+              <a:r>
+                <a:rPr kumimoji="0" lang="en" sz="2800" b="0" i="0" u="none" strike="noStrike" kern="0" cap="none" spc="0" normalizeH="0" baseline="0" noProof="0" dirty="0">
+                  <a:ln>
+                    <a:noFill/>
+                  </a:ln>
+                  <a:solidFill>
+                    <a:prstClr val="black"/>
+                  </a:solidFill>
+                  <a:effectLst/>
+                  <a:uLnTx/>
+                  <a:uFillTx/>
+                </a:rPr>
+                <a:t>Secondary mirror 10 K</a:t>
+              </a:r>
+            </a:p>
+          </p:txBody>
+        </p:sp>
+        <p:sp>
+          <p:nvSpPr>
+            <p:cNvPr id="184" name="Shape 360">
+              <a:extLst>
+                <a:ext uri="{FF2B5EF4-FFF2-40B4-BE49-F238E27FC236}">
+                  <a16:creationId xmlns:a16="http://schemas.microsoft.com/office/drawing/2014/main" id="{0DD8E73C-FDC9-4DB6-9DBC-125F80535DDF}"/>
+                </a:ext>
+              </a:extLst>
+            </p:cNvPr>
+            <p:cNvSpPr txBox="1"/>
+            <p:nvPr/>
+          </p:nvSpPr>
+          <p:spPr>
+            <a:xfrm>
+              <a:off x="4497238" y="1237658"/>
+              <a:ext cx="1466366" cy="263400"/>
+            </a:xfrm>
+            <a:prstGeom prst="rect">
+              <a:avLst/>
+            </a:prstGeom>
+            <a:noFill/>
+            <a:ln>
+              <a:noFill/>
+            </a:ln>
+          </p:spPr>
+          <p:txBody>
+            <a:bodyPr wrap="square" lIns="127995" tIns="127995" rIns="127995" bIns="127995" anchor="t" anchorCtr="0">
+              <a:noAutofit/>
+            </a:bodyPr>
+            <a:lstStyle/>
+            <a:p>
+              <a:pPr marL="0" marR="0" lvl="0" indent="0" algn="ctr" defTabSz="914400" eaLnBrk="1" fontAlgn="auto" latinLnBrk="0" hangingPunct="1">
+                <a:lnSpc>
+                  <a:spcPct val="100000"/>
+                </a:lnSpc>
+                <a:spcBef>
+                  <a:spcPts val="0"/>
+                </a:spcBef>
+                <a:spcAft>
+                  <a:spcPts val="0"/>
+                </a:spcAft>
+                <a:buClrTx/>
+                <a:buSzTx/>
+                <a:buFontTx/>
+                <a:buNone/>
+                <a:tabLst/>
+                <a:defRPr/>
+              </a:pPr>
+              <a:r>
+                <a:rPr kumimoji="0" lang="en" sz="2800" b="0" i="0" u="none" strike="noStrike" kern="0" cap="none" spc="0" normalizeH="0" baseline="0" noProof="0" dirty="0">
+                  <a:ln>
+                    <a:noFill/>
+                  </a:ln>
+                  <a:solidFill>
+                    <a:prstClr val="black"/>
+                  </a:solidFill>
+                  <a:effectLst/>
+                  <a:uLnTx/>
+                  <a:uFillTx/>
+                </a:rPr>
+                <a:t>Low pass filter </a:t>
+              </a:r>
+            </a:p>
+            <a:p>
+              <a:pPr marL="0" marR="0" lvl="0" indent="0" algn="ctr" defTabSz="914400" eaLnBrk="1" fontAlgn="auto" latinLnBrk="0" hangingPunct="1">
+                <a:lnSpc>
+                  <a:spcPct val="100000"/>
+                </a:lnSpc>
+                <a:spcBef>
+                  <a:spcPts val="0"/>
+                </a:spcBef>
+                <a:spcAft>
+                  <a:spcPts val="0"/>
+                </a:spcAft>
+                <a:buClrTx/>
+                <a:buSzTx/>
+                <a:buFontTx/>
+                <a:buNone/>
+                <a:tabLst/>
+                <a:defRPr/>
+              </a:pPr>
+              <a:r>
+                <a:rPr kumimoji="0" lang="en" sz="2800" b="0" i="0" u="none" strike="noStrike" kern="0" cap="none" spc="0" normalizeH="0" baseline="0" noProof="0" dirty="0">
+                  <a:ln>
+                    <a:noFill/>
+                  </a:ln>
+                  <a:solidFill>
+                    <a:prstClr val="black"/>
+                  </a:solidFill>
+                  <a:effectLst/>
+                  <a:uLnTx/>
+                  <a:uFillTx/>
+                </a:rPr>
+                <a:t>1 K</a:t>
+              </a:r>
+            </a:p>
+          </p:txBody>
+        </p:sp>
+      </p:grpSp>
+      <p:sp>
+        <p:nvSpPr>
+          <p:cNvPr id="104" name="Rectangle 103">
+            <a:extLst>
+              <a:ext uri="{FF2B5EF4-FFF2-40B4-BE49-F238E27FC236}">
+                <a16:creationId xmlns:a16="http://schemas.microsoft.com/office/drawing/2014/main" id="{96B2017C-07A9-4882-A8FB-9A47E71E865D}"/>
+              </a:ext>
+            </a:extLst>
+          </p:cNvPr>
+          <p:cNvSpPr/>
+          <p:nvPr/>
+        </p:nvSpPr>
+        <p:spPr>
+          <a:xfrm>
+            <a:off x="11056524" y="26746200"/>
+            <a:ext cx="21508585" cy="5943600"/>
+          </a:xfrm>
+          <a:prstGeom prst="rect">
+            <a:avLst/>
+          </a:prstGeom>
+          <a:noFill/>
+          <a:ln w="127000">
+            <a:solidFill>
+              <a:srgbClr val="8EB4E3"/>
+            </a:solidFill>
+          </a:ln>
+        </p:spPr>
+        <p:style>
+          <a:lnRef idx="2">
+            <a:schemeClr val="accent1">
+              <a:shade val="50000"/>
+            </a:schemeClr>
+          </a:lnRef>
+          <a:fillRef idx="1">
+            <a:schemeClr val="accent1"/>
+          </a:fillRef>
+          <a:effectRef idx="0">
+            <a:schemeClr val="accent1"/>
+          </a:effectRef>
+          <a:fontRef idx="minor">
+            <a:schemeClr val="lt1"/>
+          </a:fontRef>
+        </p:style>
+        <p:txBody>
+          <a:bodyPr lIns="74807" tIns="37404" rIns="74807" bIns="37404" rtlCol="0" anchor="ctr"/>
+          <a:lstStyle/>
+          <a:p>
+            <a:pPr algn="ctr"/>
+            <a:endParaRPr lang="en-US"/>
+          </a:p>
+        </p:txBody>
+      </p:sp>
+      <p:sp>
+        <p:nvSpPr>
+          <p:cNvPr id="107" name="TextBox 106">
+            <a:extLst>
+              <a:ext uri="{FF2B5EF4-FFF2-40B4-BE49-F238E27FC236}">
+                <a16:creationId xmlns:a16="http://schemas.microsoft.com/office/drawing/2014/main" id="{8CE55491-D587-4170-ABD6-5E323C0B88FA}"/>
+              </a:ext>
+            </a:extLst>
+          </p:cNvPr>
+          <p:cNvSpPr txBox="1"/>
+          <p:nvPr/>
+        </p:nvSpPr>
+        <p:spPr>
+          <a:xfrm>
+            <a:off x="11311352" y="27045645"/>
+            <a:ext cx="10608848" cy="4661409"/>
+          </a:xfrm>
+          <a:prstGeom prst="rect">
+            <a:avLst/>
+          </a:prstGeom>
+          <a:noFill/>
+        </p:spPr>
+        <p:txBody>
+          <a:bodyPr wrap="square" lIns="74807" tIns="37404" rIns="74807" bIns="37404" rtlCol="0">
+            <a:spAutoFit/>
+          </a:bodyPr>
+          <a:lstStyle/>
+          <a:p>
+            <a:pPr algn="ctr"/>
+            <a:r>
+              <a:rPr lang="en-US" sz="4600" b="1" dirty="0"/>
+              <a:t>Model</a:t>
+            </a:r>
+          </a:p>
+          <a:p>
+            <a:pPr marL="561053" indent="-561053">
+              <a:buFont typeface="Arial" panose="020B0604020202020204" pitchFamily="34" charset="0"/>
+              <a:buChar char="•"/>
+            </a:pPr>
+            <a:r>
+              <a:rPr lang="en-US" sz="3600" dirty="0"/>
+              <a:t>White noise only</a:t>
+            </a:r>
+          </a:p>
+          <a:p>
+            <a:pPr marL="561053" indent="-561053">
+              <a:buFont typeface="Arial" panose="020B0604020202020204" pitchFamily="34" charset="0"/>
+              <a:buChar char="•"/>
+            </a:pPr>
+            <a:r>
+              <a:rPr lang="en-US" sz="3600" dirty="0"/>
+              <a:t>Includes photon (dominates), phonon, readout, and TES Johnson noise terms </a:t>
+            </a:r>
+          </a:p>
+          <a:p>
+            <a:pPr marL="561053" indent="-561053">
+              <a:buFont typeface="Arial" panose="020B0604020202020204" pitchFamily="34" charset="0"/>
+              <a:buChar char="•"/>
+            </a:pPr>
+            <a:r>
+              <a:rPr lang="en-US" sz="3600" dirty="0"/>
+              <a:t>5 year mission at 95% observing efficiency</a:t>
+            </a:r>
+          </a:p>
+          <a:p>
+            <a:pPr marL="561053" indent="-561053">
+              <a:buFont typeface="Arial" panose="020B0604020202020204" pitchFamily="34" charset="0"/>
+              <a:buChar char="•"/>
+            </a:pPr>
+            <a:r>
+              <a:rPr lang="en-US" sz="3600" dirty="0"/>
+              <a:t>Safety factor of 2, </a:t>
+            </a:r>
+            <a:r>
+              <a:rPr lang="en-US" sz="3600" dirty="0" err="1"/>
+              <a:t>P</a:t>
+            </a:r>
+            <a:r>
+              <a:rPr lang="en-US" sz="3600" baseline="-25000" dirty="0" err="1"/>
+              <a:t>sat</a:t>
+            </a:r>
+            <a:r>
+              <a:rPr lang="en-US" sz="3600" dirty="0"/>
+              <a:t> = 2 </a:t>
+            </a:r>
+            <a:r>
+              <a:rPr lang="en-US" sz="3600" dirty="0" err="1"/>
+              <a:t>P</a:t>
+            </a:r>
+            <a:r>
+              <a:rPr lang="en-US" sz="3600" baseline="-25000" dirty="0" err="1"/>
+              <a:t>opt</a:t>
+            </a:r>
+            <a:endParaRPr lang="en-US" sz="3600" baseline="-25000" dirty="0"/>
+          </a:p>
+          <a:p>
+            <a:pPr marL="561053" indent="-561053">
+              <a:buFont typeface="Arial" panose="020B0604020202020204" pitchFamily="34" charset="0"/>
+              <a:buChar char="•"/>
+            </a:pPr>
+            <a:r>
+              <a:rPr lang="en-US" sz="3600" dirty="0"/>
+              <a:t>70 % bolometer </a:t>
+            </a:r>
+            <a:r>
+              <a:rPr lang="en-US" sz="3600" dirty="0" err="1"/>
+              <a:t>effeciency</a:t>
+            </a:r>
+            <a:endParaRPr lang="en-US" sz="3600" dirty="0"/>
+          </a:p>
+          <a:p>
+            <a:pPr marL="561053" indent="-561053">
+              <a:buFont typeface="Arial" panose="020B0604020202020204" pitchFamily="34" charset="0"/>
+              <a:buChar char="•"/>
+            </a:pPr>
+            <a:r>
+              <a:rPr lang="en-US" sz="3600" dirty="0"/>
+              <a:t>100 % yield</a:t>
+            </a:r>
+          </a:p>
+        </p:txBody>
+      </p:sp>
+      <p:sp>
+        <p:nvSpPr>
+          <p:cNvPr id="108" name="TextBox 107">
+            <a:extLst>
+              <a:ext uri="{FF2B5EF4-FFF2-40B4-BE49-F238E27FC236}">
+                <a16:creationId xmlns:a16="http://schemas.microsoft.com/office/drawing/2014/main" id="{CAE4F357-3736-4921-8A3E-B4965E55CDD1}"/>
+              </a:ext>
+            </a:extLst>
+          </p:cNvPr>
+          <p:cNvSpPr txBox="1"/>
+          <p:nvPr/>
+        </p:nvSpPr>
+        <p:spPr>
+          <a:xfrm>
+            <a:off x="21945600" y="27017193"/>
+            <a:ext cx="10546773" cy="5215407"/>
+          </a:xfrm>
+          <a:prstGeom prst="rect">
+            <a:avLst/>
+          </a:prstGeom>
+          <a:noFill/>
+        </p:spPr>
+        <p:txBody>
+          <a:bodyPr wrap="square" lIns="74807" tIns="37404" rIns="74807" bIns="37404" rtlCol="0">
+            <a:spAutoFit/>
+          </a:bodyPr>
+          <a:lstStyle/>
+          <a:p>
+            <a:pPr algn="ctr"/>
+            <a:r>
+              <a:rPr lang="en-US" sz="4600" b="1" dirty="0"/>
+              <a:t>Results </a:t>
+            </a:r>
+          </a:p>
+          <a:p>
+            <a:pPr marL="561053" indent="-561053">
+              <a:buFont typeface="Arial" panose="020B0604020202020204" pitchFamily="34" charset="0"/>
+              <a:buChar char="•"/>
+            </a:pPr>
+            <a:r>
+              <a:rPr lang="en-US" sz="3600" dirty="0"/>
+              <a:t>CMB and stop are the largest optical load in all bands</a:t>
+            </a:r>
+          </a:p>
+          <a:p>
+            <a:pPr marL="561053" indent="-561053">
+              <a:buFont typeface="Arial" panose="020B0604020202020204" pitchFamily="34" charset="0"/>
+              <a:buChar char="•"/>
+            </a:pPr>
+            <a:r>
+              <a:rPr lang="en-US" sz="3600" dirty="0"/>
+              <a:t>Maximum load from stop is at 223 GHz and is         4.7 times the CMB load</a:t>
+            </a:r>
+          </a:p>
+          <a:p>
+            <a:pPr marL="561053" indent="-561053">
+              <a:buFont typeface="Arial" panose="020B0604020202020204" pitchFamily="34" charset="0"/>
+              <a:buChar char="•"/>
+            </a:pPr>
+            <a:r>
+              <a:rPr lang="en-US" sz="3600" dirty="0" err="1"/>
+              <a:t>NEP</a:t>
+            </a:r>
+            <a:r>
+              <a:rPr lang="en-US" sz="3600" baseline="-25000" dirty="0" err="1"/>
+              <a:t>phonon</a:t>
+            </a:r>
+            <a:r>
+              <a:rPr lang="en-US" sz="3600" baseline="-25000" dirty="0"/>
+              <a:t> </a:t>
+            </a:r>
+            <a:r>
+              <a:rPr lang="en-US" sz="3600" dirty="0"/>
+              <a:t>/ </a:t>
+            </a:r>
+            <a:r>
+              <a:rPr lang="en-US" sz="3600" dirty="0" err="1"/>
+              <a:t>NEP</a:t>
+            </a:r>
+            <a:r>
+              <a:rPr lang="en-US" sz="3600" baseline="-25000" dirty="0" err="1"/>
+              <a:t>photon</a:t>
+            </a:r>
+            <a:r>
+              <a:rPr lang="en-US" sz="3600" dirty="0"/>
+              <a:t> is 65% at 21 GHz and 19% at 800 GHz</a:t>
+            </a:r>
+          </a:p>
+          <a:p>
+            <a:pPr marL="561053" indent="-561053">
+              <a:buFont typeface="Arial" panose="020B0604020202020204" pitchFamily="34" charset="0"/>
+              <a:buChar char="•"/>
+            </a:pPr>
+            <a:r>
+              <a:rPr lang="en-US" sz="3600" dirty="0"/>
+              <a:t>Bose / Poisson photon noise is 1.5 at 21 GHz and drops below 10% at 321 GHz.</a:t>
+            </a:r>
+          </a:p>
+          <a:p>
+            <a:pPr marL="561053" indent="-561053">
+              <a:buFont typeface="Arial" panose="020B0604020202020204" pitchFamily="34" charset="0"/>
+              <a:buChar char="•"/>
+            </a:pPr>
+            <a:r>
+              <a:rPr lang="en-US" sz="3600" dirty="0"/>
+              <a:t>Full sky polarization map depth is 0.62 </a:t>
+            </a:r>
+            <a:r>
+              <a:rPr lang="el-GR" sz="3600" dirty="0"/>
+              <a:t>μ</a:t>
+            </a:r>
+            <a:r>
+              <a:rPr lang="en-US" sz="3600" dirty="0"/>
+              <a:t>K</a:t>
+            </a:r>
+            <a:r>
+              <a:rPr lang="en-US" sz="3600" baseline="-25000" dirty="0"/>
+              <a:t>CMB</a:t>
+            </a:r>
+            <a:r>
+              <a:rPr lang="en-US" sz="3600" dirty="0"/>
+              <a:t>-arcmin</a:t>
+            </a:r>
           </a:p>
         </p:txBody>
       </p:sp>
@@ -10285,13 +11294,6 @@
   <p:clrMapOvr>
     <a:masterClrMapping/>
   </p:clrMapOvr>
-  <p:timing>
-    <p:tnLst>
-      <p:par>
-        <p:cTn id="1" dur="indefinite" restart="never" nodeType="tmRoot"/>
-      </p:par>
-    </p:tnLst>
-  </p:timing>
 </p:sld>
 </file>
 

--- a/Poster/PICO_poster_SPIE2018.pptx
+++ b/Poster/PICO_poster_SPIE2018.pptx
@@ -8278,7 +8278,29 @@
                 </a:solidFill>
                 <a:latin typeface="+mj-lt"/>
               </a:rPr>
-              <a:t>National Institute of Science and Technology, </a:t>
+              <a:t>National Institute </a:t>
+            </a:r>
+            <a:r>
+              <a:rPr lang="en-US" altLang="en-US" sz="2800">
+                <a:solidFill>
+                  <a:schemeClr val="tx2">
+                    <a:lumMod val="50000"/>
+                  </a:schemeClr>
+                </a:solidFill>
+                <a:latin typeface="+mj-lt"/>
+              </a:rPr>
+              <a:t>of Standards </a:t>
+            </a:r>
+            <a:r>
+              <a:rPr lang="en-US" altLang="en-US" sz="2800" dirty="0">
+                <a:solidFill>
+                  <a:schemeClr val="tx2">
+                    <a:lumMod val="50000"/>
+                  </a:schemeClr>
+                </a:solidFill>
+                <a:latin typeface="+mj-lt"/>
+              </a:rPr>
+              <a:t>and Technology, </a:t>
             </a:r>
           </a:p>
           <a:p>
